--- a/books/cct/cctpy/cctpy.pptx
+++ b/books/cct/cctpy/cctpy.pptx
@@ -11,6 +11,8 @@
     <p:sldId id="259" r:id="rId5"/>
     <p:sldId id="260" r:id="rId6"/>
     <p:sldId id="261" r:id="rId7"/>
+    <p:sldId id="262" r:id="rId8"/>
+    <p:sldId id="263" r:id="rId9"/>
   </p:sldIdLst>
   <p:sldSz cx="12192000" cy="6858000"/>
   <p:notesSz cx="6858000" cy="9144000"/>
@@ -264,7 +266,7 @@
           <a:p>
             <a:fld id="{3CB234AC-E76C-4FA7-BAFA-B39D2955196C}" type="datetimeFigureOut">
               <a:rPr lang="zh-CN" altLang="en-US" smtClean="0"/>
-              <a:t>2020/12/1</a:t>
+              <a:t>2020/12/2</a:t>
             </a:fld>
             <a:endParaRPr lang="zh-CN" altLang="en-US"/>
           </a:p>
@@ -462,7 +464,7 @@
           <a:p>
             <a:fld id="{3CB234AC-E76C-4FA7-BAFA-B39D2955196C}" type="datetimeFigureOut">
               <a:rPr lang="zh-CN" altLang="en-US" smtClean="0"/>
-              <a:t>2020/12/1</a:t>
+              <a:t>2020/12/2</a:t>
             </a:fld>
             <a:endParaRPr lang="zh-CN" altLang="en-US"/>
           </a:p>
@@ -670,7 +672,7 @@
           <a:p>
             <a:fld id="{3CB234AC-E76C-4FA7-BAFA-B39D2955196C}" type="datetimeFigureOut">
               <a:rPr lang="zh-CN" altLang="en-US" smtClean="0"/>
-              <a:t>2020/12/1</a:t>
+              <a:t>2020/12/2</a:t>
             </a:fld>
             <a:endParaRPr lang="zh-CN" altLang="en-US"/>
           </a:p>
@@ -868,7 +870,7 @@
           <a:p>
             <a:fld id="{3CB234AC-E76C-4FA7-BAFA-B39D2955196C}" type="datetimeFigureOut">
               <a:rPr lang="zh-CN" altLang="en-US" smtClean="0"/>
-              <a:t>2020/12/1</a:t>
+              <a:t>2020/12/2</a:t>
             </a:fld>
             <a:endParaRPr lang="zh-CN" altLang="en-US"/>
           </a:p>
@@ -1143,7 +1145,7 @@
           <a:p>
             <a:fld id="{3CB234AC-E76C-4FA7-BAFA-B39D2955196C}" type="datetimeFigureOut">
               <a:rPr lang="zh-CN" altLang="en-US" smtClean="0"/>
-              <a:t>2020/12/1</a:t>
+              <a:t>2020/12/2</a:t>
             </a:fld>
             <a:endParaRPr lang="zh-CN" altLang="en-US"/>
           </a:p>
@@ -1408,7 +1410,7 @@
           <a:p>
             <a:fld id="{3CB234AC-E76C-4FA7-BAFA-B39D2955196C}" type="datetimeFigureOut">
               <a:rPr lang="zh-CN" altLang="en-US" smtClean="0"/>
-              <a:t>2020/12/1</a:t>
+              <a:t>2020/12/2</a:t>
             </a:fld>
             <a:endParaRPr lang="zh-CN" altLang="en-US"/>
           </a:p>
@@ -1820,7 +1822,7 @@
           <a:p>
             <a:fld id="{3CB234AC-E76C-4FA7-BAFA-B39D2955196C}" type="datetimeFigureOut">
               <a:rPr lang="zh-CN" altLang="en-US" smtClean="0"/>
-              <a:t>2020/12/1</a:t>
+              <a:t>2020/12/2</a:t>
             </a:fld>
             <a:endParaRPr lang="zh-CN" altLang="en-US"/>
           </a:p>
@@ -1961,7 +1963,7 @@
           <a:p>
             <a:fld id="{3CB234AC-E76C-4FA7-BAFA-B39D2955196C}" type="datetimeFigureOut">
               <a:rPr lang="zh-CN" altLang="en-US" smtClean="0"/>
-              <a:t>2020/12/1</a:t>
+              <a:t>2020/12/2</a:t>
             </a:fld>
             <a:endParaRPr lang="zh-CN" altLang="en-US"/>
           </a:p>
@@ -2074,7 +2076,7 @@
           <a:p>
             <a:fld id="{3CB234AC-E76C-4FA7-BAFA-B39D2955196C}" type="datetimeFigureOut">
               <a:rPr lang="zh-CN" altLang="en-US" smtClean="0"/>
-              <a:t>2020/12/1</a:t>
+              <a:t>2020/12/2</a:t>
             </a:fld>
             <a:endParaRPr lang="zh-CN" altLang="en-US"/>
           </a:p>
@@ -2385,7 +2387,7 @@
           <a:p>
             <a:fld id="{3CB234AC-E76C-4FA7-BAFA-B39D2955196C}" type="datetimeFigureOut">
               <a:rPr lang="zh-CN" altLang="en-US" smtClean="0"/>
-              <a:t>2020/12/1</a:t>
+              <a:t>2020/12/2</a:t>
             </a:fld>
             <a:endParaRPr lang="zh-CN" altLang="en-US"/>
           </a:p>
@@ -2673,7 +2675,7 @@
           <a:p>
             <a:fld id="{3CB234AC-E76C-4FA7-BAFA-B39D2955196C}" type="datetimeFigureOut">
               <a:rPr lang="zh-CN" altLang="en-US" smtClean="0"/>
-              <a:t>2020/12/1</a:t>
+              <a:t>2020/12/2</a:t>
             </a:fld>
             <a:endParaRPr lang="zh-CN" altLang="en-US"/>
           </a:p>
@@ -2914,7 +2916,7 @@
           <a:p>
             <a:fld id="{3CB234AC-E76C-4FA7-BAFA-B39D2955196C}" type="datetimeFigureOut">
               <a:rPr lang="zh-CN" altLang="en-US" smtClean="0"/>
-              <a:t>2020/12/1</a:t>
+              <a:t>2020/12/2</a:t>
             </a:fld>
             <a:endParaRPr lang="zh-CN" altLang="en-US"/>
           </a:p>
@@ -8110,8 +8112,8 @@
           </a:p>
         </p:txBody>
       </p:sp>
-      <mc:AlternateContent xmlns:mc="http://schemas.openxmlformats.org/markup-compatibility/2006">
-        <mc:Choice xmlns:a14="http://schemas.microsoft.com/office/drawing/2010/main" Requires="a14">
+      <mc:AlternateContent xmlns:mc="http://schemas.openxmlformats.org/markup-compatibility/2006" xmlns:a14="http://schemas.microsoft.com/office/drawing/2010/main">
+        <mc:Choice Requires="a14">
           <p:sp>
             <p:nvSpPr>
               <p:cNvPr id="39" name="文本框 38">
@@ -8140,6 +8142,7 @@
               </a:bodyPr>
               <a:lstStyle/>
               <a:p>
+                <a:pPr/>
                 <a14:m>
                   <m:oMathPara xmlns:m="http://schemas.openxmlformats.org/officeDocument/2006/math">
                     <m:oMathParaPr>
@@ -8180,7 +8183,13 @@
                                   <a:rPr lang="en-US" altLang="zh-CN" b="0" i="1" smtClean="0">
                                     <a:latin typeface="Cambria Math" panose="02040503050406030204" pitchFamily="18" charset="0"/>
                                   </a:rPr>
-                                  <m:t>8+5</m:t>
+                                  <m:t>8</m:t>
+                                </m:r>
+                                <m:r>
+                                  <a:rPr lang="en-US" altLang="zh-CN" b="0" i="1" smtClean="0">
+                                    <a:latin typeface="Cambria Math" panose="02040503050406030204" pitchFamily="18" charset="0"/>
+                                  </a:rPr>
+                                  <m:t>+5</m:t>
                                 </m:r>
                                 <m:rad>
                                   <m:radPr>
@@ -8278,7 +8287,16 @@
                                   <a:rPr lang="en-US" altLang="zh-CN" i="1">
                                     <a:latin typeface="Cambria Math" panose="02040503050406030204" pitchFamily="18" charset="0"/>
                                   </a:rPr>
-                                  <m:t>cos</m:t>
+                                  <m:t>c</m:t>
+                                </m:r>
+                                <m:r>
+                                  <m:rPr>
+                                    <m:sty m:val="p"/>
+                                  </m:rPr>
+                                  <a:rPr lang="en-US" altLang="zh-CN" i="1">
+                                    <a:latin typeface="Cambria Math" panose="02040503050406030204" pitchFamily="18" charset="0"/>
+                                  </a:rPr>
+                                  <m:t>os</m:t>
                                 </m:r>
                                 <m:r>
                                   <a:rPr lang="en-US" altLang="zh-CN" b="0" i="1" smtClean="0">
@@ -8388,7 +8406,13 @@
                                   <a:rPr lang="en-US" altLang="zh-CN" b="0" i="1" smtClean="0">
                                     <a:latin typeface="Cambria Math" panose="02040503050406030204" pitchFamily="18" charset="0"/>
                                   </a:rPr>
-                                  <m:t>10</m:t>
+                                  <m:t>1</m:t>
+                                </m:r>
+                                <m:r>
+                                  <a:rPr lang="en-US" altLang="zh-CN" b="0" i="1" smtClean="0">
+                                    <a:latin typeface="Cambria Math" panose="02040503050406030204" pitchFamily="18" charset="0"/>
+                                  </a:rPr>
+                                  <m:t>0</m:t>
                                 </m:r>
                               </m:e>
                             </m:mr>
@@ -8413,7 +8437,7 @@
             </p:txBody>
           </p:sp>
         </mc:Choice>
-        <mc:Fallback>
+        <mc:Fallback xmlns="">
           <p:sp>
             <p:nvSpPr>
               <p:cNvPr id="39" name="文本框 38">
@@ -8458,8 +8482,8 @@
           </p:sp>
         </mc:Fallback>
       </mc:AlternateContent>
-      <mc:AlternateContent xmlns:mc="http://schemas.openxmlformats.org/markup-compatibility/2006">
-        <mc:Choice xmlns:a14="http://schemas.microsoft.com/office/drawing/2010/main" Requires="a14">
+      <mc:AlternateContent xmlns:mc="http://schemas.openxmlformats.org/markup-compatibility/2006" xmlns:a14="http://schemas.microsoft.com/office/drawing/2010/main">
+        <mc:Choice Requires="a14">
           <p:sp>
             <p:nvSpPr>
               <p:cNvPr id="40" name="文本框 39">
@@ -8488,6 +8512,7 @@
               </a:bodyPr>
               <a:lstStyle/>
               <a:p>
+                <a:pPr/>
                 <a14:m>
                   <m:oMathPara xmlns:m="http://schemas.openxmlformats.org/officeDocument/2006/math">
                     <m:oMathParaPr>
@@ -8528,7 +8553,13 @@
                                   <a:rPr lang="en-US" altLang="zh-CN" b="0" i="1" smtClean="0">
                                     <a:latin typeface="Cambria Math" panose="02040503050406030204" pitchFamily="18" charset="0"/>
                                   </a:rPr>
-                                  <m:t>4+</m:t>
+                                  <m:t>4</m:t>
+                                </m:r>
+                                <m:r>
+                                  <a:rPr lang="en-US" altLang="zh-CN" b="0" i="1" smtClean="0">
+                                    <a:latin typeface="Cambria Math" panose="02040503050406030204" pitchFamily="18" charset="0"/>
+                                  </a:rPr>
+                                  <m:t>+</m:t>
                                 </m:r>
                                 <m:rad>
                                   <m:radPr>
@@ -8626,7 +8657,16 @@
                                   <a:rPr lang="en-US" altLang="zh-CN" i="1">
                                     <a:latin typeface="Cambria Math" panose="02040503050406030204" pitchFamily="18" charset="0"/>
                                   </a:rPr>
-                                  <m:t>cos</m:t>
+                                  <m:t>c</m:t>
+                                </m:r>
+                                <m:r>
+                                  <m:rPr>
+                                    <m:sty m:val="p"/>
+                                  </m:rPr>
+                                  <a:rPr lang="en-US" altLang="zh-CN" i="1">
+                                    <a:latin typeface="Cambria Math" panose="02040503050406030204" pitchFamily="18" charset="0"/>
+                                  </a:rPr>
+                                  <m:t>os</m:t>
                                 </m:r>
                                 <m:r>
                                   <a:rPr lang="en-US" altLang="zh-CN" b="0" i="1" smtClean="0">
@@ -8736,7 +8776,13 @@
                                   <a:rPr lang="en-US" altLang="zh-CN" b="0" i="1" smtClean="0">
                                     <a:latin typeface="Cambria Math" panose="02040503050406030204" pitchFamily="18" charset="0"/>
                                   </a:rPr>
-                                  <m:t>10−8</m:t>
+                                  <m:t>1</m:t>
+                                </m:r>
+                                <m:r>
+                                  <a:rPr lang="en-US" altLang="zh-CN" b="0" i="1" smtClean="0">
+                                    <a:latin typeface="Cambria Math" panose="02040503050406030204" pitchFamily="18" charset="0"/>
+                                  </a:rPr>
+                                  <m:t>0−8</m:t>
                                 </m:r>
                               </m:e>
                             </m:mr>
@@ -8761,7 +8807,7 @@
             </p:txBody>
           </p:sp>
         </mc:Choice>
-        <mc:Fallback>
+        <mc:Fallback xmlns="">
           <p:sp>
             <p:nvSpPr>
               <p:cNvPr id="40" name="文本框 39">
@@ -9966,6 +10012,795 @@
     <p:extLst>
       <p:ext uri="{BB962C8B-B14F-4D97-AF65-F5344CB8AC3E}">
         <p14:creationId xmlns:p14="http://schemas.microsoft.com/office/powerpoint/2010/main" val="2063824397"/>
+      </p:ext>
+    </p:extLst>
+  </p:cSld>
+  <p:clrMapOvr>
+    <a:masterClrMapping/>
+  </p:clrMapOvr>
+</p:sld>
+</file>
+
+<file path=ppt/slides/slide7.xml><?xml version="1.0" encoding="utf-8"?>
+<p:sld xmlns:a="http://schemas.openxmlformats.org/drawingml/2006/main" xmlns:r="http://schemas.openxmlformats.org/officeDocument/2006/relationships" xmlns:p="http://schemas.openxmlformats.org/presentationml/2006/main">
+  <p:cSld>
+    <p:spTree>
+      <p:nvGrpSpPr>
+        <p:cNvPr id="1" name=""/>
+        <p:cNvGrpSpPr/>
+        <p:nvPr/>
+      </p:nvGrpSpPr>
+      <p:grpSpPr>
+        <a:xfrm>
+          <a:off x="0" y="0"/>
+          <a:ext cx="0" cy="0"/>
+          <a:chOff x="0" y="0"/>
+          <a:chExt cx="0" cy="0"/>
+        </a:xfrm>
+      </p:grpSpPr>
+      <p:sp>
+        <p:nvSpPr>
+          <p:cNvPr id="5" name="矩形 4">
+            <a:extLst>
+              <a:ext uri="{FF2B5EF4-FFF2-40B4-BE49-F238E27FC236}">
+                <a16:creationId xmlns:a16="http://schemas.microsoft.com/office/drawing/2014/main" id="{99C52FF8-E9D1-4EAA-B845-015F9232DEF5}"/>
+              </a:ext>
+            </a:extLst>
+          </p:cNvPr>
+          <p:cNvSpPr/>
+          <p:nvPr/>
+        </p:nvSpPr>
+        <p:spPr>
+          <a:xfrm>
+            <a:off x="4074176" y="3048096"/>
+            <a:ext cx="3461657" cy="877077"/>
+          </a:xfrm>
+          <a:prstGeom prst="rect">
+            <a:avLst/>
+          </a:prstGeom>
+          <a:noFill/>
+        </p:spPr>
+        <p:style>
+          <a:lnRef idx="2">
+            <a:schemeClr val="accent1">
+              <a:shade val="50000"/>
+            </a:schemeClr>
+          </a:lnRef>
+          <a:fillRef idx="1">
+            <a:schemeClr val="accent1"/>
+          </a:fillRef>
+          <a:effectRef idx="0">
+            <a:schemeClr val="accent1"/>
+          </a:effectRef>
+          <a:fontRef idx="minor">
+            <a:schemeClr val="lt1"/>
+          </a:fontRef>
+        </p:style>
+        <p:txBody>
+          <a:bodyPr rtlCol="0" anchor="ctr"/>
+          <a:lstStyle/>
+          <a:p>
+            <a:pPr algn="ctr"/>
+            <a:endParaRPr lang="zh-CN" altLang="en-US"/>
+          </a:p>
+        </p:txBody>
+      </p:sp>
+      <p:sp>
+        <p:nvSpPr>
+          <p:cNvPr id="6" name="椭圆 5">
+            <a:extLst>
+              <a:ext uri="{FF2B5EF4-FFF2-40B4-BE49-F238E27FC236}">
+                <a16:creationId xmlns:a16="http://schemas.microsoft.com/office/drawing/2014/main" id="{656EB8F3-E551-41B8-9494-11F1C63410AD}"/>
+              </a:ext>
+            </a:extLst>
+          </p:cNvPr>
+          <p:cNvSpPr/>
+          <p:nvPr/>
+        </p:nvSpPr>
+        <p:spPr>
+          <a:xfrm>
+            <a:off x="3920221" y="3048096"/>
+            <a:ext cx="307910" cy="877077"/>
+          </a:xfrm>
+          <a:prstGeom prst="ellipse">
+            <a:avLst/>
+          </a:prstGeom>
+          <a:solidFill>
+            <a:schemeClr val="bg1"/>
+          </a:solidFill>
+        </p:spPr>
+        <p:style>
+          <a:lnRef idx="2">
+            <a:schemeClr val="accent1">
+              <a:shade val="50000"/>
+            </a:schemeClr>
+          </a:lnRef>
+          <a:fillRef idx="1">
+            <a:schemeClr val="accent1"/>
+          </a:fillRef>
+          <a:effectRef idx="0">
+            <a:schemeClr val="accent1"/>
+          </a:effectRef>
+          <a:fontRef idx="minor">
+            <a:schemeClr val="lt1"/>
+          </a:fontRef>
+        </p:style>
+        <p:txBody>
+          <a:bodyPr rtlCol="0" anchor="ctr"/>
+          <a:lstStyle/>
+          <a:p>
+            <a:pPr algn="ctr"/>
+            <a:endParaRPr lang="zh-CN" altLang="en-US"/>
+          </a:p>
+        </p:txBody>
+      </p:sp>
+      <p:sp>
+        <p:nvSpPr>
+          <p:cNvPr id="7" name="椭圆 6">
+            <a:extLst>
+              <a:ext uri="{FF2B5EF4-FFF2-40B4-BE49-F238E27FC236}">
+                <a16:creationId xmlns:a16="http://schemas.microsoft.com/office/drawing/2014/main" id="{618DCCDB-850E-470A-88E5-1C34FAF60F53}"/>
+              </a:ext>
+            </a:extLst>
+          </p:cNvPr>
+          <p:cNvSpPr/>
+          <p:nvPr/>
+        </p:nvSpPr>
+        <p:spPr>
+          <a:xfrm>
+            <a:off x="7386543" y="3048096"/>
+            <a:ext cx="307910" cy="877077"/>
+          </a:xfrm>
+          <a:prstGeom prst="ellipse">
+            <a:avLst/>
+          </a:prstGeom>
+          <a:noFill/>
+        </p:spPr>
+        <p:style>
+          <a:lnRef idx="2">
+            <a:schemeClr val="accent1">
+              <a:shade val="50000"/>
+            </a:schemeClr>
+          </a:lnRef>
+          <a:fillRef idx="1">
+            <a:schemeClr val="accent1"/>
+          </a:fillRef>
+          <a:effectRef idx="0">
+            <a:schemeClr val="accent1"/>
+          </a:effectRef>
+          <a:fontRef idx="minor">
+            <a:schemeClr val="lt1"/>
+          </a:fontRef>
+        </p:style>
+        <p:txBody>
+          <a:bodyPr rtlCol="0" anchor="ctr"/>
+          <a:lstStyle/>
+          <a:p>
+            <a:pPr algn="ctr"/>
+            <a:endParaRPr lang="zh-CN" altLang="en-US"/>
+          </a:p>
+        </p:txBody>
+      </p:sp>
+      <p:sp>
+        <p:nvSpPr>
+          <p:cNvPr id="9" name="矩形 8">
+            <a:extLst>
+              <a:ext uri="{FF2B5EF4-FFF2-40B4-BE49-F238E27FC236}">
+                <a16:creationId xmlns:a16="http://schemas.microsoft.com/office/drawing/2014/main" id="{184B2217-FC44-4333-9882-1D434D5F114F}"/>
+              </a:ext>
+            </a:extLst>
+          </p:cNvPr>
+          <p:cNvSpPr/>
+          <p:nvPr/>
+        </p:nvSpPr>
+        <p:spPr>
+          <a:xfrm>
+            <a:off x="7134617" y="3048095"/>
+            <a:ext cx="401215" cy="877077"/>
+          </a:xfrm>
+          <a:prstGeom prst="rect">
+            <a:avLst/>
+          </a:prstGeom>
+          <a:solidFill>
+            <a:schemeClr val="bg1"/>
+          </a:solidFill>
+        </p:spPr>
+        <p:style>
+          <a:lnRef idx="2">
+            <a:schemeClr val="accent1">
+              <a:shade val="50000"/>
+            </a:schemeClr>
+          </a:lnRef>
+          <a:fillRef idx="1">
+            <a:schemeClr val="accent1"/>
+          </a:fillRef>
+          <a:effectRef idx="0">
+            <a:schemeClr val="accent1"/>
+          </a:effectRef>
+          <a:fontRef idx="minor">
+            <a:schemeClr val="lt1"/>
+          </a:fontRef>
+        </p:style>
+        <p:txBody>
+          <a:bodyPr rtlCol="0" anchor="ctr"/>
+          <a:lstStyle/>
+          <a:p>
+            <a:pPr algn="ctr"/>
+            <a:endParaRPr lang="zh-CN" altLang="en-US"/>
+          </a:p>
+        </p:txBody>
+      </p:sp>
+      <p:cxnSp>
+        <p:nvCxnSpPr>
+          <p:cNvPr id="11" name="直接连接符 10">
+            <a:extLst>
+              <a:ext uri="{FF2B5EF4-FFF2-40B4-BE49-F238E27FC236}">
+                <a16:creationId xmlns:a16="http://schemas.microsoft.com/office/drawing/2014/main" id="{153EC1D3-7263-48E7-8558-FA3DC562DCFF}"/>
+              </a:ext>
+            </a:extLst>
+          </p:cNvPr>
+          <p:cNvCxnSpPr/>
+          <p:nvPr/>
+        </p:nvCxnSpPr>
+        <p:spPr>
+          <a:xfrm>
+            <a:off x="7134206" y="3048095"/>
+            <a:ext cx="0" cy="877077"/>
+          </a:xfrm>
+          <a:prstGeom prst="line">
+            <a:avLst/>
+          </a:prstGeom>
+          <a:ln w="12700">
+            <a:solidFill>
+              <a:schemeClr val="bg1"/>
+            </a:solidFill>
+          </a:ln>
+        </p:spPr>
+        <p:style>
+          <a:lnRef idx="1">
+            <a:schemeClr val="accent1"/>
+          </a:lnRef>
+          <a:fillRef idx="0">
+            <a:schemeClr val="accent1"/>
+          </a:fillRef>
+          <a:effectRef idx="0">
+            <a:schemeClr val="accent1"/>
+          </a:effectRef>
+          <a:fontRef idx="minor">
+            <a:schemeClr val="tx1"/>
+          </a:fontRef>
+        </p:style>
+      </p:cxnSp>
+      <p:cxnSp>
+        <p:nvCxnSpPr>
+          <p:cNvPr id="12" name="直接连接符 11">
+            <a:extLst>
+              <a:ext uri="{FF2B5EF4-FFF2-40B4-BE49-F238E27FC236}">
+                <a16:creationId xmlns:a16="http://schemas.microsoft.com/office/drawing/2014/main" id="{BA140DD3-F315-4797-86B8-8C011F9D6254}"/>
+              </a:ext>
+            </a:extLst>
+          </p:cNvPr>
+          <p:cNvCxnSpPr/>
+          <p:nvPr/>
+        </p:nvCxnSpPr>
+        <p:spPr>
+          <a:xfrm>
+            <a:off x="7535832" y="3048095"/>
+            <a:ext cx="0" cy="877077"/>
+          </a:xfrm>
+          <a:prstGeom prst="line">
+            <a:avLst/>
+          </a:prstGeom>
+          <a:ln w="12700">
+            <a:solidFill>
+              <a:schemeClr val="bg1"/>
+            </a:solidFill>
+          </a:ln>
+        </p:spPr>
+        <p:style>
+          <a:lnRef idx="1">
+            <a:schemeClr val="accent1"/>
+          </a:lnRef>
+          <a:fillRef idx="0">
+            <a:schemeClr val="accent1"/>
+          </a:fillRef>
+          <a:effectRef idx="0">
+            <a:schemeClr val="accent1"/>
+          </a:effectRef>
+          <a:fontRef idx="minor">
+            <a:schemeClr val="tx1"/>
+          </a:fontRef>
+        </p:style>
+      </p:cxnSp>
+      <p:cxnSp>
+        <p:nvCxnSpPr>
+          <p:cNvPr id="14" name="直接连接符 13">
+            <a:extLst>
+              <a:ext uri="{FF2B5EF4-FFF2-40B4-BE49-F238E27FC236}">
+                <a16:creationId xmlns:a16="http://schemas.microsoft.com/office/drawing/2014/main" id="{BBE21786-F5A6-469C-80F3-F07D7EF5A692}"/>
+              </a:ext>
+            </a:extLst>
+          </p:cNvPr>
+          <p:cNvCxnSpPr/>
+          <p:nvPr/>
+        </p:nvCxnSpPr>
+        <p:spPr>
+          <a:xfrm>
+            <a:off x="6451093" y="3047047"/>
+            <a:ext cx="1093001" cy="0"/>
+          </a:xfrm>
+          <a:prstGeom prst="line">
+            <a:avLst/>
+          </a:prstGeom>
+          <a:ln w="12700">
+            <a:solidFill>
+              <a:srgbClr val="2F528F"/>
+            </a:solidFill>
+          </a:ln>
+        </p:spPr>
+        <p:style>
+          <a:lnRef idx="1">
+            <a:schemeClr val="accent1"/>
+          </a:lnRef>
+          <a:fillRef idx="0">
+            <a:schemeClr val="accent1"/>
+          </a:fillRef>
+          <a:effectRef idx="0">
+            <a:schemeClr val="accent1"/>
+          </a:effectRef>
+          <a:fontRef idx="minor">
+            <a:schemeClr val="tx1"/>
+          </a:fontRef>
+        </p:style>
+      </p:cxnSp>
+      <p:cxnSp>
+        <p:nvCxnSpPr>
+          <p:cNvPr id="15" name="直接连接符 14">
+            <a:extLst>
+              <a:ext uri="{FF2B5EF4-FFF2-40B4-BE49-F238E27FC236}">
+                <a16:creationId xmlns:a16="http://schemas.microsoft.com/office/drawing/2014/main" id="{1488AD19-4DB4-49D1-8C08-1C8E14E6FCA9}"/>
+              </a:ext>
+            </a:extLst>
+          </p:cNvPr>
+          <p:cNvCxnSpPr/>
+          <p:nvPr/>
+        </p:nvCxnSpPr>
+        <p:spPr>
+          <a:xfrm>
+            <a:off x="6451093" y="3925660"/>
+            <a:ext cx="1093001" cy="0"/>
+          </a:xfrm>
+          <a:prstGeom prst="line">
+            <a:avLst/>
+          </a:prstGeom>
+          <a:ln w="12700">
+            <a:solidFill>
+              <a:srgbClr val="2F528F"/>
+            </a:solidFill>
+          </a:ln>
+        </p:spPr>
+        <p:style>
+          <a:lnRef idx="1">
+            <a:schemeClr val="accent1"/>
+          </a:lnRef>
+          <a:fillRef idx="0">
+            <a:schemeClr val="accent1"/>
+          </a:fillRef>
+          <a:effectRef idx="0">
+            <a:schemeClr val="accent1"/>
+          </a:effectRef>
+          <a:fontRef idx="minor">
+            <a:schemeClr val="tx1"/>
+          </a:fontRef>
+        </p:style>
+      </p:cxnSp>
+      <p:cxnSp>
+        <p:nvCxnSpPr>
+          <p:cNvPr id="17" name="直接连接符 16">
+            <a:extLst>
+              <a:ext uri="{FF2B5EF4-FFF2-40B4-BE49-F238E27FC236}">
+                <a16:creationId xmlns:a16="http://schemas.microsoft.com/office/drawing/2014/main" id="{227481EA-B214-41B2-A016-C3F81FCC352F}"/>
+              </a:ext>
+            </a:extLst>
+          </p:cNvPr>
+          <p:cNvCxnSpPr/>
+          <p:nvPr/>
+        </p:nvCxnSpPr>
+        <p:spPr>
+          <a:xfrm>
+            <a:off x="1960099" y="3488788"/>
+            <a:ext cx="7019778" cy="0"/>
+          </a:xfrm>
+          <a:prstGeom prst="line">
+            <a:avLst/>
+          </a:prstGeom>
+          <a:ln>
+            <a:prstDash val="lgDash"/>
+          </a:ln>
+        </p:spPr>
+        <p:style>
+          <a:lnRef idx="1">
+            <a:schemeClr val="accent1"/>
+          </a:lnRef>
+          <a:fillRef idx="0">
+            <a:schemeClr val="accent1"/>
+          </a:fillRef>
+          <a:effectRef idx="0">
+            <a:schemeClr val="accent1"/>
+          </a:effectRef>
+          <a:fontRef idx="minor">
+            <a:schemeClr val="tx1"/>
+          </a:fontRef>
+        </p:style>
+      </p:cxnSp>
+      <p:cxnSp>
+        <p:nvCxnSpPr>
+          <p:cNvPr id="19" name="直接连接符 18">
+            <a:extLst>
+              <a:ext uri="{FF2B5EF4-FFF2-40B4-BE49-F238E27FC236}">
+                <a16:creationId xmlns:a16="http://schemas.microsoft.com/office/drawing/2014/main" id="{1D5ED483-55F8-4CE7-9CF1-015E48EB9EAF}"/>
+              </a:ext>
+            </a:extLst>
+          </p:cNvPr>
+          <p:cNvCxnSpPr/>
+          <p:nvPr/>
+        </p:nvCxnSpPr>
+        <p:spPr>
+          <a:xfrm>
+            <a:off x="1960099" y="3488788"/>
+            <a:ext cx="2114077" cy="0"/>
+          </a:xfrm>
+          <a:prstGeom prst="line">
+            <a:avLst/>
+          </a:prstGeom>
+        </p:spPr>
+        <p:style>
+          <a:lnRef idx="1">
+            <a:schemeClr val="accent1"/>
+          </a:lnRef>
+          <a:fillRef idx="0">
+            <a:schemeClr val="accent1"/>
+          </a:fillRef>
+          <a:effectRef idx="0">
+            <a:schemeClr val="accent1"/>
+          </a:effectRef>
+          <a:fontRef idx="minor">
+            <a:schemeClr val="tx1"/>
+          </a:fontRef>
+        </p:style>
+      </p:cxnSp>
+      <p:cxnSp>
+        <p:nvCxnSpPr>
+          <p:cNvPr id="20" name="直接连接符 19">
+            <a:extLst>
+              <a:ext uri="{FF2B5EF4-FFF2-40B4-BE49-F238E27FC236}">
+                <a16:creationId xmlns:a16="http://schemas.microsoft.com/office/drawing/2014/main" id="{B0AA06AD-881A-4D8B-B8E2-ED2DAC45D609}"/>
+              </a:ext>
+            </a:extLst>
+          </p:cNvPr>
+          <p:cNvCxnSpPr>
+            <a:cxnSpLocks/>
+          </p:cNvCxnSpPr>
+          <p:nvPr/>
+        </p:nvCxnSpPr>
+        <p:spPr>
+          <a:xfrm>
+            <a:off x="7694453" y="3488788"/>
+            <a:ext cx="1519886" cy="0"/>
+          </a:xfrm>
+          <a:prstGeom prst="line">
+            <a:avLst/>
+          </a:prstGeom>
+        </p:spPr>
+        <p:style>
+          <a:lnRef idx="1">
+            <a:schemeClr val="accent1"/>
+          </a:lnRef>
+          <a:fillRef idx="0">
+            <a:schemeClr val="accent1"/>
+          </a:fillRef>
+          <a:effectRef idx="0">
+            <a:schemeClr val="accent1"/>
+          </a:effectRef>
+          <a:fontRef idx="minor">
+            <a:schemeClr val="tx1"/>
+          </a:fontRef>
+        </p:style>
+      </p:cxnSp>
+      <p:sp>
+        <p:nvSpPr>
+          <p:cNvPr id="22" name="文本框 21">
+            <a:extLst>
+              <a:ext uri="{FF2B5EF4-FFF2-40B4-BE49-F238E27FC236}">
+                <a16:creationId xmlns:a16="http://schemas.microsoft.com/office/drawing/2014/main" id="{18E6A617-99B3-4DF4-9C5A-B63026677DFF}"/>
+              </a:ext>
+            </a:extLst>
+          </p:cNvPr>
+          <p:cNvSpPr txBox="1"/>
+          <p:nvPr/>
+        </p:nvSpPr>
+        <p:spPr>
+          <a:xfrm>
+            <a:off x="6703256" y="2384474"/>
+            <a:ext cx="430950" cy="369332"/>
+          </a:xfrm>
+          <a:prstGeom prst="rect">
+            <a:avLst/>
+          </a:prstGeom>
+          <a:noFill/>
+        </p:spPr>
+        <p:txBody>
+          <a:bodyPr wrap="square" rtlCol="0">
+            <a:spAutoFit/>
+          </a:bodyPr>
+          <a:lstStyle/>
+          <a:p>
+            <a:r>
+              <a:rPr lang="en-US" altLang="zh-CN" dirty="0"/>
+              <a:t>#</a:t>
+            </a:r>
+            <a:endParaRPr lang="zh-CN" altLang="en-US" dirty="0"/>
+          </a:p>
+        </p:txBody>
+      </p:sp>
+      <p:sp>
+        <p:nvSpPr>
+          <p:cNvPr id="23" name="文本框 22">
+            <a:extLst>
+              <a:ext uri="{FF2B5EF4-FFF2-40B4-BE49-F238E27FC236}">
+                <a16:creationId xmlns:a16="http://schemas.microsoft.com/office/drawing/2014/main" id="{31F984A6-5EEC-4FCD-8E15-6AB401C90006}"/>
+              </a:ext>
+            </a:extLst>
+          </p:cNvPr>
+          <p:cNvSpPr txBox="1"/>
+          <p:nvPr/>
+        </p:nvSpPr>
+        <p:spPr>
+          <a:xfrm>
+            <a:off x="2222868" y="4347477"/>
+            <a:ext cx="430950" cy="369332"/>
+          </a:xfrm>
+          <a:prstGeom prst="rect">
+            <a:avLst/>
+          </a:prstGeom>
+          <a:noFill/>
+        </p:spPr>
+        <p:txBody>
+          <a:bodyPr wrap="square" rtlCol="0">
+            <a:spAutoFit/>
+          </a:bodyPr>
+          <a:lstStyle/>
+          <a:p>
+            <a:r>
+              <a:rPr lang="en-US" altLang="zh-CN" dirty="0"/>
+              <a:t>@</a:t>
+            </a:r>
+            <a:endParaRPr lang="zh-CN" altLang="en-US" dirty="0"/>
+          </a:p>
+        </p:txBody>
+      </p:sp>
+      <p:sp>
+        <p:nvSpPr>
+          <p:cNvPr id="24" name="文本框 23">
+            <a:extLst>
+              <a:ext uri="{FF2B5EF4-FFF2-40B4-BE49-F238E27FC236}">
+                <a16:creationId xmlns:a16="http://schemas.microsoft.com/office/drawing/2014/main" id="{2FE3582F-9E8E-4559-B870-5C504A9D8274}"/>
+              </a:ext>
+            </a:extLst>
+          </p:cNvPr>
+          <p:cNvSpPr txBox="1"/>
+          <p:nvPr/>
+        </p:nvSpPr>
+        <p:spPr>
+          <a:xfrm>
+            <a:off x="5160499" y="4181199"/>
+            <a:ext cx="430950" cy="369332"/>
+          </a:xfrm>
+          <a:prstGeom prst="rect">
+            <a:avLst/>
+          </a:prstGeom>
+          <a:noFill/>
+        </p:spPr>
+        <p:txBody>
+          <a:bodyPr wrap="square" rtlCol="0">
+            <a:spAutoFit/>
+          </a:bodyPr>
+          <a:lstStyle/>
+          <a:p>
+            <a:r>
+              <a:rPr lang="en-US" altLang="zh-CN" dirty="0"/>
+              <a:t>#</a:t>
+            </a:r>
+            <a:endParaRPr lang="zh-CN" altLang="en-US" dirty="0"/>
+          </a:p>
+        </p:txBody>
+      </p:sp>
+      <p:sp>
+        <p:nvSpPr>
+          <p:cNvPr id="25" name="文本框 24">
+            <a:extLst>
+              <a:ext uri="{FF2B5EF4-FFF2-40B4-BE49-F238E27FC236}">
+                <a16:creationId xmlns:a16="http://schemas.microsoft.com/office/drawing/2014/main" id="{4FA0B67A-E848-4B8A-9330-88AA8C5FD959}"/>
+              </a:ext>
+            </a:extLst>
+          </p:cNvPr>
+          <p:cNvSpPr txBox="1"/>
+          <p:nvPr/>
+        </p:nvSpPr>
+        <p:spPr>
+          <a:xfrm>
+            <a:off x="4590252" y="3079977"/>
+            <a:ext cx="430950" cy="369332"/>
+          </a:xfrm>
+          <a:prstGeom prst="rect">
+            <a:avLst/>
+          </a:prstGeom>
+          <a:noFill/>
+        </p:spPr>
+        <p:txBody>
+          <a:bodyPr wrap="square" rtlCol="0">
+            <a:spAutoFit/>
+          </a:bodyPr>
+          <a:lstStyle/>
+          <a:p>
+            <a:r>
+              <a:rPr lang="en-US" altLang="zh-CN" dirty="0"/>
+              <a:t>@</a:t>
+            </a:r>
+            <a:endParaRPr lang="zh-CN" altLang="en-US" dirty="0"/>
+          </a:p>
+        </p:txBody>
+      </p:sp>
+      <p:sp>
+        <p:nvSpPr>
+          <p:cNvPr id="26" name="文本框 25">
+            <a:extLst>
+              <a:ext uri="{FF2B5EF4-FFF2-40B4-BE49-F238E27FC236}">
+                <a16:creationId xmlns:a16="http://schemas.microsoft.com/office/drawing/2014/main" id="{C2D57FA1-9B49-47F8-A6AD-40D08E7BE6C0}"/>
+              </a:ext>
+            </a:extLst>
+          </p:cNvPr>
+          <p:cNvSpPr txBox="1"/>
+          <p:nvPr/>
+        </p:nvSpPr>
+        <p:spPr>
+          <a:xfrm>
+            <a:off x="6174098" y="3552042"/>
+            <a:ext cx="430950" cy="369332"/>
+          </a:xfrm>
+          <a:prstGeom prst="rect">
+            <a:avLst/>
+          </a:prstGeom>
+          <a:noFill/>
+        </p:spPr>
+        <p:txBody>
+          <a:bodyPr wrap="square" rtlCol="0">
+            <a:spAutoFit/>
+          </a:bodyPr>
+          <a:lstStyle/>
+          <a:p>
+            <a:r>
+              <a:rPr lang="en-US" altLang="zh-CN" dirty="0"/>
+              <a:t>@</a:t>
+            </a:r>
+            <a:endParaRPr lang="zh-CN" altLang="en-US" dirty="0"/>
+          </a:p>
+        </p:txBody>
+      </p:sp>
+      <p:sp>
+        <p:nvSpPr>
+          <p:cNvPr id="27" name="文本框 26">
+            <a:extLst>
+              <a:ext uri="{FF2B5EF4-FFF2-40B4-BE49-F238E27FC236}">
+                <a16:creationId xmlns:a16="http://schemas.microsoft.com/office/drawing/2014/main" id="{7BE68B7A-D99A-4345-96C0-D6CB17FB3B57}"/>
+              </a:ext>
+            </a:extLst>
+          </p:cNvPr>
+          <p:cNvSpPr txBox="1"/>
+          <p:nvPr/>
+        </p:nvSpPr>
+        <p:spPr>
+          <a:xfrm>
+            <a:off x="8979877" y="2076102"/>
+            <a:ext cx="430950" cy="369332"/>
+          </a:xfrm>
+          <a:prstGeom prst="rect">
+            <a:avLst/>
+          </a:prstGeom>
+          <a:noFill/>
+        </p:spPr>
+        <p:txBody>
+          <a:bodyPr wrap="square" rtlCol="0">
+            <a:spAutoFit/>
+          </a:bodyPr>
+          <a:lstStyle/>
+          <a:p>
+            <a:r>
+              <a:rPr lang="en-US" altLang="zh-CN" dirty="0"/>
+              <a:t>@</a:t>
+            </a:r>
+            <a:endParaRPr lang="zh-CN" altLang="en-US" dirty="0"/>
+          </a:p>
+        </p:txBody>
+      </p:sp>
+    </p:spTree>
+    <p:extLst>
+      <p:ext uri="{BB962C8B-B14F-4D97-AF65-F5344CB8AC3E}">
+        <p14:creationId xmlns:p14="http://schemas.microsoft.com/office/powerpoint/2010/main" val="4007828100"/>
+      </p:ext>
+    </p:extLst>
+  </p:cSld>
+  <p:clrMapOvr>
+    <a:masterClrMapping/>
+  </p:clrMapOvr>
+</p:sld>
+</file>
+
+<file path=ppt/slides/slide8.xml><?xml version="1.0" encoding="utf-8"?>
+<p:sld xmlns:a="http://schemas.openxmlformats.org/drawingml/2006/main" xmlns:r="http://schemas.openxmlformats.org/officeDocument/2006/relationships" xmlns:p="http://schemas.openxmlformats.org/presentationml/2006/main">
+  <p:cSld>
+    <p:spTree>
+      <p:nvGrpSpPr>
+        <p:cNvPr id="1" name=""/>
+        <p:cNvGrpSpPr/>
+        <p:nvPr/>
+      </p:nvGrpSpPr>
+      <p:grpSpPr>
+        <a:xfrm>
+          <a:off x="0" y="0"/>
+          <a:ext cx="0" cy="0"/>
+          <a:chOff x="0" y="0"/>
+          <a:chExt cx="0" cy="0"/>
+        </a:xfrm>
+      </p:grpSpPr>
+      <p:sp>
+        <p:nvSpPr>
+          <p:cNvPr id="4" name="文本框 3">
+            <a:extLst>
+              <a:ext uri="{FF2B5EF4-FFF2-40B4-BE49-F238E27FC236}">
+                <a16:creationId xmlns:a16="http://schemas.microsoft.com/office/drawing/2014/main" id="{38C7CCFA-3AFA-493D-9285-130969BCAC3A}"/>
+              </a:ext>
+            </a:extLst>
+          </p:cNvPr>
+          <p:cNvSpPr txBox="1"/>
+          <p:nvPr/>
+        </p:nvSpPr>
+        <p:spPr>
+          <a:xfrm>
+            <a:off x="925830" y="1748790"/>
+            <a:ext cx="10586552" cy="3170099"/>
+          </a:xfrm>
+          <a:prstGeom prst="rect">
+            <a:avLst/>
+          </a:prstGeom>
+          <a:noFill/>
+        </p:spPr>
+        <p:txBody>
+          <a:bodyPr wrap="none" rtlCol="0">
+            <a:spAutoFit/>
+          </a:bodyPr>
+          <a:lstStyle/>
+          <a:p>
+            <a:r>
+              <a:rPr lang="en-US" altLang="zh-CN" sz="20000" b="1" dirty="0"/>
+              <a:t>C </a:t>
+            </a:r>
+            <a:r>
+              <a:rPr lang="en-US" altLang="zh-CN" sz="20000" b="1" dirty="0" err="1"/>
+              <a:t>C</a:t>
+            </a:r>
+            <a:r>
+              <a:rPr lang="en-US" altLang="zh-CN" sz="20000" b="1" dirty="0"/>
+              <a:t> T P Y</a:t>
+            </a:r>
+            <a:endParaRPr lang="zh-CN" altLang="en-US" sz="20000" b="1" dirty="0"/>
+          </a:p>
+        </p:txBody>
+      </p:sp>
+    </p:spTree>
+    <p:extLst>
+      <p:ext uri="{BB962C8B-B14F-4D97-AF65-F5344CB8AC3E}">
+        <p14:creationId xmlns:p14="http://schemas.microsoft.com/office/powerpoint/2010/main" val="903277502"/>
       </p:ext>
     </p:extLst>
   </p:cSld>

--- a/books/cct/cctpy/cctpy.pptx
+++ b/books/cct/cctpy/cctpy.pptx
@@ -13,6 +13,7 @@
     <p:sldId id="261" r:id="rId7"/>
     <p:sldId id="262" r:id="rId8"/>
     <p:sldId id="263" r:id="rId9"/>
+    <p:sldId id="264" r:id="rId10"/>
   </p:sldIdLst>
   <p:sldSz cx="12192000" cy="6858000"/>
   <p:notesSz cx="6858000" cy="9144000"/>
@@ -10810,6 +10811,86 @@
 </p:sld>
 </file>
 
+<file path=ppt/slides/slide9.xml><?xml version="1.0" encoding="utf-8"?>
+<p:sld xmlns:a="http://schemas.openxmlformats.org/drawingml/2006/main" xmlns:r="http://schemas.openxmlformats.org/officeDocument/2006/relationships" xmlns:p="http://schemas.openxmlformats.org/presentationml/2006/main">
+  <p:cSld>
+    <p:spTree>
+      <p:nvGrpSpPr>
+        <p:cNvPr id="1" name=""/>
+        <p:cNvGrpSpPr/>
+        <p:nvPr/>
+      </p:nvGrpSpPr>
+      <p:grpSpPr>
+        <a:xfrm>
+          <a:off x="0" y="0"/>
+          <a:ext cx="0" cy="0"/>
+          <a:chOff x="0" y="0"/>
+          <a:chExt cx="0" cy="0"/>
+        </a:xfrm>
+      </p:grpSpPr>
+      <p:sp>
+        <p:nvSpPr>
+          <p:cNvPr id="2" name="标题 1">
+            <a:extLst>
+              <a:ext uri="{FF2B5EF4-FFF2-40B4-BE49-F238E27FC236}">
+                <a16:creationId xmlns:a16="http://schemas.microsoft.com/office/drawing/2014/main" id="{92887E3D-7E62-4A85-9F16-78E3165884FD}"/>
+              </a:ext>
+            </a:extLst>
+          </p:cNvPr>
+          <p:cNvSpPr>
+            <a:spLocks noGrp="1"/>
+          </p:cNvSpPr>
+          <p:nvPr>
+            <p:ph type="title"/>
+          </p:nvPr>
+        </p:nvSpPr>
+        <p:spPr/>
+        <p:txBody>
+          <a:bodyPr/>
+          <a:lstStyle/>
+          <a:p>
+            <a:endParaRPr lang="zh-CN" altLang="en-US"/>
+          </a:p>
+        </p:txBody>
+      </p:sp>
+      <p:sp>
+        <p:nvSpPr>
+          <p:cNvPr id="3" name="内容占位符 2">
+            <a:extLst>
+              <a:ext uri="{FF2B5EF4-FFF2-40B4-BE49-F238E27FC236}">
+                <a16:creationId xmlns:a16="http://schemas.microsoft.com/office/drawing/2014/main" id="{26D60E5F-1B72-437C-A17F-676017FD8406}"/>
+              </a:ext>
+            </a:extLst>
+          </p:cNvPr>
+          <p:cNvSpPr>
+            <a:spLocks noGrp="1"/>
+          </p:cNvSpPr>
+          <p:nvPr>
+            <p:ph idx="1"/>
+          </p:nvPr>
+        </p:nvSpPr>
+        <p:spPr/>
+        <p:txBody>
+          <a:bodyPr/>
+          <a:lstStyle/>
+          <a:p>
+            <a:endParaRPr lang="zh-CN" altLang="en-US"/>
+          </a:p>
+        </p:txBody>
+      </p:sp>
+    </p:spTree>
+    <p:extLst>
+      <p:ext uri="{BB962C8B-B14F-4D97-AF65-F5344CB8AC3E}">
+        <p14:creationId xmlns:p14="http://schemas.microsoft.com/office/powerpoint/2010/main" val="1629070406"/>
+      </p:ext>
+    </p:extLst>
+  </p:cSld>
+  <p:clrMapOvr>
+    <a:masterClrMapping/>
+  </p:clrMapOvr>
+</p:sld>
+</file>
+
 <file path=ppt/theme/theme1.xml><?xml version="1.0" encoding="utf-8"?>
 <a:theme xmlns:a="http://schemas.openxmlformats.org/drawingml/2006/main" name="Office 主题​​">
   <a:themeElements>

--- a/books/cct/cctpy/cctpy.pptx
+++ b/books/cct/cctpy/cctpy.pptx
@@ -267,7 +267,7 @@
           <a:p>
             <a:fld id="{3CB234AC-E76C-4FA7-BAFA-B39D2955196C}" type="datetimeFigureOut">
               <a:rPr lang="zh-CN" altLang="en-US" smtClean="0"/>
-              <a:t>2020/12/2</a:t>
+              <a:t>2020/12/3</a:t>
             </a:fld>
             <a:endParaRPr lang="zh-CN" altLang="en-US"/>
           </a:p>
@@ -465,7 +465,7 @@
           <a:p>
             <a:fld id="{3CB234AC-E76C-4FA7-BAFA-B39D2955196C}" type="datetimeFigureOut">
               <a:rPr lang="zh-CN" altLang="en-US" smtClean="0"/>
-              <a:t>2020/12/2</a:t>
+              <a:t>2020/12/3</a:t>
             </a:fld>
             <a:endParaRPr lang="zh-CN" altLang="en-US"/>
           </a:p>
@@ -673,7 +673,7 @@
           <a:p>
             <a:fld id="{3CB234AC-E76C-4FA7-BAFA-B39D2955196C}" type="datetimeFigureOut">
               <a:rPr lang="zh-CN" altLang="en-US" smtClean="0"/>
-              <a:t>2020/12/2</a:t>
+              <a:t>2020/12/3</a:t>
             </a:fld>
             <a:endParaRPr lang="zh-CN" altLang="en-US"/>
           </a:p>
@@ -871,7 +871,7 @@
           <a:p>
             <a:fld id="{3CB234AC-E76C-4FA7-BAFA-B39D2955196C}" type="datetimeFigureOut">
               <a:rPr lang="zh-CN" altLang="en-US" smtClean="0"/>
-              <a:t>2020/12/2</a:t>
+              <a:t>2020/12/3</a:t>
             </a:fld>
             <a:endParaRPr lang="zh-CN" altLang="en-US"/>
           </a:p>
@@ -1146,7 +1146,7 @@
           <a:p>
             <a:fld id="{3CB234AC-E76C-4FA7-BAFA-B39D2955196C}" type="datetimeFigureOut">
               <a:rPr lang="zh-CN" altLang="en-US" smtClean="0"/>
-              <a:t>2020/12/2</a:t>
+              <a:t>2020/12/3</a:t>
             </a:fld>
             <a:endParaRPr lang="zh-CN" altLang="en-US"/>
           </a:p>
@@ -1411,7 +1411,7 @@
           <a:p>
             <a:fld id="{3CB234AC-E76C-4FA7-BAFA-B39D2955196C}" type="datetimeFigureOut">
               <a:rPr lang="zh-CN" altLang="en-US" smtClean="0"/>
-              <a:t>2020/12/2</a:t>
+              <a:t>2020/12/3</a:t>
             </a:fld>
             <a:endParaRPr lang="zh-CN" altLang="en-US"/>
           </a:p>
@@ -1823,7 +1823,7 @@
           <a:p>
             <a:fld id="{3CB234AC-E76C-4FA7-BAFA-B39D2955196C}" type="datetimeFigureOut">
               <a:rPr lang="zh-CN" altLang="en-US" smtClean="0"/>
-              <a:t>2020/12/2</a:t>
+              <a:t>2020/12/3</a:t>
             </a:fld>
             <a:endParaRPr lang="zh-CN" altLang="en-US"/>
           </a:p>
@@ -1964,7 +1964,7 @@
           <a:p>
             <a:fld id="{3CB234AC-E76C-4FA7-BAFA-B39D2955196C}" type="datetimeFigureOut">
               <a:rPr lang="zh-CN" altLang="en-US" smtClean="0"/>
-              <a:t>2020/12/2</a:t>
+              <a:t>2020/12/3</a:t>
             </a:fld>
             <a:endParaRPr lang="zh-CN" altLang="en-US"/>
           </a:p>
@@ -2077,7 +2077,7 @@
           <a:p>
             <a:fld id="{3CB234AC-E76C-4FA7-BAFA-B39D2955196C}" type="datetimeFigureOut">
               <a:rPr lang="zh-CN" altLang="en-US" smtClean="0"/>
-              <a:t>2020/12/2</a:t>
+              <a:t>2020/12/3</a:t>
             </a:fld>
             <a:endParaRPr lang="zh-CN" altLang="en-US"/>
           </a:p>
@@ -2388,7 +2388,7 @@
           <a:p>
             <a:fld id="{3CB234AC-E76C-4FA7-BAFA-B39D2955196C}" type="datetimeFigureOut">
               <a:rPr lang="zh-CN" altLang="en-US" smtClean="0"/>
-              <a:t>2020/12/2</a:t>
+              <a:t>2020/12/3</a:t>
             </a:fld>
             <a:endParaRPr lang="zh-CN" altLang="en-US"/>
           </a:p>
@@ -2676,7 +2676,7 @@
           <a:p>
             <a:fld id="{3CB234AC-E76C-4FA7-BAFA-B39D2955196C}" type="datetimeFigureOut">
               <a:rPr lang="zh-CN" altLang="en-US" smtClean="0"/>
-              <a:t>2020/12/2</a:t>
+              <a:t>2020/12/3</a:t>
             </a:fld>
             <a:endParaRPr lang="zh-CN" altLang="en-US"/>
           </a:p>
@@ -2917,7 +2917,7 @@
           <a:p>
             <a:fld id="{3CB234AC-E76C-4FA7-BAFA-B39D2955196C}" type="datetimeFigureOut">
               <a:rPr lang="zh-CN" altLang="en-US" smtClean="0"/>
-              <a:t>2020/12/2</a:t>
+              <a:t>2020/12/3</a:t>
             </a:fld>
             <a:endParaRPr lang="zh-CN" altLang="en-US"/>
           </a:p>
@@ -10830,51 +10830,486 @@
       </p:grpSpPr>
       <p:sp>
         <p:nvSpPr>
-          <p:cNvPr id="2" name="标题 1">
-            <a:extLst>
-              <a:ext uri="{FF2B5EF4-FFF2-40B4-BE49-F238E27FC236}">
-                <a16:creationId xmlns:a16="http://schemas.microsoft.com/office/drawing/2014/main" id="{92887E3D-7E62-4A85-9F16-78E3165884FD}"/>
-              </a:ext>
-            </a:extLst>
-          </p:cNvPr>
-          <p:cNvSpPr>
-            <a:spLocks noGrp="1"/>
-          </p:cNvSpPr>
-          <p:nvPr>
-            <p:ph type="title"/>
-          </p:nvPr>
-        </p:nvSpPr>
-        <p:spPr/>
-        <p:txBody>
-          <a:bodyPr/>
-          <a:lstStyle/>
-          <a:p>
-            <a:endParaRPr lang="zh-CN" altLang="en-US"/>
-          </a:p>
-        </p:txBody>
-      </p:sp>
-      <p:sp>
-        <p:nvSpPr>
-          <p:cNvPr id="3" name="内容占位符 2">
-            <a:extLst>
-              <a:ext uri="{FF2B5EF4-FFF2-40B4-BE49-F238E27FC236}">
-                <a16:creationId xmlns:a16="http://schemas.microsoft.com/office/drawing/2014/main" id="{26D60E5F-1B72-437C-A17F-676017FD8406}"/>
-              </a:ext>
-            </a:extLst>
-          </p:cNvPr>
-          <p:cNvSpPr>
-            <a:spLocks noGrp="1"/>
-          </p:cNvSpPr>
-          <p:nvPr>
-            <p:ph idx="1"/>
-          </p:nvPr>
-        </p:nvSpPr>
-        <p:spPr/>
-        <p:txBody>
-          <a:bodyPr/>
-          <a:lstStyle/>
-          <a:p>
-            <a:endParaRPr lang="zh-CN" altLang="en-US"/>
+          <p:cNvPr id="4" name="文本框 3">
+            <a:extLst>
+              <a:ext uri="{FF2B5EF4-FFF2-40B4-BE49-F238E27FC236}">
+                <a16:creationId xmlns:a16="http://schemas.microsoft.com/office/drawing/2014/main" id="{5EB141BB-0961-4CF6-AF57-63812B543DD9}"/>
+              </a:ext>
+            </a:extLst>
+          </p:cNvPr>
+          <p:cNvSpPr txBox="1"/>
+          <p:nvPr/>
+        </p:nvSpPr>
+        <p:spPr>
+          <a:xfrm>
+            <a:off x="5087585" y="3429000"/>
+            <a:ext cx="1468672" cy="523220"/>
+          </a:xfrm>
+          <a:prstGeom prst="rect">
+            <a:avLst/>
+          </a:prstGeom>
+          <a:noFill/>
+          <a:ln>
+            <a:solidFill>
+              <a:schemeClr val="tx1"/>
+            </a:solidFill>
+          </a:ln>
+        </p:spPr>
+        <p:txBody>
+          <a:bodyPr wrap="none" rtlCol="0">
+            <a:spAutoFit/>
+          </a:bodyPr>
+          <a:lstStyle/>
+          <a:p>
+            <a:pPr algn="ctr"/>
+            <a:r>
+              <a:rPr lang="en-US" altLang="zh-CN" sz="1400" b="1" dirty="0"/>
+              <a:t>RunningParticle</a:t>
+            </a:r>
+          </a:p>
+          <a:p>
+            <a:pPr algn="ctr"/>
+            <a:r>
+              <a:rPr lang="zh-CN" altLang="en-US" sz="1400" b="1" dirty="0"/>
+              <a:t>粒子</a:t>
+            </a:r>
+            <a:endParaRPr lang="en-US" altLang="zh-CN" sz="1400" b="1" dirty="0"/>
+          </a:p>
+        </p:txBody>
+      </p:sp>
+      <p:sp>
+        <p:nvSpPr>
+          <p:cNvPr id="5" name="文本框 4">
+            <a:extLst>
+              <a:ext uri="{FF2B5EF4-FFF2-40B4-BE49-F238E27FC236}">
+                <a16:creationId xmlns:a16="http://schemas.microsoft.com/office/drawing/2014/main" id="{142D6D0A-AC86-4F51-B172-96B51AA2B818}"/>
+              </a:ext>
+            </a:extLst>
+          </p:cNvPr>
+          <p:cNvSpPr txBox="1"/>
+          <p:nvPr/>
+        </p:nvSpPr>
+        <p:spPr>
+          <a:xfrm>
+            <a:off x="4931292" y="5152449"/>
+            <a:ext cx="1781257" cy="523220"/>
+          </a:xfrm>
+          <a:prstGeom prst="rect">
+            <a:avLst/>
+          </a:prstGeom>
+          <a:noFill/>
+          <a:ln>
+            <a:solidFill>
+              <a:schemeClr val="tx1"/>
+            </a:solidFill>
+          </a:ln>
+        </p:spPr>
+        <p:txBody>
+          <a:bodyPr wrap="none" rtlCol="0">
+            <a:spAutoFit/>
+          </a:bodyPr>
+          <a:lstStyle/>
+          <a:p>
+            <a:pPr algn="ctr"/>
+            <a:r>
+              <a:rPr lang="en-US" altLang="zh-CN" sz="1400" b="1" dirty="0"/>
+              <a:t>PhaseSpaceParticle</a:t>
+            </a:r>
+          </a:p>
+          <a:p>
+            <a:pPr algn="ctr"/>
+            <a:r>
+              <a:rPr lang="zh-CN" altLang="en-US" sz="1400" b="1" dirty="0"/>
+              <a:t>相空间粒子</a:t>
+            </a:r>
+            <a:endParaRPr lang="en-US" altLang="zh-CN" sz="1400" b="1" dirty="0"/>
+          </a:p>
+        </p:txBody>
+      </p:sp>
+      <p:sp>
+        <p:nvSpPr>
+          <p:cNvPr id="6" name="文本框 5">
+            <a:extLst>
+              <a:ext uri="{FF2B5EF4-FFF2-40B4-BE49-F238E27FC236}">
+                <a16:creationId xmlns:a16="http://schemas.microsoft.com/office/drawing/2014/main" id="{693E4DDA-6A94-42AF-A873-C3434A730E0A}"/>
+              </a:ext>
+            </a:extLst>
+          </p:cNvPr>
+          <p:cNvSpPr txBox="1"/>
+          <p:nvPr/>
+        </p:nvSpPr>
+        <p:spPr>
+          <a:xfrm>
+            <a:off x="1798622" y="3429000"/>
+            <a:ext cx="1382109" cy="523220"/>
+          </a:xfrm>
+          <a:prstGeom prst="rect">
+            <a:avLst/>
+          </a:prstGeom>
+          <a:noFill/>
+          <a:ln>
+            <a:solidFill>
+              <a:schemeClr val="tx1"/>
+            </a:solidFill>
+          </a:ln>
+        </p:spPr>
+        <p:txBody>
+          <a:bodyPr wrap="none" rtlCol="0">
+            <a:spAutoFit/>
+          </a:bodyPr>
+          <a:lstStyle/>
+          <a:p>
+            <a:pPr algn="ctr"/>
+            <a:r>
+              <a:rPr lang="en-US" altLang="zh-CN" sz="1400" b="1" dirty="0" err="1"/>
+              <a:t>ParticleFactory</a:t>
+            </a:r>
+            <a:endParaRPr lang="en-US" altLang="zh-CN" sz="1400" b="1" dirty="0"/>
+          </a:p>
+          <a:p>
+            <a:pPr algn="ctr"/>
+            <a:r>
+              <a:rPr lang="zh-CN" altLang="en-US" sz="1400" b="1" dirty="0"/>
+              <a:t>粒子工厂</a:t>
+            </a:r>
+            <a:endParaRPr lang="en-US" altLang="zh-CN" sz="1400" b="1" dirty="0"/>
+          </a:p>
+        </p:txBody>
+      </p:sp>
+      <p:sp>
+        <p:nvSpPr>
+          <p:cNvPr id="7" name="文本框 6">
+            <a:extLst>
+              <a:ext uri="{FF2B5EF4-FFF2-40B4-BE49-F238E27FC236}">
+                <a16:creationId xmlns:a16="http://schemas.microsoft.com/office/drawing/2014/main" id="{2D938672-BBE5-4F57-BB19-3B7762A7A3D3}"/>
+              </a:ext>
+            </a:extLst>
+          </p:cNvPr>
+          <p:cNvSpPr txBox="1"/>
+          <p:nvPr/>
+        </p:nvSpPr>
+        <p:spPr>
+          <a:xfrm>
+            <a:off x="8317814" y="3429000"/>
+            <a:ext cx="1441420" cy="523220"/>
+          </a:xfrm>
+          <a:prstGeom prst="rect">
+            <a:avLst/>
+          </a:prstGeom>
+          <a:noFill/>
+          <a:ln>
+            <a:solidFill>
+              <a:schemeClr val="tx1"/>
+            </a:solidFill>
+          </a:ln>
+        </p:spPr>
+        <p:txBody>
+          <a:bodyPr wrap="none" rtlCol="0">
+            <a:spAutoFit/>
+          </a:bodyPr>
+          <a:lstStyle/>
+          <a:p>
+            <a:pPr algn="ctr"/>
+            <a:r>
+              <a:rPr lang="en-US" altLang="zh-CN" sz="1400" b="1" dirty="0" err="1"/>
+              <a:t>ParticleRunner</a:t>
+            </a:r>
+            <a:endParaRPr lang="en-US" altLang="zh-CN" sz="1400" b="1" dirty="0"/>
+          </a:p>
+          <a:p>
+            <a:pPr algn="ctr"/>
+            <a:r>
+              <a:rPr lang="zh-CN" altLang="en-US" sz="1400" b="1" dirty="0"/>
+              <a:t>粒子运动指挥所</a:t>
+            </a:r>
+            <a:endParaRPr lang="en-US" altLang="zh-CN" sz="1400" b="1" dirty="0"/>
+          </a:p>
+        </p:txBody>
+      </p:sp>
+      <p:cxnSp>
+        <p:nvCxnSpPr>
+          <p:cNvPr id="9" name="直接箭头连接符 8">
+            <a:extLst>
+              <a:ext uri="{FF2B5EF4-FFF2-40B4-BE49-F238E27FC236}">
+                <a16:creationId xmlns:a16="http://schemas.microsoft.com/office/drawing/2014/main" id="{E2262EAA-EB84-4603-B6D0-3315FD211BD0}"/>
+              </a:ext>
+            </a:extLst>
+          </p:cNvPr>
+          <p:cNvCxnSpPr>
+            <a:cxnSpLocks/>
+            <a:stCxn id="6" idx="3"/>
+            <a:endCxn id="4" idx="1"/>
+          </p:cNvCxnSpPr>
+          <p:nvPr/>
+        </p:nvCxnSpPr>
+        <p:spPr>
+          <a:xfrm>
+            <a:off x="3180731" y="3690610"/>
+            <a:ext cx="1906854" cy="0"/>
+          </a:xfrm>
+          <a:prstGeom prst="straightConnector1">
+            <a:avLst/>
+          </a:prstGeom>
+          <a:ln w="19050">
+            <a:solidFill>
+              <a:schemeClr val="tx1"/>
+            </a:solidFill>
+            <a:tailEnd type="triangle"/>
+          </a:ln>
+        </p:spPr>
+        <p:style>
+          <a:lnRef idx="1">
+            <a:schemeClr val="accent1"/>
+          </a:lnRef>
+          <a:fillRef idx="0">
+            <a:schemeClr val="accent1"/>
+          </a:fillRef>
+          <a:effectRef idx="0">
+            <a:schemeClr val="accent1"/>
+          </a:effectRef>
+          <a:fontRef idx="minor">
+            <a:schemeClr val="tx1"/>
+          </a:fontRef>
+        </p:style>
+      </p:cxnSp>
+      <p:cxnSp>
+        <p:nvCxnSpPr>
+          <p:cNvPr id="11" name="直接箭头连接符 10">
+            <a:extLst>
+              <a:ext uri="{FF2B5EF4-FFF2-40B4-BE49-F238E27FC236}">
+                <a16:creationId xmlns:a16="http://schemas.microsoft.com/office/drawing/2014/main" id="{DC8542BD-8641-4C77-B593-B2C23BD95413}"/>
+              </a:ext>
+            </a:extLst>
+          </p:cNvPr>
+          <p:cNvCxnSpPr>
+            <a:cxnSpLocks/>
+            <a:stCxn id="7" idx="1"/>
+          </p:cNvCxnSpPr>
+          <p:nvPr/>
+        </p:nvCxnSpPr>
+        <p:spPr>
+          <a:xfrm flipH="1">
+            <a:off x="6556258" y="3690610"/>
+            <a:ext cx="1761556" cy="0"/>
+          </a:xfrm>
+          <a:prstGeom prst="straightConnector1">
+            <a:avLst/>
+          </a:prstGeom>
+          <a:ln w="19050">
+            <a:solidFill>
+              <a:schemeClr val="tx1"/>
+            </a:solidFill>
+            <a:tailEnd type="triangle"/>
+          </a:ln>
+        </p:spPr>
+        <p:style>
+          <a:lnRef idx="1">
+            <a:schemeClr val="accent1"/>
+          </a:lnRef>
+          <a:fillRef idx="0">
+            <a:schemeClr val="accent1"/>
+          </a:fillRef>
+          <a:effectRef idx="0">
+            <a:schemeClr val="accent1"/>
+          </a:effectRef>
+          <a:fontRef idx="minor">
+            <a:schemeClr val="tx1"/>
+          </a:fontRef>
+        </p:style>
+      </p:cxnSp>
+      <p:cxnSp>
+        <p:nvCxnSpPr>
+          <p:cNvPr id="17" name="直接箭头连接符 16">
+            <a:extLst>
+              <a:ext uri="{FF2B5EF4-FFF2-40B4-BE49-F238E27FC236}">
+                <a16:creationId xmlns:a16="http://schemas.microsoft.com/office/drawing/2014/main" id="{57329096-AFE9-4562-A8F5-AF96112EF061}"/>
+              </a:ext>
+            </a:extLst>
+          </p:cNvPr>
+          <p:cNvCxnSpPr>
+            <a:cxnSpLocks/>
+            <a:stCxn id="5" idx="0"/>
+            <a:endCxn id="4" idx="2"/>
+          </p:cNvCxnSpPr>
+          <p:nvPr/>
+        </p:nvCxnSpPr>
+        <p:spPr>
+          <a:xfrm flipV="1">
+            <a:off x="5821921" y="3952220"/>
+            <a:ext cx="0" cy="1200229"/>
+          </a:xfrm>
+          <a:prstGeom prst="straightConnector1">
+            <a:avLst/>
+          </a:prstGeom>
+          <a:ln w="28575">
+            <a:solidFill>
+              <a:schemeClr val="tx1"/>
+            </a:solidFill>
+            <a:headEnd type="triangle" w="med" len="med"/>
+            <a:tailEnd type="triangle" w="med" len="med"/>
+          </a:ln>
+        </p:spPr>
+        <p:style>
+          <a:lnRef idx="1">
+            <a:schemeClr val="accent1"/>
+          </a:lnRef>
+          <a:fillRef idx="0">
+            <a:schemeClr val="accent1"/>
+          </a:fillRef>
+          <a:effectRef idx="0">
+            <a:schemeClr val="accent1"/>
+          </a:effectRef>
+          <a:fontRef idx="minor">
+            <a:schemeClr val="tx1"/>
+          </a:fontRef>
+        </p:style>
+      </p:cxnSp>
+      <p:sp>
+        <p:nvSpPr>
+          <p:cNvPr id="18" name="文本框 17">
+            <a:extLst>
+              <a:ext uri="{FF2B5EF4-FFF2-40B4-BE49-F238E27FC236}">
+                <a16:creationId xmlns:a16="http://schemas.microsoft.com/office/drawing/2014/main" id="{64D8519D-8E0C-4E5A-BCFC-8A287A37EFA1}"/>
+              </a:ext>
+            </a:extLst>
+          </p:cNvPr>
+          <p:cNvSpPr txBox="1"/>
+          <p:nvPr/>
+        </p:nvSpPr>
+        <p:spPr>
+          <a:xfrm>
+            <a:off x="2432768" y="1263395"/>
+            <a:ext cx="793807" cy="369332"/>
+          </a:xfrm>
+          <a:prstGeom prst="rect">
+            <a:avLst/>
+          </a:prstGeom>
+          <a:noFill/>
+        </p:spPr>
+        <p:txBody>
+          <a:bodyPr wrap="none" rtlCol="0">
+            <a:spAutoFit/>
+          </a:bodyPr>
+          <a:lstStyle/>
+          <a:p>
+            <a:r>
+              <a:rPr lang="en-US" altLang="zh-CN" dirty="0"/>
+              <a:t>create</a:t>
+            </a:r>
+            <a:endParaRPr lang="zh-CN" altLang="en-US" dirty="0"/>
+          </a:p>
+        </p:txBody>
+      </p:sp>
+      <p:sp>
+        <p:nvSpPr>
+          <p:cNvPr id="19" name="文本框 18">
+            <a:extLst>
+              <a:ext uri="{FF2B5EF4-FFF2-40B4-BE49-F238E27FC236}">
+                <a16:creationId xmlns:a16="http://schemas.microsoft.com/office/drawing/2014/main" id="{3EF37C01-64AD-42A2-87B2-93D711381EC6}"/>
+              </a:ext>
+            </a:extLst>
+          </p:cNvPr>
+          <p:cNvSpPr txBox="1"/>
+          <p:nvPr/>
+        </p:nvSpPr>
+        <p:spPr>
+          <a:xfrm>
+            <a:off x="6556257" y="3428999"/>
+            <a:ext cx="1800493" cy="307777"/>
+          </a:xfrm>
+          <a:prstGeom prst="rect">
+            <a:avLst/>
+          </a:prstGeom>
+          <a:noFill/>
+        </p:spPr>
+        <p:txBody>
+          <a:bodyPr wrap="none" rtlCol="0">
+            <a:spAutoFit/>
+          </a:bodyPr>
+          <a:lstStyle/>
+          <a:p>
+            <a:r>
+              <a:rPr lang="zh-CN" altLang="en-US" sz="1400" dirty="0"/>
+              <a:t>让粒子在磁场中运动</a:t>
+            </a:r>
+          </a:p>
+        </p:txBody>
+      </p:sp>
+      <p:sp>
+        <p:nvSpPr>
+          <p:cNvPr id="30" name="文本框 29">
+            <a:extLst>
+              <a:ext uri="{FF2B5EF4-FFF2-40B4-BE49-F238E27FC236}">
+                <a16:creationId xmlns:a16="http://schemas.microsoft.com/office/drawing/2014/main" id="{081DF3BD-7C20-4884-96EF-354F4BD55DA3}"/>
+              </a:ext>
+            </a:extLst>
+          </p:cNvPr>
+          <p:cNvSpPr txBox="1"/>
+          <p:nvPr/>
+        </p:nvSpPr>
+        <p:spPr>
+          <a:xfrm>
+            <a:off x="3219765" y="3428999"/>
+            <a:ext cx="1867819" cy="307777"/>
+          </a:xfrm>
+          <a:prstGeom prst="rect">
+            <a:avLst/>
+          </a:prstGeom>
+          <a:noFill/>
+        </p:spPr>
+        <p:txBody>
+          <a:bodyPr wrap="none" rtlCol="0">
+            <a:spAutoFit/>
+          </a:bodyPr>
+          <a:lstStyle/>
+          <a:p>
+            <a:r>
+              <a:rPr lang="zh-CN" altLang="en-US" sz="1400" dirty="0"/>
+              <a:t>便捷的创建粒子</a:t>
+            </a:r>
+            <a:r>
+              <a:rPr lang="en-US" altLang="zh-CN" sz="1400" dirty="0"/>
+              <a:t>/</a:t>
+            </a:r>
+            <a:r>
+              <a:rPr lang="zh-CN" altLang="en-US" sz="1400" dirty="0"/>
+              <a:t>束流</a:t>
+            </a:r>
+          </a:p>
+        </p:txBody>
+      </p:sp>
+      <p:sp>
+        <p:nvSpPr>
+          <p:cNvPr id="34" name="文本框 33">
+            <a:extLst>
+              <a:ext uri="{FF2B5EF4-FFF2-40B4-BE49-F238E27FC236}">
+                <a16:creationId xmlns:a16="http://schemas.microsoft.com/office/drawing/2014/main" id="{8F7C4CC8-5CB7-4561-A793-AE73EA3551A3}"/>
+              </a:ext>
+            </a:extLst>
+          </p:cNvPr>
+          <p:cNvSpPr txBox="1"/>
+          <p:nvPr/>
+        </p:nvSpPr>
+        <p:spPr>
+          <a:xfrm>
+            <a:off x="5762081" y="4075281"/>
+            <a:ext cx="447450" cy="954107"/>
+          </a:xfrm>
+          <a:prstGeom prst="rect">
+            <a:avLst/>
+          </a:prstGeom>
+          <a:noFill/>
+        </p:spPr>
+        <p:txBody>
+          <a:bodyPr wrap="square" rtlCol="0">
+            <a:spAutoFit/>
+          </a:bodyPr>
+          <a:lstStyle/>
+          <a:p>
+            <a:r>
+              <a:rPr lang="zh-CN" altLang="en-US" sz="1400" dirty="0"/>
+              <a:t>互相转换</a:t>
+            </a:r>
           </a:p>
         </p:txBody>
       </p:sp>

--- a/books/cct/cctpy/cctpy.pptx
+++ b/books/cct/cctpy/cctpy.pptx
@@ -14,6 +14,7 @@
     <p:sldId id="262" r:id="rId8"/>
     <p:sldId id="263" r:id="rId9"/>
     <p:sldId id="264" r:id="rId10"/>
+    <p:sldId id="265" r:id="rId11"/>
   </p:sldIdLst>
   <p:sldSz cx="12192000" cy="6858000"/>
   <p:notesSz cx="6858000" cy="9144000"/>
@@ -267,7 +268,7 @@
           <a:p>
             <a:fld id="{3CB234AC-E76C-4FA7-BAFA-B39D2955196C}" type="datetimeFigureOut">
               <a:rPr lang="zh-CN" altLang="en-US" smtClean="0"/>
-              <a:t>2020/12/3</a:t>
+              <a:t>2020/12/4</a:t>
             </a:fld>
             <a:endParaRPr lang="zh-CN" altLang="en-US"/>
           </a:p>
@@ -465,7 +466,7 @@
           <a:p>
             <a:fld id="{3CB234AC-E76C-4FA7-BAFA-B39D2955196C}" type="datetimeFigureOut">
               <a:rPr lang="zh-CN" altLang="en-US" smtClean="0"/>
-              <a:t>2020/12/3</a:t>
+              <a:t>2020/12/4</a:t>
             </a:fld>
             <a:endParaRPr lang="zh-CN" altLang="en-US"/>
           </a:p>
@@ -673,7 +674,7 @@
           <a:p>
             <a:fld id="{3CB234AC-E76C-4FA7-BAFA-B39D2955196C}" type="datetimeFigureOut">
               <a:rPr lang="zh-CN" altLang="en-US" smtClean="0"/>
-              <a:t>2020/12/3</a:t>
+              <a:t>2020/12/4</a:t>
             </a:fld>
             <a:endParaRPr lang="zh-CN" altLang="en-US"/>
           </a:p>
@@ -871,7 +872,7 @@
           <a:p>
             <a:fld id="{3CB234AC-E76C-4FA7-BAFA-B39D2955196C}" type="datetimeFigureOut">
               <a:rPr lang="zh-CN" altLang="en-US" smtClean="0"/>
-              <a:t>2020/12/3</a:t>
+              <a:t>2020/12/4</a:t>
             </a:fld>
             <a:endParaRPr lang="zh-CN" altLang="en-US"/>
           </a:p>
@@ -1146,7 +1147,7 @@
           <a:p>
             <a:fld id="{3CB234AC-E76C-4FA7-BAFA-B39D2955196C}" type="datetimeFigureOut">
               <a:rPr lang="zh-CN" altLang="en-US" smtClean="0"/>
-              <a:t>2020/12/3</a:t>
+              <a:t>2020/12/4</a:t>
             </a:fld>
             <a:endParaRPr lang="zh-CN" altLang="en-US"/>
           </a:p>
@@ -1411,7 +1412,7 @@
           <a:p>
             <a:fld id="{3CB234AC-E76C-4FA7-BAFA-B39D2955196C}" type="datetimeFigureOut">
               <a:rPr lang="zh-CN" altLang="en-US" smtClean="0"/>
-              <a:t>2020/12/3</a:t>
+              <a:t>2020/12/4</a:t>
             </a:fld>
             <a:endParaRPr lang="zh-CN" altLang="en-US"/>
           </a:p>
@@ -1823,7 +1824,7 @@
           <a:p>
             <a:fld id="{3CB234AC-E76C-4FA7-BAFA-B39D2955196C}" type="datetimeFigureOut">
               <a:rPr lang="zh-CN" altLang="en-US" smtClean="0"/>
-              <a:t>2020/12/3</a:t>
+              <a:t>2020/12/4</a:t>
             </a:fld>
             <a:endParaRPr lang="zh-CN" altLang="en-US"/>
           </a:p>
@@ -1964,7 +1965,7 @@
           <a:p>
             <a:fld id="{3CB234AC-E76C-4FA7-BAFA-B39D2955196C}" type="datetimeFigureOut">
               <a:rPr lang="zh-CN" altLang="en-US" smtClean="0"/>
-              <a:t>2020/12/3</a:t>
+              <a:t>2020/12/4</a:t>
             </a:fld>
             <a:endParaRPr lang="zh-CN" altLang="en-US"/>
           </a:p>
@@ -2077,7 +2078,7 @@
           <a:p>
             <a:fld id="{3CB234AC-E76C-4FA7-BAFA-B39D2955196C}" type="datetimeFigureOut">
               <a:rPr lang="zh-CN" altLang="en-US" smtClean="0"/>
-              <a:t>2020/12/3</a:t>
+              <a:t>2020/12/4</a:t>
             </a:fld>
             <a:endParaRPr lang="zh-CN" altLang="en-US"/>
           </a:p>
@@ -2388,7 +2389,7 @@
           <a:p>
             <a:fld id="{3CB234AC-E76C-4FA7-BAFA-B39D2955196C}" type="datetimeFigureOut">
               <a:rPr lang="zh-CN" altLang="en-US" smtClean="0"/>
-              <a:t>2020/12/3</a:t>
+              <a:t>2020/12/4</a:t>
             </a:fld>
             <a:endParaRPr lang="zh-CN" altLang="en-US"/>
           </a:p>
@@ -2676,7 +2677,7 @@
           <a:p>
             <a:fld id="{3CB234AC-E76C-4FA7-BAFA-B39D2955196C}" type="datetimeFigureOut">
               <a:rPr lang="zh-CN" altLang="en-US" smtClean="0"/>
-              <a:t>2020/12/3</a:t>
+              <a:t>2020/12/4</a:t>
             </a:fld>
             <a:endParaRPr lang="zh-CN" altLang="en-US"/>
           </a:p>
@@ -2917,7 +2918,7 @@
           <a:p>
             <a:fld id="{3CB234AC-E76C-4FA7-BAFA-B39D2955196C}" type="datetimeFigureOut">
               <a:rPr lang="zh-CN" altLang="en-US" smtClean="0"/>
-              <a:t>2020/12/3</a:t>
+              <a:t>2020/12/4</a:t>
             </a:fld>
             <a:endParaRPr lang="zh-CN" altLang="en-US"/>
           </a:p>
@@ -4402,6 +4403,701 @@
     <p:extLst>
       <p:ext uri="{BB962C8B-B14F-4D97-AF65-F5344CB8AC3E}">
         <p14:creationId xmlns:p14="http://schemas.microsoft.com/office/powerpoint/2010/main" val="141946981"/>
+      </p:ext>
+    </p:extLst>
+  </p:cSld>
+  <p:clrMapOvr>
+    <a:masterClrMapping/>
+  </p:clrMapOvr>
+</p:sld>
+</file>
+
+<file path=ppt/slides/slide10.xml><?xml version="1.0" encoding="utf-8"?>
+<p:sld xmlns:a="http://schemas.openxmlformats.org/drawingml/2006/main" xmlns:r="http://schemas.openxmlformats.org/officeDocument/2006/relationships" xmlns:p="http://schemas.openxmlformats.org/presentationml/2006/main">
+  <p:cSld>
+    <p:spTree>
+      <p:nvGrpSpPr>
+        <p:cNvPr id="1" name=""/>
+        <p:cNvGrpSpPr/>
+        <p:nvPr/>
+      </p:nvGrpSpPr>
+      <p:grpSpPr>
+        <a:xfrm>
+          <a:off x="0" y="0"/>
+          <a:ext cx="0" cy="0"/>
+          <a:chOff x="0" y="0"/>
+          <a:chExt cx="0" cy="0"/>
+        </a:xfrm>
+      </p:grpSpPr>
+      <mc:AlternateContent xmlns:mc="http://schemas.openxmlformats.org/markup-compatibility/2006">
+        <mc:Choice xmlns:a14="http://schemas.microsoft.com/office/drawing/2010/main" Requires="a14">
+          <p:sp>
+            <p:nvSpPr>
+              <p:cNvPr id="4" name="文本框 3">
+                <a:extLst>
+                  <a:ext uri="{FF2B5EF4-FFF2-40B4-BE49-F238E27FC236}">
+                    <a16:creationId xmlns:a16="http://schemas.microsoft.com/office/drawing/2014/main" id="{89C5A935-B2D1-41EA-8952-10286B5864C1}"/>
+                  </a:ext>
+                </a:extLst>
+              </p:cNvPr>
+              <p:cNvSpPr txBox="1"/>
+              <p:nvPr/>
+            </p:nvSpPr>
+            <p:spPr>
+              <a:xfrm>
+                <a:off x="1128396" y="416513"/>
+                <a:ext cx="1940723" cy="369332"/>
+              </a:xfrm>
+              <a:prstGeom prst="rect">
+                <a:avLst/>
+              </a:prstGeom>
+              <a:noFill/>
+            </p:spPr>
+            <p:txBody>
+              <a:bodyPr wrap="none" lIns="0" tIns="0" rIns="0" bIns="0" rtlCol="0">
+                <a:spAutoFit/>
+              </a:bodyPr>
+              <a:lstStyle/>
+              <a:p>
+                <a14:m>
+                  <m:oMathPara xmlns:m="http://schemas.openxmlformats.org/officeDocument/2006/math">
+                    <m:oMathParaPr>
+                      <m:jc m:val="centerGroup"/>
+                    </m:oMathParaPr>
+                    <m:oMath xmlns:m="http://schemas.openxmlformats.org/officeDocument/2006/math">
+                      <m:r>
+                        <a:rPr lang="zh-CN" altLang="en-US" sz="2400" b="1" i="1" smtClean="0">
+                          <a:latin typeface="Cambria Math" panose="02040503050406030204" pitchFamily="18" charset="0"/>
+                        </a:rPr>
+                        <m:t>位置</m:t>
+                      </m:r>
+                      <m:r>
+                        <a:rPr lang="en-US" altLang="zh-CN" sz="2400" b="1" i="1" smtClean="0">
+                          <a:latin typeface="Cambria Math" panose="02040503050406030204" pitchFamily="18" charset="0"/>
+                        </a:rPr>
+                        <m:t> </m:t>
+                      </m:r>
+                      <m:r>
+                        <a:rPr lang="en-US" altLang="zh-CN" sz="2400" b="1" i="0" smtClean="0">
+                          <a:latin typeface="Cambria Math" panose="02040503050406030204" pitchFamily="18" charset="0"/>
+                        </a:rPr>
+                        <m:t>𝐏</m:t>
+                      </m:r>
+                      <m:r>
+                        <a:rPr lang="en-US" altLang="zh-CN" sz="2400" b="0" i="0" smtClean="0">
+                          <a:latin typeface="Cambria Math" panose="02040503050406030204" pitchFamily="18" charset="0"/>
+                        </a:rPr>
+                        <m:t>=</m:t>
+                      </m:r>
+                      <m:r>
+                        <a:rPr lang="en-US" altLang="zh-CN" sz="2400" b="1" i="0" smtClean="0">
+                          <a:latin typeface="Cambria Math" panose="02040503050406030204" pitchFamily="18" charset="0"/>
+                        </a:rPr>
+                        <m:t>𝐏</m:t>
+                      </m:r>
+                      <m:d>
+                        <m:dPr>
+                          <m:ctrlPr>
+                            <a:rPr lang="en-US" altLang="zh-CN" sz="2400" b="0" i="1" smtClean="0">
+                              <a:latin typeface="Cambria Math" panose="02040503050406030204" pitchFamily="18" charset="0"/>
+                            </a:rPr>
+                          </m:ctrlPr>
+                        </m:dPr>
+                        <m:e>
+                          <m:r>
+                            <a:rPr lang="en-US" altLang="zh-CN" sz="2400" b="0" i="1" smtClean="0">
+                              <a:latin typeface="Cambria Math" panose="02040503050406030204" pitchFamily="18" charset="0"/>
+                            </a:rPr>
+                            <m:t>𝑡</m:t>
+                          </m:r>
+                        </m:e>
+                      </m:d>
+                    </m:oMath>
+                  </m:oMathPara>
+                </a14:m>
+                <a:endParaRPr lang="en-US" altLang="zh-CN" sz="2400" b="0" dirty="0"/>
+              </a:p>
+            </p:txBody>
+          </p:sp>
+        </mc:Choice>
+        <mc:Fallback>
+          <p:sp>
+            <p:nvSpPr>
+              <p:cNvPr id="4" name="文本框 3">
+                <a:extLst>
+                  <a:ext uri="{FF2B5EF4-FFF2-40B4-BE49-F238E27FC236}">
+                    <a16:creationId xmlns:a16="http://schemas.microsoft.com/office/drawing/2014/main" id="{89C5A935-B2D1-41EA-8952-10286B5864C1}"/>
+                  </a:ext>
+                </a:extLst>
+              </p:cNvPr>
+              <p:cNvSpPr txBox="1">
+                <a:spLocks noRot="1" noChangeAspect="1" noMove="1" noResize="1" noEditPoints="1" noAdjustHandles="1" noChangeArrowheads="1" noChangeShapeType="1" noTextEdit="1"/>
+              </p:cNvSpPr>
+              <p:nvPr/>
+            </p:nvSpPr>
+            <p:spPr>
+              <a:xfrm>
+                <a:off x="1128396" y="416513"/>
+                <a:ext cx="1940723" cy="369332"/>
+              </a:xfrm>
+              <a:prstGeom prst="rect">
+                <a:avLst/>
+              </a:prstGeom>
+              <a:blipFill>
+                <a:blip r:embed="rId2"/>
+                <a:stretch>
+                  <a:fillRect l="-5031" t="-8197" b="-31148"/>
+                </a:stretch>
+              </a:blipFill>
+            </p:spPr>
+            <p:txBody>
+              <a:bodyPr/>
+              <a:lstStyle/>
+              <a:p>
+                <a:r>
+                  <a:rPr lang="zh-CN" altLang="en-US">
+                    <a:noFill/>
+                  </a:rPr>
+                  <a:t> </a:t>
+                </a:r>
+              </a:p>
+            </p:txBody>
+          </p:sp>
+        </mc:Fallback>
+      </mc:AlternateContent>
+      <mc:AlternateContent xmlns:mc="http://schemas.openxmlformats.org/markup-compatibility/2006">
+        <mc:Choice xmlns:a14="http://schemas.microsoft.com/office/drawing/2010/main" Requires="a14">
+          <p:sp>
+            <p:nvSpPr>
+              <p:cNvPr id="5" name="文本框 4">
+                <a:extLst>
+                  <a:ext uri="{FF2B5EF4-FFF2-40B4-BE49-F238E27FC236}">
+                    <a16:creationId xmlns:a16="http://schemas.microsoft.com/office/drawing/2014/main" id="{FE8FEAC2-907A-4698-B928-8B4949FABC96}"/>
+                  </a:ext>
+                </a:extLst>
+              </p:cNvPr>
+              <p:cNvSpPr txBox="1"/>
+              <p:nvPr/>
+            </p:nvSpPr>
+            <p:spPr>
+              <a:xfrm>
+                <a:off x="1128395" y="1088814"/>
+                <a:ext cx="2593210" cy="369332"/>
+              </a:xfrm>
+              <a:prstGeom prst="rect">
+                <a:avLst/>
+              </a:prstGeom>
+              <a:noFill/>
+            </p:spPr>
+            <p:txBody>
+              <a:bodyPr wrap="none" lIns="0" tIns="0" rIns="0" bIns="0" rtlCol="0">
+                <a:spAutoFit/>
+              </a:bodyPr>
+              <a:lstStyle/>
+              <a:p>
+                <a14:m>
+                  <m:oMath xmlns:m="http://schemas.openxmlformats.org/officeDocument/2006/math">
+                    <m:r>
+                      <a:rPr lang="zh-CN" altLang="en-US" sz="2400" b="1" i="1" smtClean="0">
+                        <a:latin typeface="Cambria Math" panose="02040503050406030204" pitchFamily="18" charset="0"/>
+                      </a:rPr>
+                      <m:t>速度</m:t>
+                    </m:r>
+                    <m:r>
+                      <a:rPr lang="en-US" altLang="zh-CN" sz="2400" b="1" i="1" smtClean="0">
+                        <a:latin typeface="Cambria Math" panose="02040503050406030204" pitchFamily="18" charset="0"/>
+                      </a:rPr>
+                      <m:t> </m:t>
+                    </m:r>
+                    <m:r>
+                      <a:rPr lang="en-US" altLang="zh-CN" sz="2400" b="1" i="1" smtClean="0">
+                        <a:latin typeface="Cambria Math" panose="02040503050406030204" pitchFamily="18" charset="0"/>
+                      </a:rPr>
+                      <m:t>𝒗</m:t>
+                    </m:r>
+                    <m:r>
+                      <a:rPr lang="en-US" altLang="zh-CN" sz="2400" b="0" i="1" smtClean="0">
+                        <a:latin typeface="Cambria Math" panose="02040503050406030204" pitchFamily="18" charset="0"/>
+                      </a:rPr>
+                      <m:t>=</m:t>
+                    </m:r>
+                    <m:r>
+                      <a:rPr lang="en-US" altLang="zh-CN" sz="2400" b="1" i="1" smtClean="0">
+                        <a:latin typeface="Cambria Math" panose="02040503050406030204" pitchFamily="18" charset="0"/>
+                      </a:rPr>
+                      <m:t>𝒗</m:t>
+                    </m:r>
+                    <m:d>
+                      <m:dPr>
+                        <m:ctrlPr>
+                          <a:rPr lang="en-US" altLang="zh-CN" sz="2400" b="0" i="1" smtClean="0">
+                            <a:latin typeface="Cambria Math" panose="02040503050406030204" pitchFamily="18" charset="0"/>
+                          </a:rPr>
+                        </m:ctrlPr>
+                      </m:dPr>
+                      <m:e>
+                        <m:r>
+                          <a:rPr lang="en-US" altLang="zh-CN" sz="2400" b="0" i="1" smtClean="0">
+                            <a:latin typeface="Cambria Math" panose="02040503050406030204" pitchFamily="18" charset="0"/>
+                          </a:rPr>
+                          <m:t>𝑡</m:t>
+                        </m:r>
+                      </m:e>
+                    </m:d>
+                  </m:oMath>
+                </a14:m>
+                <a:r>
+                  <a:rPr lang="en-US" altLang="zh-CN" sz="2400" b="0" dirty="0"/>
+                  <a:t> = </a:t>
+                </a:r>
+                <a14:m>
+                  <m:oMath xmlns:m="http://schemas.openxmlformats.org/officeDocument/2006/math">
+                    <m:sSup>
+                      <m:sSupPr>
+                        <m:ctrlPr>
+                          <a:rPr lang="en-US" altLang="zh-CN" sz="2400" b="0" i="0" smtClean="0">
+                            <a:latin typeface="Cambria Math" panose="02040503050406030204" pitchFamily="18" charset="0"/>
+                          </a:rPr>
+                        </m:ctrlPr>
+                      </m:sSupPr>
+                      <m:e>
+                        <m:r>
+                          <a:rPr lang="en-US" altLang="zh-CN" sz="2400" b="1" i="0">
+                            <a:latin typeface="Cambria Math" panose="02040503050406030204" pitchFamily="18" charset="0"/>
+                          </a:rPr>
+                          <m:t>𝐏</m:t>
+                        </m:r>
+                      </m:e>
+                      <m:sup>
+                        <m:r>
+                          <a:rPr lang="en-US" altLang="zh-CN" sz="2400" b="0" i="0" smtClean="0">
+                            <a:latin typeface="Cambria Math" panose="02040503050406030204" pitchFamily="18" charset="0"/>
+                          </a:rPr>
+                          <m:t>′</m:t>
+                        </m:r>
+                      </m:sup>
+                    </m:sSup>
+                  </m:oMath>
+                </a14:m>
+                <a:r>
+                  <a:rPr lang="en-US" altLang="zh-CN" sz="2400" b="0" dirty="0"/>
+                  <a:t> </a:t>
+                </a:r>
+              </a:p>
+            </p:txBody>
+          </p:sp>
+        </mc:Choice>
+        <mc:Fallback>
+          <p:sp>
+            <p:nvSpPr>
+              <p:cNvPr id="5" name="文本框 4">
+                <a:extLst>
+                  <a:ext uri="{FF2B5EF4-FFF2-40B4-BE49-F238E27FC236}">
+                    <a16:creationId xmlns:a16="http://schemas.microsoft.com/office/drawing/2014/main" id="{FE8FEAC2-907A-4698-B928-8B4949FABC96}"/>
+                  </a:ext>
+                </a:extLst>
+              </p:cNvPr>
+              <p:cNvSpPr txBox="1">
+                <a:spLocks noRot="1" noChangeAspect="1" noMove="1" noResize="1" noEditPoints="1" noAdjustHandles="1" noChangeArrowheads="1" noChangeShapeType="1" noTextEdit="1"/>
+              </p:cNvSpPr>
+              <p:nvPr/>
+            </p:nvSpPr>
+            <p:spPr>
+              <a:xfrm>
+                <a:off x="1128395" y="1088814"/>
+                <a:ext cx="2593210" cy="369332"/>
+              </a:xfrm>
+              <a:prstGeom prst="rect">
+                <a:avLst/>
+              </a:prstGeom>
+              <a:blipFill>
+                <a:blip r:embed="rId3"/>
+                <a:stretch>
+                  <a:fillRect l="-5647" t="-25000" b="-51667"/>
+                </a:stretch>
+              </a:blipFill>
+            </p:spPr>
+            <p:txBody>
+              <a:bodyPr/>
+              <a:lstStyle/>
+              <a:p>
+                <a:r>
+                  <a:rPr lang="zh-CN" altLang="en-US">
+                    <a:noFill/>
+                  </a:rPr>
+                  <a:t> </a:t>
+                </a:r>
+              </a:p>
+            </p:txBody>
+          </p:sp>
+        </mc:Fallback>
+      </mc:AlternateContent>
+      <mc:AlternateContent xmlns:mc="http://schemas.openxmlformats.org/markup-compatibility/2006">
+        <mc:Choice xmlns:a14="http://schemas.microsoft.com/office/drawing/2010/main" Requires="a14">
+          <p:sp>
+            <p:nvSpPr>
+              <p:cNvPr id="6" name="文本框 5">
+                <a:extLst>
+                  <a:ext uri="{FF2B5EF4-FFF2-40B4-BE49-F238E27FC236}">
+                    <a16:creationId xmlns:a16="http://schemas.microsoft.com/office/drawing/2014/main" id="{1410B795-E5D6-474F-95C7-65400C6A9835}"/>
+                  </a:ext>
+                </a:extLst>
+              </p:cNvPr>
+              <p:cNvSpPr txBox="1"/>
+              <p:nvPr/>
+            </p:nvSpPr>
+            <p:spPr>
+              <a:xfrm>
+                <a:off x="1128395" y="1761115"/>
+                <a:ext cx="3673954" cy="369332"/>
+              </a:xfrm>
+              <a:prstGeom prst="rect">
+                <a:avLst/>
+              </a:prstGeom>
+              <a:noFill/>
+            </p:spPr>
+            <p:txBody>
+              <a:bodyPr wrap="none" lIns="0" tIns="0" rIns="0" bIns="0" rtlCol="0">
+                <a:spAutoFit/>
+              </a:bodyPr>
+              <a:lstStyle/>
+              <a:p>
+                <a14:m>
+                  <m:oMath xmlns:m="http://schemas.openxmlformats.org/officeDocument/2006/math">
+                    <m:r>
+                      <a:rPr lang="zh-CN" altLang="en-US" sz="2400" b="1" i="1" smtClean="0">
+                        <a:latin typeface="Cambria Math" panose="02040503050406030204" pitchFamily="18" charset="0"/>
+                      </a:rPr>
+                      <m:t>加速度</m:t>
+                    </m:r>
+                    <m:r>
+                      <a:rPr lang="en-US" altLang="zh-CN" sz="2400" b="1" i="1" smtClean="0">
+                        <a:latin typeface="Cambria Math" panose="02040503050406030204" pitchFamily="18" charset="0"/>
+                      </a:rPr>
+                      <m:t> </m:t>
+                    </m:r>
+                    <m:r>
+                      <a:rPr lang="en-US" altLang="zh-CN" sz="2400" b="1" i="1" smtClean="0">
+                        <a:latin typeface="Cambria Math" panose="02040503050406030204" pitchFamily="18" charset="0"/>
+                      </a:rPr>
+                      <m:t>𝒂</m:t>
+                    </m:r>
+                    <m:r>
+                      <a:rPr lang="en-US" altLang="zh-CN" sz="2400" b="0" i="1" smtClean="0">
+                        <a:latin typeface="Cambria Math" panose="02040503050406030204" pitchFamily="18" charset="0"/>
+                      </a:rPr>
+                      <m:t>=</m:t>
+                    </m:r>
+                    <m:r>
+                      <a:rPr lang="en-US" altLang="zh-CN" sz="2400" b="1" i="1">
+                        <a:latin typeface="Cambria Math" panose="02040503050406030204" pitchFamily="18" charset="0"/>
+                      </a:rPr>
+                      <m:t>𝒂</m:t>
+                    </m:r>
+                    <m:d>
+                      <m:dPr>
+                        <m:ctrlPr>
+                          <a:rPr lang="en-US" altLang="zh-CN" sz="2400" b="0" i="1" smtClean="0">
+                            <a:latin typeface="Cambria Math" panose="02040503050406030204" pitchFamily="18" charset="0"/>
+                          </a:rPr>
+                        </m:ctrlPr>
+                      </m:dPr>
+                      <m:e>
+                        <m:r>
+                          <a:rPr lang="en-US" altLang="zh-CN" sz="2400" b="0" i="1" smtClean="0">
+                            <a:latin typeface="Cambria Math" panose="02040503050406030204" pitchFamily="18" charset="0"/>
+                          </a:rPr>
+                          <m:t>𝑡</m:t>
+                        </m:r>
+                      </m:e>
+                    </m:d>
+                    <m:r>
+                      <a:rPr lang="en-US" altLang="zh-CN" sz="2400" b="0" i="0" smtClean="0">
+                        <a:latin typeface="Cambria Math" panose="02040503050406030204" pitchFamily="18" charset="0"/>
+                      </a:rPr>
+                      <m:t>=</m:t>
+                    </m:r>
+                    <m:sSup>
+                      <m:sSupPr>
+                        <m:ctrlPr>
+                          <a:rPr lang="en-US" altLang="zh-CN" sz="2400" b="0" i="0" smtClean="0">
+                            <a:latin typeface="Cambria Math" panose="02040503050406030204" pitchFamily="18" charset="0"/>
+                          </a:rPr>
+                        </m:ctrlPr>
+                      </m:sSupPr>
+                      <m:e>
+                        <m:r>
+                          <a:rPr lang="en-US" altLang="zh-CN" sz="2400" b="1" i="1">
+                            <a:latin typeface="Cambria Math" panose="02040503050406030204" pitchFamily="18" charset="0"/>
+                          </a:rPr>
+                          <m:t>𝒗</m:t>
+                        </m:r>
+                      </m:e>
+                      <m:sup>
+                        <m:r>
+                          <a:rPr lang="en-US" altLang="zh-CN" sz="2400" b="0" i="0" smtClean="0">
+                            <a:latin typeface="Cambria Math" panose="02040503050406030204" pitchFamily="18" charset="0"/>
+                          </a:rPr>
+                          <m:t>′</m:t>
+                        </m:r>
+                      </m:sup>
+                    </m:sSup>
+                    <m:r>
+                      <a:rPr lang="en-US" altLang="zh-CN" sz="2400" b="0" i="0" smtClean="0">
+                        <a:latin typeface="Cambria Math" panose="02040503050406030204" pitchFamily="18" charset="0"/>
+                      </a:rPr>
+                      <m:t>=</m:t>
+                    </m:r>
+                    <m:r>
+                      <a:rPr lang="en-US" altLang="zh-CN" sz="2400" b="1" i="0" smtClean="0">
+                        <a:latin typeface="Cambria Math" panose="02040503050406030204" pitchFamily="18" charset="0"/>
+                      </a:rPr>
+                      <m:t>𝐏</m:t>
+                    </m:r>
+                    <m:r>
+                      <a:rPr lang="en-US" altLang="zh-CN" sz="2400" b="0" i="0" smtClean="0">
+                        <a:latin typeface="Cambria Math" panose="02040503050406030204" pitchFamily="18" charset="0"/>
+                      </a:rPr>
+                      <m:t>′′</m:t>
+                    </m:r>
+                  </m:oMath>
+                </a14:m>
+                <a:r>
+                  <a:rPr lang="en-US" altLang="zh-CN" sz="2400" b="0" dirty="0"/>
+                  <a:t> </a:t>
+                </a:r>
+              </a:p>
+            </p:txBody>
+          </p:sp>
+        </mc:Choice>
+        <mc:Fallback>
+          <p:sp>
+            <p:nvSpPr>
+              <p:cNvPr id="6" name="文本框 5">
+                <a:extLst>
+                  <a:ext uri="{FF2B5EF4-FFF2-40B4-BE49-F238E27FC236}">
+                    <a16:creationId xmlns:a16="http://schemas.microsoft.com/office/drawing/2014/main" id="{1410B795-E5D6-474F-95C7-65400C6A9835}"/>
+                  </a:ext>
+                </a:extLst>
+              </p:cNvPr>
+              <p:cNvSpPr txBox="1">
+                <a:spLocks noRot="1" noChangeAspect="1" noMove="1" noResize="1" noEditPoints="1" noAdjustHandles="1" noChangeArrowheads="1" noChangeShapeType="1" noTextEdit="1"/>
+              </p:cNvSpPr>
+              <p:nvPr/>
+            </p:nvSpPr>
+            <p:spPr>
+              <a:xfrm>
+                <a:off x="1128395" y="1761115"/>
+                <a:ext cx="3673954" cy="369332"/>
+              </a:xfrm>
+              <a:prstGeom prst="rect">
+                <a:avLst/>
+              </a:prstGeom>
+              <a:blipFill>
+                <a:blip r:embed="rId4"/>
+                <a:stretch>
+                  <a:fillRect l="-3980" t="-10000" b="-31667"/>
+                </a:stretch>
+              </a:blipFill>
+            </p:spPr>
+            <p:txBody>
+              <a:bodyPr/>
+              <a:lstStyle/>
+              <a:p>
+                <a:r>
+                  <a:rPr lang="zh-CN" altLang="en-US">
+                    <a:noFill/>
+                  </a:rPr>
+                  <a:t> </a:t>
+                </a:r>
+              </a:p>
+            </p:txBody>
+          </p:sp>
+        </mc:Fallback>
+      </mc:AlternateContent>
+      <mc:AlternateContent xmlns:mc="http://schemas.openxmlformats.org/markup-compatibility/2006">
+        <mc:Choice xmlns:a14="http://schemas.microsoft.com/office/drawing/2010/main" Requires="a14">
+          <p:sp>
+            <p:nvSpPr>
+              <p:cNvPr id="7" name="文本框 6">
+                <a:extLst>
+                  <a:ext uri="{FF2B5EF4-FFF2-40B4-BE49-F238E27FC236}">
+                    <a16:creationId xmlns:a16="http://schemas.microsoft.com/office/drawing/2014/main" id="{A4A28F77-9FF3-4451-A34B-91B6A3BE6914}"/>
+                  </a:ext>
+                </a:extLst>
+              </p:cNvPr>
+              <p:cNvSpPr txBox="1"/>
+              <p:nvPr/>
+            </p:nvSpPr>
+            <p:spPr>
+              <a:xfrm>
+                <a:off x="1128395" y="2433416"/>
+                <a:ext cx="2870594" cy="632545"/>
+              </a:xfrm>
+              <a:prstGeom prst="rect">
+                <a:avLst/>
+              </a:prstGeom>
+              <a:noFill/>
+            </p:spPr>
+            <p:txBody>
+              <a:bodyPr wrap="none" lIns="0" tIns="0" rIns="0" bIns="0" rtlCol="0">
+                <a:spAutoFit/>
+              </a:bodyPr>
+              <a:lstStyle/>
+              <a:p>
+                <a14:m>
+                  <m:oMathPara xmlns:m="http://schemas.openxmlformats.org/officeDocument/2006/math">
+                    <m:oMathParaPr>
+                      <m:jc m:val="centerGroup"/>
+                    </m:oMathParaPr>
+                    <m:oMath xmlns:m="http://schemas.openxmlformats.org/officeDocument/2006/math">
+                      <m:r>
+                        <a:rPr lang="zh-CN" altLang="en-US" sz="2400" b="1" i="1" smtClean="0">
+                          <a:latin typeface="Cambria Math" panose="02040503050406030204" pitchFamily="18" charset="0"/>
+                        </a:rPr>
+                        <m:t>同时</m:t>
+                      </m:r>
+                      <m:r>
+                        <a:rPr lang="en-US" altLang="zh-CN" sz="2400" b="1" i="1" smtClean="0">
+                          <a:latin typeface="Cambria Math" panose="02040503050406030204" pitchFamily="18" charset="0"/>
+                        </a:rPr>
+                        <m:t> </m:t>
+                      </m:r>
+                      <m:r>
+                        <a:rPr lang="en-US" altLang="zh-CN" sz="2400" b="1" i="1" smtClean="0">
+                          <a:latin typeface="Cambria Math" panose="02040503050406030204" pitchFamily="18" charset="0"/>
+                        </a:rPr>
+                        <m:t>𝒂</m:t>
+                      </m:r>
+                      <m:r>
+                        <a:rPr lang="en-US" altLang="zh-CN" sz="2400" b="0" i="1" smtClean="0">
+                          <a:latin typeface="Cambria Math" panose="02040503050406030204" pitchFamily="18" charset="0"/>
+                        </a:rPr>
+                        <m:t>=</m:t>
+                      </m:r>
+                      <m:f>
+                        <m:fPr>
+                          <m:ctrlPr>
+                            <a:rPr lang="en-US" altLang="zh-CN" sz="2400" b="0" i="1" smtClean="0">
+                              <a:latin typeface="Cambria Math" panose="02040503050406030204" pitchFamily="18" charset="0"/>
+                            </a:rPr>
+                          </m:ctrlPr>
+                        </m:fPr>
+                        <m:num>
+                          <m:r>
+                            <a:rPr lang="en-US" altLang="zh-CN" sz="2400" b="0" i="1" smtClean="0">
+                              <a:latin typeface="Cambria Math" panose="02040503050406030204" pitchFamily="18" charset="0"/>
+                            </a:rPr>
+                            <m:t>𝑞</m:t>
+                          </m:r>
+                        </m:num>
+                        <m:den>
+                          <m:r>
+                            <a:rPr lang="en-US" altLang="zh-CN" sz="2400" b="0" i="1" smtClean="0">
+                              <a:latin typeface="Cambria Math" panose="02040503050406030204" pitchFamily="18" charset="0"/>
+                            </a:rPr>
+                            <m:t>𝑚</m:t>
+                          </m:r>
+                        </m:den>
+                      </m:f>
+                      <m:r>
+                        <a:rPr lang="en-US" altLang="zh-CN" sz="2400" b="1" i="1" smtClean="0">
+                          <a:latin typeface="Cambria Math" panose="02040503050406030204" pitchFamily="18" charset="0"/>
+                        </a:rPr>
+                        <m:t>𝒗</m:t>
+                      </m:r>
+                      <m:r>
+                        <a:rPr lang="en-US" altLang="zh-CN" sz="2400" b="0" i="1" smtClean="0">
+                          <a:latin typeface="Cambria Math" panose="02040503050406030204" pitchFamily="18" charset="0"/>
+                          <a:ea typeface="Cambria Math" panose="02040503050406030204" pitchFamily="18" charset="0"/>
+                        </a:rPr>
+                        <m:t>×</m:t>
+                      </m:r>
+                      <m:r>
+                        <a:rPr lang="en-US" altLang="zh-CN" sz="2400" b="1" i="1" smtClean="0">
+                          <a:latin typeface="Cambria Math" panose="02040503050406030204" pitchFamily="18" charset="0"/>
+                          <a:ea typeface="Cambria Math" panose="02040503050406030204" pitchFamily="18" charset="0"/>
+                        </a:rPr>
+                        <m:t>𝑩</m:t>
+                      </m:r>
+                      <m:r>
+                        <a:rPr lang="en-US" altLang="zh-CN" sz="2400" b="0" i="1" smtClean="0">
+                          <a:latin typeface="Cambria Math" panose="02040503050406030204" pitchFamily="18" charset="0"/>
+                          <a:ea typeface="Cambria Math" panose="02040503050406030204" pitchFamily="18" charset="0"/>
+                        </a:rPr>
+                        <m:t>(</m:t>
+                      </m:r>
+                      <m:r>
+                        <a:rPr lang="en-US" altLang="zh-CN" sz="2400" b="1" i="0" smtClean="0">
+                          <a:latin typeface="Cambria Math" panose="02040503050406030204" pitchFamily="18" charset="0"/>
+                          <a:ea typeface="Cambria Math" panose="02040503050406030204" pitchFamily="18" charset="0"/>
+                        </a:rPr>
+                        <m:t>𝐏</m:t>
+                      </m:r>
+                      <m:r>
+                        <a:rPr lang="en-US" altLang="zh-CN" sz="2400" b="0" i="1" smtClean="0">
+                          <a:latin typeface="Cambria Math" panose="02040503050406030204" pitchFamily="18" charset="0"/>
+                          <a:ea typeface="Cambria Math" panose="02040503050406030204" pitchFamily="18" charset="0"/>
+                        </a:rPr>
+                        <m:t>)</m:t>
+                      </m:r>
+                    </m:oMath>
+                  </m:oMathPara>
+                </a14:m>
+                <a:endParaRPr lang="en-US" altLang="zh-CN" sz="2400" b="0" dirty="0"/>
+              </a:p>
+            </p:txBody>
+          </p:sp>
+        </mc:Choice>
+        <mc:Fallback>
+          <p:sp>
+            <p:nvSpPr>
+              <p:cNvPr id="7" name="文本框 6">
+                <a:extLst>
+                  <a:ext uri="{FF2B5EF4-FFF2-40B4-BE49-F238E27FC236}">
+                    <a16:creationId xmlns:a16="http://schemas.microsoft.com/office/drawing/2014/main" id="{A4A28F77-9FF3-4451-A34B-91B6A3BE6914}"/>
+                  </a:ext>
+                </a:extLst>
+              </p:cNvPr>
+              <p:cNvSpPr txBox="1">
+                <a:spLocks noRot="1" noChangeAspect="1" noMove="1" noResize="1" noEditPoints="1" noAdjustHandles="1" noChangeArrowheads="1" noChangeShapeType="1" noTextEdit="1"/>
+              </p:cNvSpPr>
+              <p:nvPr/>
+            </p:nvSpPr>
+            <p:spPr>
+              <a:xfrm>
+                <a:off x="1128395" y="2433416"/>
+                <a:ext cx="2870594" cy="632545"/>
+              </a:xfrm>
+              <a:prstGeom prst="rect">
+                <a:avLst/>
+              </a:prstGeom>
+              <a:blipFill>
+                <a:blip r:embed="rId5"/>
+                <a:stretch>
+                  <a:fillRect/>
+                </a:stretch>
+              </a:blipFill>
+            </p:spPr>
+            <p:txBody>
+              <a:bodyPr/>
+              <a:lstStyle/>
+              <a:p>
+                <a:r>
+                  <a:rPr lang="zh-CN" altLang="en-US">
+                    <a:noFill/>
+                  </a:rPr>
+                  <a:t> </a:t>
+                </a:r>
+              </a:p>
+            </p:txBody>
+          </p:sp>
+        </mc:Fallback>
+      </mc:AlternateContent>
+    </p:spTree>
+    <p:extLst>
+      <p:ext uri="{BB962C8B-B14F-4D97-AF65-F5344CB8AC3E}">
+        <p14:creationId xmlns:p14="http://schemas.microsoft.com/office/powerpoint/2010/main" val="117016401"/>
       </p:ext>
     </p:extLst>
   </p:cSld>

--- a/books/cct/cctpy/cctpy.pptx
+++ b/books/cct/cctpy/cctpy.pptx
@@ -15,6 +15,9 @@
     <p:sldId id="263" r:id="rId9"/>
     <p:sldId id="264" r:id="rId10"/>
     <p:sldId id="265" r:id="rId11"/>
+    <p:sldId id="266" r:id="rId12"/>
+    <p:sldId id="423" r:id="rId13"/>
+    <p:sldId id="424" r:id="rId14"/>
   </p:sldIdLst>
   <p:sldSz cx="12192000" cy="6858000"/>
   <p:notesSz cx="6858000" cy="9144000"/>
@@ -268,7 +271,7 @@
           <a:p>
             <a:fld id="{3CB234AC-E76C-4FA7-BAFA-B39D2955196C}" type="datetimeFigureOut">
               <a:rPr lang="zh-CN" altLang="en-US" smtClean="0"/>
-              <a:t>2020/12/4</a:t>
+              <a:t>2021/5/3</a:t>
             </a:fld>
             <a:endParaRPr lang="zh-CN" altLang="en-US"/>
           </a:p>
@@ -466,7 +469,7 @@
           <a:p>
             <a:fld id="{3CB234AC-E76C-4FA7-BAFA-B39D2955196C}" type="datetimeFigureOut">
               <a:rPr lang="zh-CN" altLang="en-US" smtClean="0"/>
-              <a:t>2020/12/4</a:t>
+              <a:t>2021/5/3</a:t>
             </a:fld>
             <a:endParaRPr lang="zh-CN" altLang="en-US"/>
           </a:p>
@@ -674,7 +677,7 @@
           <a:p>
             <a:fld id="{3CB234AC-E76C-4FA7-BAFA-B39D2955196C}" type="datetimeFigureOut">
               <a:rPr lang="zh-CN" altLang="en-US" smtClean="0"/>
-              <a:t>2020/12/4</a:t>
+              <a:t>2021/5/3</a:t>
             </a:fld>
             <a:endParaRPr lang="zh-CN" altLang="en-US"/>
           </a:p>
@@ -872,7 +875,7 @@
           <a:p>
             <a:fld id="{3CB234AC-E76C-4FA7-BAFA-B39D2955196C}" type="datetimeFigureOut">
               <a:rPr lang="zh-CN" altLang="en-US" smtClean="0"/>
-              <a:t>2020/12/4</a:t>
+              <a:t>2021/5/3</a:t>
             </a:fld>
             <a:endParaRPr lang="zh-CN" altLang="en-US"/>
           </a:p>
@@ -1147,7 +1150,7 @@
           <a:p>
             <a:fld id="{3CB234AC-E76C-4FA7-BAFA-B39D2955196C}" type="datetimeFigureOut">
               <a:rPr lang="zh-CN" altLang="en-US" smtClean="0"/>
-              <a:t>2020/12/4</a:t>
+              <a:t>2021/5/3</a:t>
             </a:fld>
             <a:endParaRPr lang="zh-CN" altLang="en-US"/>
           </a:p>
@@ -1412,7 +1415,7 @@
           <a:p>
             <a:fld id="{3CB234AC-E76C-4FA7-BAFA-B39D2955196C}" type="datetimeFigureOut">
               <a:rPr lang="zh-CN" altLang="en-US" smtClean="0"/>
-              <a:t>2020/12/4</a:t>
+              <a:t>2021/5/3</a:t>
             </a:fld>
             <a:endParaRPr lang="zh-CN" altLang="en-US"/>
           </a:p>
@@ -1824,7 +1827,7 @@
           <a:p>
             <a:fld id="{3CB234AC-E76C-4FA7-BAFA-B39D2955196C}" type="datetimeFigureOut">
               <a:rPr lang="zh-CN" altLang="en-US" smtClean="0"/>
-              <a:t>2020/12/4</a:t>
+              <a:t>2021/5/3</a:t>
             </a:fld>
             <a:endParaRPr lang="zh-CN" altLang="en-US"/>
           </a:p>
@@ -1965,7 +1968,7 @@
           <a:p>
             <a:fld id="{3CB234AC-E76C-4FA7-BAFA-B39D2955196C}" type="datetimeFigureOut">
               <a:rPr lang="zh-CN" altLang="en-US" smtClean="0"/>
-              <a:t>2020/12/4</a:t>
+              <a:t>2021/5/3</a:t>
             </a:fld>
             <a:endParaRPr lang="zh-CN" altLang="en-US"/>
           </a:p>
@@ -2078,7 +2081,7 @@
           <a:p>
             <a:fld id="{3CB234AC-E76C-4FA7-BAFA-B39D2955196C}" type="datetimeFigureOut">
               <a:rPr lang="zh-CN" altLang="en-US" smtClean="0"/>
-              <a:t>2020/12/4</a:t>
+              <a:t>2021/5/3</a:t>
             </a:fld>
             <a:endParaRPr lang="zh-CN" altLang="en-US"/>
           </a:p>
@@ -2389,7 +2392,7 @@
           <a:p>
             <a:fld id="{3CB234AC-E76C-4FA7-BAFA-B39D2955196C}" type="datetimeFigureOut">
               <a:rPr lang="zh-CN" altLang="en-US" smtClean="0"/>
-              <a:t>2020/12/4</a:t>
+              <a:t>2021/5/3</a:t>
             </a:fld>
             <a:endParaRPr lang="zh-CN" altLang="en-US"/>
           </a:p>
@@ -2677,7 +2680,7 @@
           <a:p>
             <a:fld id="{3CB234AC-E76C-4FA7-BAFA-B39D2955196C}" type="datetimeFigureOut">
               <a:rPr lang="zh-CN" altLang="en-US" smtClean="0"/>
-              <a:t>2020/12/4</a:t>
+              <a:t>2021/5/3</a:t>
             </a:fld>
             <a:endParaRPr lang="zh-CN" altLang="en-US"/>
           </a:p>
@@ -2918,7 +2921,7 @@
           <a:p>
             <a:fld id="{3CB234AC-E76C-4FA7-BAFA-B39D2955196C}" type="datetimeFigureOut">
               <a:rPr lang="zh-CN" altLang="en-US" smtClean="0"/>
-              <a:t>2020/12/4</a:t>
+              <a:t>2021/5/3</a:t>
             </a:fld>
             <a:endParaRPr lang="zh-CN" altLang="en-US"/>
           </a:p>
@@ -3726,7 +3729,7 @@
         <p:spPr>
           <a:xfrm>
             <a:off x="3911779" y="1207453"/>
-            <a:ext cx="2185214" cy="369332"/>
+            <a:ext cx="2060179" cy="369332"/>
           </a:xfrm>
           <a:prstGeom prst="rect">
             <a:avLst/>
@@ -3741,15 +3744,15 @@
           <a:p>
             <a:r>
               <a:rPr lang="zh-CN" altLang="en-US" dirty="0"/>
-              <a:t>束流在 </a:t>
+              <a:t>束线设计在</a:t>
             </a:r>
             <a:r>
               <a:rPr lang="en-US" altLang="zh-CN" dirty="0"/>
-              <a:t>XY </a:t>
+              <a:t>XY</a:t>
             </a:r>
             <a:r>
               <a:rPr lang="zh-CN" altLang="en-US" dirty="0"/>
-              <a:t>平面运行</a:t>
+              <a:t>平面</a:t>
             </a:r>
           </a:p>
         </p:txBody>
@@ -4429,8 +4432,8 @@
           <a:chExt cx="0" cy="0"/>
         </a:xfrm>
       </p:grpSpPr>
-      <mc:AlternateContent xmlns:mc="http://schemas.openxmlformats.org/markup-compatibility/2006">
-        <mc:Choice xmlns:a14="http://schemas.microsoft.com/office/drawing/2010/main" Requires="a14">
+      <mc:AlternateContent xmlns:mc="http://schemas.openxmlformats.org/markup-compatibility/2006" xmlns:a14="http://schemas.microsoft.com/office/drawing/2010/main">
+        <mc:Choice Requires="a14">
           <p:sp>
             <p:nvSpPr>
               <p:cNvPr id="4" name="文本框 3">
@@ -4459,6 +4462,7 @@
               </a:bodyPr>
               <a:lstStyle/>
               <a:p>
+                <a:pPr/>
                 <a14:m>
                   <m:oMathPara xmlns:m="http://schemas.openxmlformats.org/officeDocument/2006/math">
                     <m:oMathParaPr>
@@ -4520,7 +4524,7 @@
             </p:txBody>
           </p:sp>
         </mc:Choice>
-        <mc:Fallback>
+        <mc:Fallback xmlns="">
           <p:sp>
             <p:nvSpPr>
               <p:cNvPr id="4" name="文本框 3">
@@ -4565,8 +4569,8 @@
           </p:sp>
         </mc:Fallback>
       </mc:AlternateContent>
-      <mc:AlternateContent xmlns:mc="http://schemas.openxmlformats.org/markup-compatibility/2006">
-        <mc:Choice xmlns:a14="http://schemas.microsoft.com/office/drawing/2010/main" Requires="a14">
+      <mc:AlternateContent xmlns:mc="http://schemas.openxmlformats.org/markup-compatibility/2006" xmlns:a14="http://schemas.microsoft.com/office/drawing/2010/main">
+        <mc:Choice Requires="a14">
           <p:sp>
             <p:nvSpPr>
               <p:cNvPr id="5" name="文本框 4">
@@ -4655,7 +4659,7 @@
                     <m:sSup>
                       <m:sSupPr>
                         <m:ctrlPr>
-                          <a:rPr lang="en-US" altLang="zh-CN" sz="2400" b="0" i="0" smtClean="0">
+                          <a:rPr lang="en-US" altLang="zh-CN" sz="2400" b="0" i="1" smtClean="0">
                             <a:latin typeface="Cambria Math" panose="02040503050406030204" pitchFamily="18" charset="0"/>
                           </a:rPr>
                         </m:ctrlPr>
@@ -4687,7 +4691,7 @@
             </p:txBody>
           </p:sp>
         </mc:Choice>
-        <mc:Fallback>
+        <mc:Fallback xmlns="">
           <p:sp>
             <p:nvSpPr>
               <p:cNvPr id="5" name="文本框 4">
@@ -4732,8 +4736,8 @@
           </p:sp>
         </mc:Fallback>
       </mc:AlternateContent>
-      <mc:AlternateContent xmlns:mc="http://schemas.openxmlformats.org/markup-compatibility/2006">
-        <mc:Choice xmlns:a14="http://schemas.microsoft.com/office/drawing/2010/main" Requires="a14">
+      <mc:AlternateContent xmlns:mc="http://schemas.openxmlformats.org/markup-compatibility/2006" xmlns:a14="http://schemas.microsoft.com/office/drawing/2010/main">
+        <mc:Choice Requires="a14">
           <p:sp>
             <p:nvSpPr>
               <p:cNvPr id="6" name="文本框 5">
@@ -4820,7 +4824,7 @@
                     <m:sSup>
                       <m:sSupPr>
                         <m:ctrlPr>
-                          <a:rPr lang="en-US" altLang="zh-CN" sz="2400" b="0" i="0" smtClean="0">
+                          <a:rPr lang="en-US" altLang="zh-CN" sz="2400" b="0" i="1" smtClean="0">
                             <a:latin typeface="Cambria Math" panose="02040503050406030204" pitchFamily="18" charset="0"/>
                           </a:rPr>
                         </m:ctrlPr>
@@ -4870,7 +4874,7 @@
             </p:txBody>
           </p:sp>
         </mc:Choice>
-        <mc:Fallback>
+        <mc:Fallback xmlns="">
           <p:sp>
             <p:nvSpPr>
               <p:cNvPr id="6" name="文本框 5">
@@ -4915,8 +4919,8 @@
           </p:sp>
         </mc:Fallback>
       </mc:AlternateContent>
-      <mc:AlternateContent xmlns:mc="http://schemas.openxmlformats.org/markup-compatibility/2006">
-        <mc:Choice xmlns:a14="http://schemas.microsoft.com/office/drawing/2010/main" Requires="a14">
+      <mc:AlternateContent xmlns:mc="http://schemas.openxmlformats.org/markup-compatibility/2006" xmlns:a14="http://schemas.microsoft.com/office/drawing/2010/main">
+        <mc:Choice Requires="a14">
           <p:sp>
             <p:nvSpPr>
               <p:cNvPr id="7" name="文本框 6">
@@ -4945,6 +4949,7 @@
               </a:bodyPr>
               <a:lstStyle/>
               <a:p>
+                <a:pPr/>
                 <a14:m>
                   <m:oMathPara xmlns:m="http://schemas.openxmlformats.org/officeDocument/2006/math">
                     <m:oMathParaPr>
@@ -5049,7 +5054,7 @@
             </p:txBody>
           </p:sp>
         </mc:Choice>
-        <mc:Fallback>
+        <mc:Fallback xmlns="">
           <p:sp>
             <p:nvSpPr>
               <p:cNvPr id="7" name="文本框 6">
@@ -5107,6 +5112,2788 @@
 </p:sld>
 </file>
 
+<file path=ppt/slides/slide11.xml><?xml version="1.0" encoding="utf-8"?>
+<p:sld xmlns:a="http://schemas.openxmlformats.org/drawingml/2006/main" xmlns:r="http://schemas.openxmlformats.org/officeDocument/2006/relationships" xmlns:p="http://schemas.openxmlformats.org/presentationml/2006/main">
+  <p:cSld>
+    <p:spTree>
+      <p:nvGrpSpPr>
+        <p:cNvPr id="1" name=""/>
+        <p:cNvGrpSpPr/>
+        <p:nvPr/>
+      </p:nvGrpSpPr>
+      <p:grpSpPr>
+        <a:xfrm>
+          <a:off x="0" y="0"/>
+          <a:ext cx="0" cy="0"/>
+          <a:chOff x="0" y="0"/>
+          <a:chExt cx="0" cy="0"/>
+        </a:xfrm>
+      </p:grpSpPr>
+      <p:sp>
+        <p:nvSpPr>
+          <p:cNvPr id="4" name="文本框 3">
+            <a:extLst>
+              <a:ext uri="{FF2B5EF4-FFF2-40B4-BE49-F238E27FC236}">
+                <a16:creationId xmlns:a16="http://schemas.microsoft.com/office/drawing/2014/main" id="{AC5C3D6F-A8CD-4C56-A891-32900917C40F}"/>
+              </a:ext>
+            </a:extLst>
+          </p:cNvPr>
+          <p:cNvSpPr txBox="1"/>
+          <p:nvPr/>
+        </p:nvSpPr>
+        <p:spPr>
+          <a:xfrm>
+            <a:off x="4136581" y="702782"/>
+            <a:ext cx="1880016" cy="707886"/>
+          </a:xfrm>
+          <a:prstGeom prst="rect">
+            <a:avLst/>
+          </a:prstGeom>
+          <a:noFill/>
+          <a:ln>
+            <a:solidFill>
+              <a:schemeClr val="tx1"/>
+            </a:solidFill>
+          </a:ln>
+        </p:spPr>
+        <p:txBody>
+          <a:bodyPr wrap="square" rtlCol="0">
+            <a:spAutoFit/>
+          </a:bodyPr>
+          <a:lstStyle/>
+          <a:p>
+            <a:pPr algn="ctr"/>
+            <a:r>
+              <a:rPr lang="en-US" altLang="zh-CN" sz="1400" b="1" dirty="0"/>
+              <a:t>Magnet</a:t>
+            </a:r>
+          </a:p>
+          <a:p>
+            <a:pPr algn="ctr"/>
+            <a:r>
+              <a:rPr lang="zh-CN" altLang="en-US" sz="1400" b="1" dirty="0"/>
+              <a:t>磁铁抽向类</a:t>
+            </a:r>
+          </a:p>
+          <a:p>
+            <a:r>
+              <a:rPr lang="en-US" altLang="zh-CN" sz="1200" dirty="0" err="1">
+                <a:solidFill>
+                  <a:schemeClr val="bg1">
+                    <a:lumMod val="50000"/>
+                  </a:schemeClr>
+                </a:solidFill>
+              </a:rPr>
+              <a:t>magnetic_field_at</a:t>
+            </a:r>
+            <a:r>
+              <a:rPr lang="en-US" altLang="zh-CN" sz="1200" dirty="0">
+                <a:solidFill>
+                  <a:schemeClr val="bg1">
+                    <a:lumMod val="50000"/>
+                  </a:schemeClr>
+                </a:solidFill>
+              </a:rPr>
+              <a:t>(point)</a:t>
+            </a:r>
+          </a:p>
+        </p:txBody>
+      </p:sp>
+      <p:sp>
+        <p:nvSpPr>
+          <p:cNvPr id="5" name="文本框 4">
+            <a:extLst>
+              <a:ext uri="{FF2B5EF4-FFF2-40B4-BE49-F238E27FC236}">
+                <a16:creationId xmlns:a16="http://schemas.microsoft.com/office/drawing/2014/main" id="{EF719925-68AF-4DF7-BC34-CEC2417A2538}"/>
+              </a:ext>
+            </a:extLst>
+          </p:cNvPr>
+          <p:cNvSpPr txBox="1"/>
+          <p:nvPr/>
+        </p:nvSpPr>
+        <p:spPr>
+          <a:xfrm>
+            <a:off x="1275673" y="1979398"/>
+            <a:ext cx="1487908" cy="523220"/>
+          </a:xfrm>
+          <a:prstGeom prst="rect">
+            <a:avLst/>
+          </a:prstGeom>
+          <a:noFill/>
+          <a:ln>
+            <a:solidFill>
+              <a:schemeClr val="tx1"/>
+            </a:solidFill>
+          </a:ln>
+        </p:spPr>
+        <p:txBody>
+          <a:bodyPr wrap="none" rtlCol="0">
+            <a:spAutoFit/>
+          </a:bodyPr>
+          <a:lstStyle/>
+          <a:p>
+            <a:pPr algn="ctr"/>
+            <a:r>
+              <a:rPr lang="en-US" altLang="zh-CN" sz="1400" b="1" dirty="0" err="1"/>
+              <a:t>UniformMagnet</a:t>
+            </a:r>
+            <a:endParaRPr lang="en-US" altLang="zh-CN" sz="1400" b="1" dirty="0"/>
+          </a:p>
+          <a:p>
+            <a:pPr algn="ctr"/>
+            <a:r>
+              <a:rPr lang="zh-CN" altLang="en-US" sz="1400" b="1" dirty="0"/>
+              <a:t>均匀磁场</a:t>
+            </a:r>
+            <a:endParaRPr lang="en-US" altLang="zh-CN" sz="1400" b="1" dirty="0"/>
+          </a:p>
+        </p:txBody>
+      </p:sp>
+      <p:sp>
+        <p:nvSpPr>
+          <p:cNvPr id="22" name="文本框 21">
+            <a:extLst>
+              <a:ext uri="{FF2B5EF4-FFF2-40B4-BE49-F238E27FC236}">
+                <a16:creationId xmlns:a16="http://schemas.microsoft.com/office/drawing/2014/main" id="{3AC46191-BCB2-4270-8DCB-03704EB5F540}"/>
+              </a:ext>
+            </a:extLst>
+          </p:cNvPr>
+          <p:cNvSpPr txBox="1"/>
+          <p:nvPr/>
+        </p:nvSpPr>
+        <p:spPr>
+          <a:xfrm>
+            <a:off x="3292506" y="1979398"/>
+            <a:ext cx="1656223" cy="523220"/>
+          </a:xfrm>
+          <a:prstGeom prst="rect">
+            <a:avLst/>
+          </a:prstGeom>
+          <a:noFill/>
+          <a:ln>
+            <a:solidFill>
+              <a:schemeClr val="tx1"/>
+            </a:solidFill>
+          </a:ln>
+        </p:spPr>
+        <p:txBody>
+          <a:bodyPr wrap="none" rtlCol="0">
+            <a:spAutoFit/>
+          </a:bodyPr>
+          <a:lstStyle/>
+          <a:p>
+            <a:pPr algn="ctr"/>
+            <a:r>
+              <a:rPr lang="en-US" altLang="zh-CN" sz="1400" b="1" dirty="0" err="1"/>
+              <a:t>CombinedMagnet</a:t>
+            </a:r>
+            <a:endParaRPr lang="en-US" altLang="zh-CN" sz="1400" b="1" dirty="0"/>
+          </a:p>
+          <a:p>
+            <a:pPr algn="ctr"/>
+            <a:r>
+              <a:rPr lang="zh-CN" altLang="en-US" sz="1400" b="1" dirty="0"/>
+              <a:t>组合磁铁</a:t>
+            </a:r>
+            <a:endParaRPr lang="en-US" altLang="zh-CN" sz="1400" b="1" dirty="0"/>
+          </a:p>
+        </p:txBody>
+      </p:sp>
+      <p:sp>
+        <p:nvSpPr>
+          <p:cNvPr id="24" name="文本框 23">
+            <a:extLst>
+              <a:ext uri="{FF2B5EF4-FFF2-40B4-BE49-F238E27FC236}">
+                <a16:creationId xmlns:a16="http://schemas.microsoft.com/office/drawing/2014/main" id="{9366996E-B8AC-42E8-8DA5-BD384617ECF8}"/>
+              </a:ext>
+            </a:extLst>
+          </p:cNvPr>
+          <p:cNvSpPr txBox="1"/>
+          <p:nvPr/>
+        </p:nvSpPr>
+        <p:spPr>
+          <a:xfrm>
+            <a:off x="5477654" y="1985396"/>
+            <a:ext cx="777777" cy="523220"/>
+          </a:xfrm>
+          <a:prstGeom prst="rect">
+            <a:avLst/>
+          </a:prstGeom>
+          <a:noFill/>
+          <a:ln>
+            <a:solidFill>
+              <a:schemeClr val="tx1"/>
+            </a:solidFill>
+          </a:ln>
+        </p:spPr>
+        <p:txBody>
+          <a:bodyPr wrap="none" rtlCol="0">
+            <a:spAutoFit/>
+          </a:bodyPr>
+          <a:lstStyle/>
+          <a:p>
+            <a:pPr algn="ctr"/>
+            <a:r>
+              <a:rPr lang="en-US" altLang="zh-CN" sz="1400" b="1" dirty="0"/>
+              <a:t>QS</a:t>
+            </a:r>
+          </a:p>
+          <a:p>
+            <a:pPr algn="ctr"/>
+            <a:r>
+              <a:rPr lang="en-US" altLang="zh-CN" sz="1400" b="1" dirty="0"/>
+              <a:t>QS</a:t>
+            </a:r>
+            <a:r>
+              <a:rPr lang="zh-CN" altLang="en-US" sz="1400" b="1" dirty="0"/>
+              <a:t>磁铁</a:t>
+            </a:r>
+            <a:endParaRPr lang="en-US" altLang="zh-CN" sz="1400" b="1" dirty="0"/>
+          </a:p>
+        </p:txBody>
+      </p:sp>
+      <p:sp>
+        <p:nvSpPr>
+          <p:cNvPr id="25" name="文本框 24">
+            <a:extLst>
+              <a:ext uri="{FF2B5EF4-FFF2-40B4-BE49-F238E27FC236}">
+                <a16:creationId xmlns:a16="http://schemas.microsoft.com/office/drawing/2014/main" id="{8DFC7944-80E3-4C51-B3C9-C038DB655D3D}"/>
+              </a:ext>
+            </a:extLst>
+          </p:cNvPr>
+          <p:cNvSpPr txBox="1"/>
+          <p:nvPr/>
+        </p:nvSpPr>
+        <p:spPr>
+          <a:xfrm>
+            <a:off x="6766610" y="1990486"/>
+            <a:ext cx="867546" cy="523220"/>
+          </a:xfrm>
+          <a:prstGeom prst="rect">
+            <a:avLst/>
+          </a:prstGeom>
+          <a:noFill/>
+          <a:ln>
+            <a:solidFill>
+              <a:schemeClr val="tx1"/>
+            </a:solidFill>
+          </a:ln>
+        </p:spPr>
+        <p:txBody>
+          <a:bodyPr wrap="none" rtlCol="0">
+            <a:spAutoFit/>
+          </a:bodyPr>
+          <a:lstStyle/>
+          <a:p>
+            <a:pPr algn="ctr"/>
+            <a:r>
+              <a:rPr lang="en-US" altLang="zh-CN" sz="1400" b="1" dirty="0"/>
+              <a:t>CCT</a:t>
+            </a:r>
+          </a:p>
+          <a:p>
+            <a:pPr algn="ctr"/>
+            <a:r>
+              <a:rPr lang="en-US" altLang="zh-CN" sz="1400" b="1" dirty="0"/>
+              <a:t>CCT</a:t>
+            </a:r>
+            <a:r>
+              <a:rPr lang="zh-CN" altLang="en-US" sz="1400" b="1" dirty="0"/>
+              <a:t>磁铁</a:t>
+            </a:r>
+            <a:endParaRPr lang="en-US" altLang="zh-CN" sz="1400" b="1" dirty="0"/>
+          </a:p>
+        </p:txBody>
+      </p:sp>
+      <p:sp>
+        <p:nvSpPr>
+          <p:cNvPr id="26" name="文本框 25">
+            <a:extLst>
+              <a:ext uri="{FF2B5EF4-FFF2-40B4-BE49-F238E27FC236}">
+                <a16:creationId xmlns:a16="http://schemas.microsoft.com/office/drawing/2014/main" id="{793F2D8F-F530-49D2-A14B-5449B1CC8865}"/>
+              </a:ext>
+            </a:extLst>
+          </p:cNvPr>
+          <p:cNvSpPr txBox="1"/>
+          <p:nvPr/>
+        </p:nvSpPr>
+        <p:spPr>
+          <a:xfrm>
+            <a:off x="8189703" y="1990486"/>
+            <a:ext cx="934871" cy="523220"/>
+          </a:xfrm>
+          <a:prstGeom prst="rect">
+            <a:avLst/>
+          </a:prstGeom>
+          <a:noFill/>
+          <a:ln>
+            <a:solidFill>
+              <a:schemeClr val="tx1"/>
+            </a:solidFill>
+          </a:ln>
+        </p:spPr>
+        <p:txBody>
+          <a:bodyPr wrap="none" rtlCol="0">
+            <a:spAutoFit/>
+          </a:bodyPr>
+          <a:lstStyle/>
+          <a:p>
+            <a:pPr algn="ctr"/>
+            <a:r>
+              <a:rPr lang="en-US" altLang="zh-CN" sz="1400" b="1" dirty="0"/>
+              <a:t>Beamline</a:t>
+            </a:r>
+          </a:p>
+          <a:p>
+            <a:pPr algn="ctr"/>
+            <a:r>
+              <a:rPr lang="zh-CN" altLang="en-US" sz="1400" b="1" dirty="0"/>
+              <a:t>束线</a:t>
+            </a:r>
+            <a:endParaRPr lang="en-US" altLang="zh-CN" sz="1400" b="1" dirty="0"/>
+          </a:p>
+        </p:txBody>
+      </p:sp>
+      <p:cxnSp>
+        <p:nvCxnSpPr>
+          <p:cNvPr id="10" name="直接箭头连接符 9">
+            <a:extLst>
+              <a:ext uri="{FF2B5EF4-FFF2-40B4-BE49-F238E27FC236}">
+                <a16:creationId xmlns:a16="http://schemas.microsoft.com/office/drawing/2014/main" id="{3F83F795-08D4-41C3-8205-00EF9FDF50D8}"/>
+              </a:ext>
+            </a:extLst>
+          </p:cNvPr>
+          <p:cNvCxnSpPr>
+            <a:stCxn id="5" idx="0"/>
+            <a:endCxn id="4" idx="2"/>
+          </p:cNvCxnSpPr>
+          <p:nvPr/>
+        </p:nvCxnSpPr>
+        <p:spPr>
+          <a:xfrm flipV="1">
+            <a:off x="2019627" y="1410668"/>
+            <a:ext cx="3056962" cy="568730"/>
+          </a:xfrm>
+          <a:prstGeom prst="straightConnector1">
+            <a:avLst/>
+          </a:prstGeom>
+          <a:ln>
+            <a:prstDash val="dash"/>
+            <a:tailEnd type="triangle"/>
+          </a:ln>
+        </p:spPr>
+        <p:style>
+          <a:lnRef idx="1">
+            <a:schemeClr val="accent1"/>
+          </a:lnRef>
+          <a:fillRef idx="0">
+            <a:schemeClr val="accent1"/>
+          </a:fillRef>
+          <a:effectRef idx="0">
+            <a:schemeClr val="accent1"/>
+          </a:effectRef>
+          <a:fontRef idx="minor">
+            <a:schemeClr val="tx1"/>
+          </a:fontRef>
+        </p:style>
+      </p:cxnSp>
+      <p:cxnSp>
+        <p:nvCxnSpPr>
+          <p:cNvPr id="29" name="直接箭头连接符 28">
+            <a:extLst>
+              <a:ext uri="{FF2B5EF4-FFF2-40B4-BE49-F238E27FC236}">
+                <a16:creationId xmlns:a16="http://schemas.microsoft.com/office/drawing/2014/main" id="{EA27B12F-EC34-43CD-AC94-EFAD5C20EAFC}"/>
+              </a:ext>
+            </a:extLst>
+          </p:cNvPr>
+          <p:cNvCxnSpPr>
+            <a:cxnSpLocks/>
+            <a:stCxn id="22" idx="0"/>
+          </p:cNvCxnSpPr>
+          <p:nvPr/>
+        </p:nvCxnSpPr>
+        <p:spPr>
+          <a:xfrm flipV="1">
+            <a:off x="4120618" y="1400632"/>
+            <a:ext cx="950276" cy="578766"/>
+          </a:xfrm>
+          <a:prstGeom prst="straightConnector1">
+            <a:avLst/>
+          </a:prstGeom>
+          <a:ln>
+            <a:prstDash val="dash"/>
+            <a:tailEnd type="triangle"/>
+          </a:ln>
+        </p:spPr>
+        <p:style>
+          <a:lnRef idx="1">
+            <a:schemeClr val="accent1"/>
+          </a:lnRef>
+          <a:fillRef idx="0">
+            <a:schemeClr val="accent1"/>
+          </a:fillRef>
+          <a:effectRef idx="0">
+            <a:schemeClr val="accent1"/>
+          </a:effectRef>
+          <a:fontRef idx="minor">
+            <a:schemeClr val="tx1"/>
+          </a:fontRef>
+        </p:style>
+      </p:cxnSp>
+      <p:cxnSp>
+        <p:nvCxnSpPr>
+          <p:cNvPr id="31" name="直接箭头连接符 30">
+            <a:extLst>
+              <a:ext uri="{FF2B5EF4-FFF2-40B4-BE49-F238E27FC236}">
+                <a16:creationId xmlns:a16="http://schemas.microsoft.com/office/drawing/2014/main" id="{DD704219-697A-408D-AA3C-C9165D193EB2}"/>
+              </a:ext>
+            </a:extLst>
+          </p:cNvPr>
+          <p:cNvCxnSpPr>
+            <a:cxnSpLocks/>
+            <a:stCxn id="24" idx="0"/>
+          </p:cNvCxnSpPr>
+          <p:nvPr/>
+        </p:nvCxnSpPr>
+        <p:spPr>
+          <a:xfrm flipH="1" flipV="1">
+            <a:off x="5059319" y="1390596"/>
+            <a:ext cx="807224" cy="594800"/>
+          </a:xfrm>
+          <a:prstGeom prst="straightConnector1">
+            <a:avLst/>
+          </a:prstGeom>
+          <a:ln>
+            <a:prstDash val="dash"/>
+            <a:tailEnd type="triangle"/>
+          </a:ln>
+        </p:spPr>
+        <p:style>
+          <a:lnRef idx="1">
+            <a:schemeClr val="accent1"/>
+          </a:lnRef>
+          <a:fillRef idx="0">
+            <a:schemeClr val="accent1"/>
+          </a:fillRef>
+          <a:effectRef idx="0">
+            <a:schemeClr val="accent1"/>
+          </a:effectRef>
+          <a:fontRef idx="minor">
+            <a:schemeClr val="tx1"/>
+          </a:fontRef>
+        </p:style>
+      </p:cxnSp>
+      <p:cxnSp>
+        <p:nvCxnSpPr>
+          <p:cNvPr id="33" name="直接箭头连接符 32">
+            <a:extLst>
+              <a:ext uri="{FF2B5EF4-FFF2-40B4-BE49-F238E27FC236}">
+                <a16:creationId xmlns:a16="http://schemas.microsoft.com/office/drawing/2014/main" id="{AC17F7C6-3787-4748-ABAB-8D18D01B8B1E}"/>
+              </a:ext>
+            </a:extLst>
+          </p:cNvPr>
+          <p:cNvCxnSpPr>
+            <a:cxnSpLocks/>
+            <a:stCxn id="25" idx="0"/>
+          </p:cNvCxnSpPr>
+          <p:nvPr/>
+        </p:nvCxnSpPr>
+        <p:spPr>
+          <a:xfrm flipH="1" flipV="1">
+            <a:off x="5068347" y="1418456"/>
+            <a:ext cx="2132036" cy="572030"/>
+          </a:xfrm>
+          <a:prstGeom prst="straightConnector1">
+            <a:avLst/>
+          </a:prstGeom>
+          <a:ln>
+            <a:prstDash val="dash"/>
+            <a:tailEnd type="triangle"/>
+          </a:ln>
+        </p:spPr>
+        <p:style>
+          <a:lnRef idx="1">
+            <a:schemeClr val="accent1"/>
+          </a:lnRef>
+          <a:fillRef idx="0">
+            <a:schemeClr val="accent1"/>
+          </a:fillRef>
+          <a:effectRef idx="0">
+            <a:schemeClr val="accent1"/>
+          </a:effectRef>
+          <a:fontRef idx="minor">
+            <a:schemeClr val="tx1"/>
+          </a:fontRef>
+        </p:style>
+      </p:cxnSp>
+      <p:cxnSp>
+        <p:nvCxnSpPr>
+          <p:cNvPr id="35" name="直接箭头连接符 34">
+            <a:extLst>
+              <a:ext uri="{FF2B5EF4-FFF2-40B4-BE49-F238E27FC236}">
+                <a16:creationId xmlns:a16="http://schemas.microsoft.com/office/drawing/2014/main" id="{7FCAE40F-1C3C-451F-969C-9525881728CB}"/>
+              </a:ext>
+            </a:extLst>
+          </p:cNvPr>
+          <p:cNvCxnSpPr>
+            <a:cxnSpLocks/>
+            <a:stCxn id="26" idx="0"/>
+          </p:cNvCxnSpPr>
+          <p:nvPr/>
+        </p:nvCxnSpPr>
+        <p:spPr>
+          <a:xfrm flipH="1" flipV="1">
+            <a:off x="5044361" y="1410364"/>
+            <a:ext cx="3612778" cy="580122"/>
+          </a:xfrm>
+          <a:prstGeom prst="straightConnector1">
+            <a:avLst/>
+          </a:prstGeom>
+          <a:ln>
+            <a:prstDash val="dash"/>
+            <a:tailEnd type="triangle"/>
+          </a:ln>
+        </p:spPr>
+        <p:style>
+          <a:lnRef idx="1">
+            <a:schemeClr val="accent1"/>
+          </a:lnRef>
+          <a:fillRef idx="0">
+            <a:schemeClr val="accent1"/>
+          </a:fillRef>
+          <a:effectRef idx="0">
+            <a:schemeClr val="accent1"/>
+          </a:effectRef>
+          <a:fontRef idx="minor">
+            <a:schemeClr val="tx1"/>
+          </a:fontRef>
+        </p:style>
+      </p:cxnSp>
+    </p:spTree>
+    <p:extLst>
+      <p:ext uri="{BB962C8B-B14F-4D97-AF65-F5344CB8AC3E}">
+        <p14:creationId xmlns:p14="http://schemas.microsoft.com/office/powerpoint/2010/main" val="2768414455"/>
+      </p:ext>
+    </p:extLst>
+  </p:cSld>
+  <p:clrMapOvr>
+    <a:masterClrMapping/>
+  </p:clrMapOvr>
+</p:sld>
+</file>
+
+<file path=ppt/slides/slide12.xml><?xml version="1.0" encoding="utf-8"?>
+<p:sld xmlns:a="http://schemas.openxmlformats.org/drawingml/2006/main" xmlns:r="http://schemas.openxmlformats.org/officeDocument/2006/relationships" xmlns:p="http://schemas.openxmlformats.org/presentationml/2006/main">
+  <p:cSld>
+    <p:spTree>
+      <p:nvGrpSpPr>
+        <p:cNvPr id="1" name=""/>
+        <p:cNvGrpSpPr/>
+        <p:nvPr/>
+      </p:nvGrpSpPr>
+      <p:grpSpPr>
+        <a:xfrm>
+          <a:off x="0" y="0"/>
+          <a:ext cx="0" cy="0"/>
+          <a:chOff x="0" y="0"/>
+          <a:chExt cx="0" cy="0"/>
+        </a:xfrm>
+      </p:grpSpPr>
+      <p:pic>
+        <p:nvPicPr>
+          <p:cNvPr id="4" name="图片 3">
+            <a:extLst>
+              <a:ext uri="{FF2B5EF4-FFF2-40B4-BE49-F238E27FC236}">
+                <a16:creationId xmlns:a16="http://schemas.microsoft.com/office/drawing/2014/main" id="{36597EF6-75C2-466B-89A6-6F6A354B9FB7}"/>
+              </a:ext>
+            </a:extLst>
+          </p:cNvPr>
+          <p:cNvPicPr>
+            <a:picLocks noChangeAspect="1"/>
+          </p:cNvPicPr>
+          <p:nvPr/>
+        </p:nvPicPr>
+        <p:blipFill>
+          <a:blip r:embed="rId2"/>
+          <a:stretch>
+            <a:fillRect/>
+          </a:stretch>
+        </p:blipFill>
+        <p:spPr>
+          <a:xfrm>
+            <a:off x="542925" y="171450"/>
+            <a:ext cx="11106150" cy="6515100"/>
+          </a:xfrm>
+          <a:prstGeom prst="rect">
+            <a:avLst/>
+          </a:prstGeom>
+        </p:spPr>
+      </p:pic>
+      <p:sp>
+        <p:nvSpPr>
+          <p:cNvPr id="5" name="文本框 4">
+            <a:extLst>
+              <a:ext uri="{FF2B5EF4-FFF2-40B4-BE49-F238E27FC236}">
+                <a16:creationId xmlns:a16="http://schemas.microsoft.com/office/drawing/2014/main" id="{6C88EA03-7BBA-430A-8422-97BB619B3478}"/>
+              </a:ext>
+            </a:extLst>
+          </p:cNvPr>
+          <p:cNvSpPr txBox="1"/>
+          <p:nvPr/>
+        </p:nvSpPr>
+        <p:spPr>
+          <a:xfrm>
+            <a:off x="-82334" y="5529724"/>
+            <a:ext cx="2479148" cy="400110"/>
+          </a:xfrm>
+          <a:prstGeom prst="rect">
+            <a:avLst/>
+          </a:prstGeom>
+          <a:solidFill>
+            <a:schemeClr val="bg1"/>
+          </a:solidFill>
+          <a:ln>
+            <a:solidFill>
+              <a:schemeClr val="bg1"/>
+            </a:solidFill>
+          </a:ln>
+        </p:spPr>
+        <p:txBody>
+          <a:bodyPr wrap="square" rtlCol="0">
+            <a:spAutoFit/>
+          </a:bodyPr>
+          <a:lstStyle/>
+          <a:p>
+            <a:pPr algn="ctr"/>
+            <a:r>
+              <a:rPr lang="zh-CN" altLang="en-US" sz="2000" b="1" dirty="0"/>
+              <a:t>连接点</a:t>
+            </a:r>
+          </a:p>
+        </p:txBody>
+      </p:sp>
+      <p:sp>
+        <p:nvSpPr>
+          <p:cNvPr id="9" name="文本框 8">
+            <a:extLst>
+              <a:ext uri="{FF2B5EF4-FFF2-40B4-BE49-F238E27FC236}">
+                <a16:creationId xmlns:a16="http://schemas.microsoft.com/office/drawing/2014/main" id="{B6B96214-E250-4435-A383-7F92AD61A50F}"/>
+              </a:ext>
+            </a:extLst>
+          </p:cNvPr>
+          <p:cNvSpPr txBox="1"/>
+          <p:nvPr/>
+        </p:nvSpPr>
+        <p:spPr>
+          <a:xfrm>
+            <a:off x="8778025" y="4604232"/>
+            <a:ext cx="1107996" cy="369332"/>
+          </a:xfrm>
+          <a:prstGeom prst="rect">
+            <a:avLst/>
+          </a:prstGeom>
+          <a:noFill/>
+          <a:ln>
+            <a:solidFill>
+              <a:schemeClr val="bg1"/>
+            </a:solidFill>
+          </a:ln>
+        </p:spPr>
+        <p:txBody>
+          <a:bodyPr wrap="none" rtlCol="0">
+            <a:spAutoFit/>
+          </a:bodyPr>
+          <a:lstStyle/>
+          <a:p>
+            <a:r>
+              <a:rPr lang="zh-CN" altLang="en-US" dirty="0"/>
+              <a:t>扫描磁铁</a:t>
+            </a:r>
+          </a:p>
+        </p:txBody>
+      </p:sp>
+      <p:sp>
+        <p:nvSpPr>
+          <p:cNvPr id="11" name="文本框 10">
+            <a:extLst>
+              <a:ext uri="{FF2B5EF4-FFF2-40B4-BE49-F238E27FC236}">
+                <a16:creationId xmlns:a16="http://schemas.microsoft.com/office/drawing/2014/main" id="{7FB8C3B3-E90B-4650-8BBF-7C8FA7636351}"/>
+              </a:ext>
+            </a:extLst>
+          </p:cNvPr>
+          <p:cNvSpPr txBox="1"/>
+          <p:nvPr/>
+        </p:nvSpPr>
+        <p:spPr>
+          <a:xfrm>
+            <a:off x="9760961" y="5569046"/>
+            <a:ext cx="1107996" cy="369332"/>
+          </a:xfrm>
+          <a:prstGeom prst="rect">
+            <a:avLst/>
+          </a:prstGeom>
+          <a:solidFill>
+            <a:schemeClr val="bg1"/>
+          </a:solidFill>
+          <a:ln>
+            <a:noFill/>
+          </a:ln>
+        </p:spPr>
+        <p:txBody>
+          <a:bodyPr wrap="none" rtlCol="0">
+            <a:spAutoFit/>
+          </a:bodyPr>
+          <a:lstStyle/>
+          <a:p>
+            <a:r>
+              <a:rPr lang="zh-CN" altLang="en-US" b="1" dirty="0"/>
+              <a:t>等中心点</a:t>
+            </a:r>
+          </a:p>
+        </p:txBody>
+      </p:sp>
+      <p:sp>
+        <p:nvSpPr>
+          <p:cNvPr id="13" name="文本框 12">
+            <a:extLst>
+              <a:ext uri="{FF2B5EF4-FFF2-40B4-BE49-F238E27FC236}">
+                <a16:creationId xmlns:a16="http://schemas.microsoft.com/office/drawing/2014/main" id="{45885BD5-BCCD-47FE-AA37-C591EF5B10BA}"/>
+              </a:ext>
+            </a:extLst>
+          </p:cNvPr>
+          <p:cNvSpPr txBox="1"/>
+          <p:nvPr/>
+        </p:nvSpPr>
+        <p:spPr>
+          <a:xfrm rot="5400000">
+            <a:off x="10070260" y="3785353"/>
+            <a:ext cx="1854399" cy="369332"/>
+          </a:xfrm>
+          <a:prstGeom prst="rect">
+            <a:avLst/>
+          </a:prstGeom>
+          <a:solidFill>
+            <a:schemeClr val="bg1"/>
+          </a:solidFill>
+          <a:ln>
+            <a:noFill/>
+          </a:ln>
+        </p:spPr>
+        <p:txBody>
+          <a:bodyPr wrap="square" rtlCol="0">
+            <a:spAutoFit/>
+          </a:bodyPr>
+          <a:lstStyle/>
+          <a:p>
+            <a:pPr algn="ctr"/>
+            <a:r>
+              <a:rPr lang="zh-CN" altLang="en-US" b="1" dirty="0"/>
+              <a:t>紧凑喷嘴</a:t>
+            </a:r>
+          </a:p>
+        </p:txBody>
+      </p:sp>
+      <p:sp>
+        <p:nvSpPr>
+          <p:cNvPr id="14" name="文本框 13">
+            <a:extLst>
+              <a:ext uri="{FF2B5EF4-FFF2-40B4-BE49-F238E27FC236}">
+                <a16:creationId xmlns:a16="http://schemas.microsoft.com/office/drawing/2014/main" id="{8875A5C6-ABA7-4FE2-9144-173BEA5DE8FE}"/>
+              </a:ext>
+            </a:extLst>
+          </p:cNvPr>
+          <p:cNvSpPr txBox="1"/>
+          <p:nvPr/>
+        </p:nvSpPr>
+        <p:spPr>
+          <a:xfrm>
+            <a:off x="2713282" y="5786562"/>
+            <a:ext cx="4480100" cy="400110"/>
+          </a:xfrm>
+          <a:prstGeom prst="rect">
+            <a:avLst/>
+          </a:prstGeom>
+          <a:solidFill>
+            <a:schemeClr val="bg1"/>
+          </a:solidFill>
+          <a:ln>
+            <a:solidFill>
+              <a:schemeClr val="bg1"/>
+            </a:solidFill>
+          </a:ln>
+        </p:spPr>
+        <p:txBody>
+          <a:bodyPr wrap="square" rtlCol="0">
+            <a:spAutoFit/>
+          </a:bodyPr>
+          <a:lstStyle/>
+          <a:p>
+            <a:pPr algn="ctr"/>
+            <a:r>
+              <a:rPr lang="zh-CN" altLang="en-US" sz="2000" b="1" dirty="0"/>
+              <a:t>四极</a:t>
+            </a:r>
+            <a:r>
+              <a:rPr lang="en-US" altLang="zh-CN" sz="2000" b="1" dirty="0"/>
+              <a:t>-</a:t>
+            </a:r>
+            <a:r>
+              <a:rPr lang="zh-CN" altLang="en-US" sz="2000" b="1" dirty="0"/>
+              <a:t>六极磁铁</a:t>
+            </a:r>
+            <a:r>
+              <a:rPr lang="en-US" altLang="zh-CN" sz="2000" b="1" dirty="0"/>
+              <a:t>(QS</a:t>
+            </a:r>
+            <a:r>
+              <a:rPr lang="zh-CN" altLang="en-US" sz="2000" b="1" dirty="0"/>
+              <a:t>磁铁</a:t>
+            </a:r>
+            <a:r>
+              <a:rPr lang="en-US" altLang="zh-CN" sz="2000" b="1" dirty="0"/>
+              <a:t>)</a:t>
+            </a:r>
+          </a:p>
+        </p:txBody>
+      </p:sp>
+      <p:sp>
+        <p:nvSpPr>
+          <p:cNvPr id="15" name="文本框 14">
+            <a:extLst>
+              <a:ext uri="{FF2B5EF4-FFF2-40B4-BE49-F238E27FC236}">
+                <a16:creationId xmlns:a16="http://schemas.microsoft.com/office/drawing/2014/main" id="{848F9D32-3FE4-479A-B570-B2BBE24002C0}"/>
+              </a:ext>
+            </a:extLst>
+          </p:cNvPr>
+          <p:cNvSpPr txBox="1"/>
+          <p:nvPr/>
+        </p:nvSpPr>
+        <p:spPr>
+          <a:xfrm>
+            <a:off x="969769" y="3312835"/>
+            <a:ext cx="4480100" cy="400110"/>
+          </a:xfrm>
+          <a:prstGeom prst="rect">
+            <a:avLst/>
+          </a:prstGeom>
+          <a:solidFill>
+            <a:schemeClr val="bg1"/>
+          </a:solidFill>
+          <a:ln>
+            <a:solidFill>
+              <a:schemeClr val="bg1"/>
+            </a:solidFill>
+          </a:ln>
+        </p:spPr>
+        <p:txBody>
+          <a:bodyPr wrap="square" rtlCol="0">
+            <a:spAutoFit/>
+          </a:bodyPr>
+          <a:lstStyle/>
+          <a:p>
+            <a:pPr algn="ctr"/>
+            <a:r>
+              <a:rPr lang="en-US" altLang="zh-CN" sz="2000" b="1" dirty="0"/>
+              <a:t>22.5</a:t>
+            </a:r>
+            <a:r>
+              <a:rPr lang="zh-CN" altLang="en-US" sz="2000" b="1" dirty="0"/>
+              <a:t>度</a:t>
+            </a:r>
+            <a:r>
+              <a:rPr lang="en-US" altLang="zh-CN" sz="2000" b="1" dirty="0"/>
+              <a:t>AG-CCT</a:t>
+            </a:r>
+          </a:p>
+        </p:txBody>
+      </p:sp>
+      <p:sp>
+        <p:nvSpPr>
+          <p:cNvPr id="2" name="矩形 1">
+            <a:extLst>
+              <a:ext uri="{FF2B5EF4-FFF2-40B4-BE49-F238E27FC236}">
+                <a16:creationId xmlns:a16="http://schemas.microsoft.com/office/drawing/2014/main" id="{26BEE540-28BE-4B1C-B64B-250D3D59892E}"/>
+              </a:ext>
+            </a:extLst>
+          </p:cNvPr>
+          <p:cNvSpPr/>
+          <p:nvPr/>
+        </p:nvSpPr>
+        <p:spPr>
+          <a:xfrm>
+            <a:off x="5855516" y="4507754"/>
+            <a:ext cx="2416029" cy="778930"/>
+          </a:xfrm>
+          <a:prstGeom prst="rect">
+            <a:avLst/>
+          </a:prstGeom>
+          <a:solidFill>
+            <a:schemeClr val="bg1"/>
+          </a:solidFill>
+          <a:ln>
+            <a:solidFill>
+              <a:schemeClr val="bg1"/>
+            </a:solidFill>
+          </a:ln>
+        </p:spPr>
+        <p:style>
+          <a:lnRef idx="2">
+            <a:schemeClr val="accent1">
+              <a:shade val="50000"/>
+            </a:schemeClr>
+          </a:lnRef>
+          <a:fillRef idx="1">
+            <a:schemeClr val="accent1"/>
+          </a:fillRef>
+          <a:effectRef idx="0">
+            <a:schemeClr val="accent1"/>
+          </a:effectRef>
+          <a:fontRef idx="minor">
+            <a:schemeClr val="lt1"/>
+          </a:fontRef>
+        </p:style>
+        <p:txBody>
+          <a:bodyPr rtlCol="0" anchor="ctr"/>
+          <a:lstStyle/>
+          <a:p>
+            <a:pPr algn="ctr"/>
+            <a:endParaRPr lang="zh-CN" altLang="en-US"/>
+          </a:p>
+        </p:txBody>
+      </p:sp>
+      <p:sp>
+        <p:nvSpPr>
+          <p:cNvPr id="8" name="文本框 7">
+            <a:extLst>
+              <a:ext uri="{FF2B5EF4-FFF2-40B4-BE49-F238E27FC236}">
+                <a16:creationId xmlns:a16="http://schemas.microsoft.com/office/drawing/2014/main" id="{ECDCCC73-7246-498D-B366-642D7BBF3916}"/>
+              </a:ext>
+            </a:extLst>
+          </p:cNvPr>
+          <p:cNvSpPr txBox="1"/>
+          <p:nvPr/>
+        </p:nvSpPr>
+        <p:spPr>
+          <a:xfrm>
+            <a:off x="5793223" y="4507754"/>
+            <a:ext cx="2031325" cy="369332"/>
+          </a:xfrm>
+          <a:prstGeom prst="rect">
+            <a:avLst/>
+          </a:prstGeom>
+          <a:solidFill>
+            <a:schemeClr val="bg1"/>
+          </a:solidFill>
+          <a:ln>
+            <a:solidFill>
+              <a:schemeClr val="bg1"/>
+            </a:solidFill>
+          </a:ln>
+        </p:spPr>
+        <p:txBody>
+          <a:bodyPr wrap="none" rtlCol="0">
+            <a:spAutoFit/>
+          </a:bodyPr>
+          <a:lstStyle/>
+          <a:p>
+            <a:r>
+              <a:rPr lang="zh-CN" altLang="en-US" b="1" dirty="0"/>
+              <a:t>两对称段的连接点</a:t>
+            </a:r>
+          </a:p>
+        </p:txBody>
+      </p:sp>
+      <p:sp>
+        <p:nvSpPr>
+          <p:cNvPr id="16" name="文本框 15">
+            <a:extLst>
+              <a:ext uri="{FF2B5EF4-FFF2-40B4-BE49-F238E27FC236}">
+                <a16:creationId xmlns:a16="http://schemas.microsoft.com/office/drawing/2014/main" id="{21C112D4-5F92-43FE-9AD3-686C034BF5CF}"/>
+              </a:ext>
+            </a:extLst>
+          </p:cNvPr>
+          <p:cNvSpPr txBox="1"/>
+          <p:nvPr/>
+        </p:nvSpPr>
+        <p:spPr>
+          <a:xfrm>
+            <a:off x="6727972" y="2943503"/>
+            <a:ext cx="2757398" cy="369332"/>
+          </a:xfrm>
+          <a:prstGeom prst="rect">
+            <a:avLst/>
+          </a:prstGeom>
+          <a:solidFill>
+            <a:schemeClr val="bg1"/>
+          </a:solidFill>
+          <a:ln>
+            <a:solidFill>
+              <a:schemeClr val="bg1"/>
+            </a:solidFill>
+          </a:ln>
+        </p:spPr>
+        <p:txBody>
+          <a:bodyPr wrap="square" rtlCol="0">
+            <a:spAutoFit/>
+          </a:bodyPr>
+          <a:lstStyle/>
+          <a:p>
+            <a:pPr algn="ctr"/>
+            <a:r>
+              <a:rPr lang="en-US" altLang="zh-CN" b="1" dirty="0"/>
+              <a:t>67.5</a:t>
+            </a:r>
+            <a:r>
+              <a:rPr lang="zh-CN" altLang="en-US" b="1" dirty="0"/>
+              <a:t>度</a:t>
+            </a:r>
+            <a:r>
+              <a:rPr lang="en-US" altLang="zh-CN" b="1" dirty="0"/>
+              <a:t>AG-CCT</a:t>
+            </a:r>
+            <a:endParaRPr lang="zh-CN" altLang="en-US" b="1" dirty="0"/>
+          </a:p>
+        </p:txBody>
+      </p:sp>
+      <p:sp>
+        <p:nvSpPr>
+          <p:cNvPr id="17" name="文本框 16">
+            <a:extLst>
+              <a:ext uri="{FF2B5EF4-FFF2-40B4-BE49-F238E27FC236}">
+                <a16:creationId xmlns:a16="http://schemas.microsoft.com/office/drawing/2014/main" id="{E28BF022-7ECE-410D-94FE-FDB6970AD9D8}"/>
+              </a:ext>
+            </a:extLst>
+          </p:cNvPr>
+          <p:cNvSpPr txBox="1"/>
+          <p:nvPr/>
+        </p:nvSpPr>
+        <p:spPr>
+          <a:xfrm>
+            <a:off x="7521101" y="324483"/>
+            <a:ext cx="4479721" cy="369332"/>
+          </a:xfrm>
+          <a:prstGeom prst="rect">
+            <a:avLst/>
+          </a:prstGeom>
+          <a:solidFill>
+            <a:schemeClr val="bg1"/>
+          </a:solidFill>
+          <a:ln>
+            <a:solidFill>
+              <a:schemeClr val="bg1"/>
+            </a:solidFill>
+          </a:ln>
+        </p:spPr>
+        <p:txBody>
+          <a:bodyPr wrap="square" rtlCol="0">
+            <a:spAutoFit/>
+          </a:bodyPr>
+          <a:lstStyle/>
+          <a:p>
+            <a:pPr algn="ctr"/>
+            <a:r>
+              <a:rPr lang="zh-CN" altLang="en-US" b="1" dirty="0"/>
+              <a:t>四极</a:t>
+            </a:r>
+            <a:r>
+              <a:rPr lang="en-US" altLang="zh-CN" b="1" dirty="0"/>
+              <a:t>-</a:t>
+            </a:r>
+            <a:r>
+              <a:rPr lang="zh-CN" altLang="en-US" b="1" dirty="0"/>
+              <a:t>六极磁铁</a:t>
+            </a:r>
+            <a:r>
+              <a:rPr lang="en-US" altLang="zh-CN" b="1" dirty="0"/>
+              <a:t>(QS</a:t>
+            </a:r>
+            <a:r>
+              <a:rPr lang="zh-CN" altLang="en-US" b="1" dirty="0"/>
+              <a:t>磁铁</a:t>
+            </a:r>
+            <a:r>
+              <a:rPr lang="en-US" altLang="zh-CN" b="1" dirty="0"/>
+              <a:t>)</a:t>
+            </a:r>
+          </a:p>
+        </p:txBody>
+      </p:sp>
+      <p:sp>
+        <p:nvSpPr>
+          <p:cNvPr id="19" name="矩形 18">
+            <a:extLst>
+              <a:ext uri="{FF2B5EF4-FFF2-40B4-BE49-F238E27FC236}">
+                <a16:creationId xmlns:a16="http://schemas.microsoft.com/office/drawing/2014/main" id="{B865FFA9-F266-4037-AB0E-DF453C4A7B37}"/>
+              </a:ext>
+            </a:extLst>
+          </p:cNvPr>
+          <p:cNvSpPr/>
+          <p:nvPr/>
+        </p:nvSpPr>
+        <p:spPr>
+          <a:xfrm>
+            <a:off x="8679576" y="4003126"/>
+            <a:ext cx="1304893" cy="894093"/>
+          </a:xfrm>
+          <a:prstGeom prst="rect">
+            <a:avLst/>
+          </a:prstGeom>
+          <a:solidFill>
+            <a:schemeClr val="bg1"/>
+          </a:solidFill>
+          <a:ln>
+            <a:solidFill>
+              <a:schemeClr val="bg1"/>
+            </a:solidFill>
+          </a:ln>
+        </p:spPr>
+        <p:style>
+          <a:lnRef idx="2">
+            <a:schemeClr val="accent1">
+              <a:shade val="50000"/>
+            </a:schemeClr>
+          </a:lnRef>
+          <a:fillRef idx="1">
+            <a:schemeClr val="accent1"/>
+          </a:fillRef>
+          <a:effectRef idx="0">
+            <a:schemeClr val="accent1"/>
+          </a:effectRef>
+          <a:fontRef idx="minor">
+            <a:schemeClr val="lt1"/>
+          </a:fontRef>
+        </p:style>
+        <p:txBody>
+          <a:bodyPr rtlCol="0" anchor="ctr"/>
+          <a:lstStyle/>
+          <a:p>
+            <a:pPr algn="ctr"/>
+            <a:endParaRPr lang="zh-CN" altLang="en-US"/>
+          </a:p>
+        </p:txBody>
+      </p:sp>
+      <p:sp>
+        <p:nvSpPr>
+          <p:cNvPr id="18" name="文本框 17">
+            <a:extLst>
+              <a:ext uri="{FF2B5EF4-FFF2-40B4-BE49-F238E27FC236}">
+                <a16:creationId xmlns:a16="http://schemas.microsoft.com/office/drawing/2014/main" id="{5A837A05-125C-478A-A8E7-3194F489F6A1}"/>
+              </a:ext>
+            </a:extLst>
+          </p:cNvPr>
+          <p:cNvSpPr txBox="1"/>
+          <p:nvPr/>
+        </p:nvSpPr>
+        <p:spPr>
+          <a:xfrm>
+            <a:off x="8712534" y="4014336"/>
+            <a:ext cx="1107996" cy="369332"/>
+          </a:xfrm>
+          <a:prstGeom prst="rect">
+            <a:avLst/>
+          </a:prstGeom>
+          <a:solidFill>
+            <a:schemeClr val="bg1"/>
+          </a:solidFill>
+          <a:ln>
+            <a:solidFill>
+              <a:schemeClr val="bg1"/>
+            </a:solidFill>
+          </a:ln>
+        </p:spPr>
+        <p:txBody>
+          <a:bodyPr wrap="none" rtlCol="0">
+            <a:spAutoFit/>
+          </a:bodyPr>
+          <a:lstStyle/>
+          <a:p>
+            <a:r>
+              <a:rPr lang="zh-CN" altLang="en-US" b="1" dirty="0"/>
+              <a:t>扫描磁铁</a:t>
+            </a:r>
+          </a:p>
+        </p:txBody>
+      </p:sp>
+      <p:cxnSp>
+        <p:nvCxnSpPr>
+          <p:cNvPr id="6" name="直接连接符 5">
+            <a:extLst>
+              <a:ext uri="{FF2B5EF4-FFF2-40B4-BE49-F238E27FC236}">
+                <a16:creationId xmlns:a16="http://schemas.microsoft.com/office/drawing/2014/main" id="{D5BFB2E8-8E6E-47C4-923B-9C3D659FD33C}"/>
+              </a:ext>
+            </a:extLst>
+          </p:cNvPr>
+          <p:cNvCxnSpPr/>
+          <p:nvPr/>
+        </p:nvCxnSpPr>
+        <p:spPr>
+          <a:xfrm>
+            <a:off x="2893469" y="5313751"/>
+            <a:ext cx="47958" cy="215973"/>
+          </a:xfrm>
+          <a:prstGeom prst="line">
+            <a:avLst/>
+          </a:prstGeom>
+          <a:ln w="38100">
+            <a:solidFill>
+              <a:srgbClr val="D66441"/>
+            </a:solidFill>
+          </a:ln>
+        </p:spPr>
+        <p:style>
+          <a:lnRef idx="1">
+            <a:schemeClr val="accent1"/>
+          </a:lnRef>
+          <a:fillRef idx="0">
+            <a:schemeClr val="accent1"/>
+          </a:fillRef>
+          <a:effectRef idx="0">
+            <a:schemeClr val="accent1"/>
+          </a:effectRef>
+          <a:fontRef idx="minor">
+            <a:schemeClr val="tx1"/>
+          </a:fontRef>
+        </p:style>
+      </p:cxnSp>
+      <p:cxnSp>
+        <p:nvCxnSpPr>
+          <p:cNvPr id="20" name="直接连接符 19">
+            <a:extLst>
+              <a:ext uri="{FF2B5EF4-FFF2-40B4-BE49-F238E27FC236}">
+                <a16:creationId xmlns:a16="http://schemas.microsoft.com/office/drawing/2014/main" id="{2BB25806-C36E-49D4-BE08-7E4F6F7355D0}"/>
+              </a:ext>
+            </a:extLst>
+          </p:cNvPr>
+          <p:cNvCxnSpPr>
+            <a:cxnSpLocks/>
+          </p:cNvCxnSpPr>
+          <p:nvPr/>
+        </p:nvCxnSpPr>
+        <p:spPr>
+          <a:xfrm>
+            <a:off x="4539314" y="4641767"/>
+            <a:ext cx="125405" cy="195601"/>
+          </a:xfrm>
+          <a:prstGeom prst="line">
+            <a:avLst/>
+          </a:prstGeom>
+          <a:ln w="38100">
+            <a:solidFill>
+              <a:srgbClr val="D66441"/>
+            </a:solidFill>
+          </a:ln>
+        </p:spPr>
+        <p:style>
+          <a:lnRef idx="1">
+            <a:schemeClr val="accent1"/>
+          </a:lnRef>
+          <a:fillRef idx="0">
+            <a:schemeClr val="accent1"/>
+          </a:fillRef>
+          <a:effectRef idx="0">
+            <a:schemeClr val="accent1"/>
+          </a:effectRef>
+          <a:fontRef idx="minor">
+            <a:schemeClr val="tx1"/>
+          </a:fontRef>
+        </p:style>
+      </p:cxnSp>
+      <p:cxnSp>
+        <p:nvCxnSpPr>
+          <p:cNvPr id="21" name="直接连接符 20">
+            <a:extLst>
+              <a:ext uri="{FF2B5EF4-FFF2-40B4-BE49-F238E27FC236}">
+                <a16:creationId xmlns:a16="http://schemas.microsoft.com/office/drawing/2014/main" id="{63D9E6BE-F989-4C4C-9260-820F82FD8FE8}"/>
+              </a:ext>
+            </a:extLst>
+          </p:cNvPr>
+          <p:cNvCxnSpPr>
+            <a:cxnSpLocks/>
+          </p:cNvCxnSpPr>
+          <p:nvPr/>
+        </p:nvCxnSpPr>
+        <p:spPr>
+          <a:xfrm>
+            <a:off x="7824548" y="1198146"/>
+            <a:ext cx="446997" cy="835881"/>
+          </a:xfrm>
+          <a:prstGeom prst="line">
+            <a:avLst/>
+          </a:prstGeom>
+          <a:ln w="38100">
+            <a:solidFill>
+              <a:srgbClr val="D66441"/>
+            </a:solidFill>
+          </a:ln>
+        </p:spPr>
+        <p:style>
+          <a:lnRef idx="1">
+            <a:schemeClr val="accent1"/>
+          </a:lnRef>
+          <a:fillRef idx="0">
+            <a:schemeClr val="accent1"/>
+          </a:fillRef>
+          <a:effectRef idx="0">
+            <a:schemeClr val="accent1"/>
+          </a:effectRef>
+          <a:fontRef idx="minor">
+            <a:schemeClr val="tx1"/>
+          </a:fontRef>
+        </p:style>
+      </p:cxnSp>
+      <p:cxnSp>
+        <p:nvCxnSpPr>
+          <p:cNvPr id="22" name="直接连接符 21">
+            <a:extLst>
+              <a:ext uri="{FF2B5EF4-FFF2-40B4-BE49-F238E27FC236}">
+                <a16:creationId xmlns:a16="http://schemas.microsoft.com/office/drawing/2014/main" id="{91D05FEC-A273-4D15-9393-9862F61CA3CB}"/>
+              </a:ext>
+            </a:extLst>
+          </p:cNvPr>
+          <p:cNvCxnSpPr>
+            <a:cxnSpLocks/>
+          </p:cNvCxnSpPr>
+          <p:nvPr/>
+        </p:nvCxnSpPr>
+        <p:spPr>
+          <a:xfrm>
+            <a:off x="8449807" y="1032435"/>
+            <a:ext cx="108566" cy="930297"/>
+          </a:xfrm>
+          <a:prstGeom prst="line">
+            <a:avLst/>
+          </a:prstGeom>
+          <a:ln w="38100">
+            <a:solidFill>
+              <a:srgbClr val="D66441"/>
+            </a:solidFill>
+          </a:ln>
+        </p:spPr>
+        <p:style>
+          <a:lnRef idx="1">
+            <a:schemeClr val="accent1"/>
+          </a:lnRef>
+          <a:fillRef idx="0">
+            <a:schemeClr val="accent1"/>
+          </a:fillRef>
+          <a:effectRef idx="0">
+            <a:schemeClr val="accent1"/>
+          </a:effectRef>
+          <a:fontRef idx="minor">
+            <a:schemeClr val="tx1"/>
+          </a:fontRef>
+        </p:style>
+      </p:cxnSp>
+      <p:cxnSp>
+        <p:nvCxnSpPr>
+          <p:cNvPr id="23" name="直接连接符 22">
+            <a:extLst>
+              <a:ext uri="{FF2B5EF4-FFF2-40B4-BE49-F238E27FC236}">
+                <a16:creationId xmlns:a16="http://schemas.microsoft.com/office/drawing/2014/main" id="{D47F353A-F8A8-4F1C-B52F-06DDA69BFE59}"/>
+              </a:ext>
+            </a:extLst>
+          </p:cNvPr>
+          <p:cNvCxnSpPr>
+            <a:cxnSpLocks/>
+          </p:cNvCxnSpPr>
+          <p:nvPr/>
+        </p:nvCxnSpPr>
+        <p:spPr>
+          <a:xfrm flipH="1">
+            <a:off x="9678139" y="1725022"/>
+            <a:ext cx="647164" cy="670734"/>
+          </a:xfrm>
+          <a:prstGeom prst="line">
+            <a:avLst/>
+          </a:prstGeom>
+          <a:ln w="38100">
+            <a:solidFill>
+              <a:srgbClr val="D66441"/>
+            </a:solidFill>
+          </a:ln>
+        </p:spPr>
+        <p:style>
+          <a:lnRef idx="1">
+            <a:schemeClr val="accent1"/>
+          </a:lnRef>
+          <a:fillRef idx="0">
+            <a:schemeClr val="accent1"/>
+          </a:fillRef>
+          <a:effectRef idx="0">
+            <a:schemeClr val="accent1"/>
+          </a:effectRef>
+          <a:fontRef idx="minor">
+            <a:schemeClr val="tx1"/>
+          </a:fontRef>
+        </p:style>
+      </p:cxnSp>
+      <p:cxnSp>
+        <p:nvCxnSpPr>
+          <p:cNvPr id="26" name="直接连接符 25">
+            <a:extLst>
+              <a:ext uri="{FF2B5EF4-FFF2-40B4-BE49-F238E27FC236}">
+                <a16:creationId xmlns:a16="http://schemas.microsoft.com/office/drawing/2014/main" id="{BD146E5E-AE4B-4E95-8C77-4444E3BB54F2}"/>
+              </a:ext>
+            </a:extLst>
+          </p:cNvPr>
+          <p:cNvCxnSpPr>
+            <a:cxnSpLocks/>
+          </p:cNvCxnSpPr>
+          <p:nvPr/>
+        </p:nvCxnSpPr>
+        <p:spPr>
+          <a:xfrm flipH="1">
+            <a:off x="9820530" y="2395756"/>
+            <a:ext cx="924897" cy="241460"/>
+          </a:xfrm>
+          <a:prstGeom prst="line">
+            <a:avLst/>
+          </a:prstGeom>
+          <a:ln w="38100">
+            <a:solidFill>
+              <a:srgbClr val="D66441"/>
+            </a:solidFill>
+          </a:ln>
+        </p:spPr>
+        <p:style>
+          <a:lnRef idx="1">
+            <a:schemeClr val="accent1"/>
+          </a:lnRef>
+          <a:fillRef idx="0">
+            <a:schemeClr val="accent1"/>
+          </a:fillRef>
+          <a:effectRef idx="0">
+            <a:schemeClr val="accent1"/>
+          </a:effectRef>
+          <a:fontRef idx="minor">
+            <a:schemeClr val="tx1"/>
+          </a:fontRef>
+        </p:style>
+      </p:cxnSp>
+      <p:sp>
+        <p:nvSpPr>
+          <p:cNvPr id="36" name="文本框 35">
+            <a:extLst>
+              <a:ext uri="{FF2B5EF4-FFF2-40B4-BE49-F238E27FC236}">
+                <a16:creationId xmlns:a16="http://schemas.microsoft.com/office/drawing/2014/main" id="{1B76D86E-AA75-4A21-BCCF-11E7A4A0386E}"/>
+              </a:ext>
+            </a:extLst>
+          </p:cNvPr>
+          <p:cNvSpPr txBox="1"/>
+          <p:nvPr/>
+        </p:nvSpPr>
+        <p:spPr>
+          <a:xfrm>
+            <a:off x="1646455" y="5051671"/>
+            <a:ext cx="590226" cy="369332"/>
+          </a:xfrm>
+          <a:prstGeom prst="rect">
+            <a:avLst/>
+          </a:prstGeom>
+          <a:noFill/>
+        </p:spPr>
+        <p:txBody>
+          <a:bodyPr wrap="none" rtlCol="0">
+            <a:spAutoFit/>
+          </a:bodyPr>
+          <a:lstStyle/>
+          <a:p>
+            <a:r>
+              <a:rPr lang="en-US" altLang="zh-CN" b="1" dirty="0">
+                <a:solidFill>
+                  <a:srgbClr val="FF0000"/>
+                </a:solidFill>
+              </a:rPr>
+              <a:t>DL1</a:t>
+            </a:r>
+            <a:endParaRPr lang="zh-CN" altLang="en-US" b="1" dirty="0">
+              <a:solidFill>
+                <a:srgbClr val="FF0000"/>
+              </a:solidFill>
+            </a:endParaRPr>
+          </a:p>
+        </p:txBody>
+      </p:sp>
+      <p:sp>
+        <p:nvSpPr>
+          <p:cNvPr id="37" name="文本框 36">
+            <a:extLst>
+              <a:ext uri="{FF2B5EF4-FFF2-40B4-BE49-F238E27FC236}">
+                <a16:creationId xmlns:a16="http://schemas.microsoft.com/office/drawing/2014/main" id="{E049EE9B-15AE-4F11-B578-90FA88197320}"/>
+              </a:ext>
+            </a:extLst>
+          </p:cNvPr>
+          <p:cNvSpPr txBox="1"/>
+          <p:nvPr/>
+        </p:nvSpPr>
+        <p:spPr>
+          <a:xfrm rot="18864181">
+            <a:off x="4942810" y="3645457"/>
+            <a:ext cx="590226" cy="369332"/>
+          </a:xfrm>
+          <a:prstGeom prst="rect">
+            <a:avLst/>
+          </a:prstGeom>
+          <a:noFill/>
+        </p:spPr>
+        <p:txBody>
+          <a:bodyPr wrap="none" rtlCol="0">
+            <a:spAutoFit/>
+          </a:bodyPr>
+          <a:lstStyle/>
+          <a:p>
+            <a:r>
+              <a:rPr lang="en-US" altLang="zh-CN" b="1" dirty="0">
+                <a:solidFill>
+                  <a:srgbClr val="FF0000"/>
+                </a:solidFill>
+              </a:rPr>
+              <a:t>DL1</a:t>
+            </a:r>
+            <a:endParaRPr lang="zh-CN" altLang="en-US" b="1" dirty="0">
+              <a:solidFill>
+                <a:srgbClr val="FF0000"/>
+              </a:solidFill>
+            </a:endParaRPr>
+          </a:p>
+        </p:txBody>
+      </p:sp>
+      <p:sp>
+        <p:nvSpPr>
+          <p:cNvPr id="38" name="文本框 37">
+            <a:extLst>
+              <a:ext uri="{FF2B5EF4-FFF2-40B4-BE49-F238E27FC236}">
+                <a16:creationId xmlns:a16="http://schemas.microsoft.com/office/drawing/2014/main" id="{089FCA5B-B2CE-4D12-8EE0-A9B192C41C2B}"/>
+              </a:ext>
+            </a:extLst>
+          </p:cNvPr>
+          <p:cNvSpPr txBox="1"/>
+          <p:nvPr/>
+        </p:nvSpPr>
+        <p:spPr>
+          <a:xfrm>
+            <a:off x="3464471" y="6382491"/>
+            <a:ext cx="987771" cy="369332"/>
+          </a:xfrm>
+          <a:prstGeom prst="rect">
+            <a:avLst/>
+          </a:prstGeom>
+          <a:noFill/>
+        </p:spPr>
+        <p:txBody>
+          <a:bodyPr wrap="none" rtlCol="0">
+            <a:spAutoFit/>
+          </a:bodyPr>
+          <a:lstStyle/>
+          <a:p>
+            <a:r>
+              <a:rPr lang="en-US" altLang="zh-CN" b="1" dirty="0">
+                <a:solidFill>
+                  <a:srgbClr val="FF0000"/>
+                </a:solidFill>
+              </a:rPr>
+              <a:t>GPA1/2</a:t>
+            </a:r>
+            <a:endParaRPr lang="zh-CN" altLang="en-US" b="1" dirty="0">
+              <a:solidFill>
+                <a:srgbClr val="FF0000"/>
+              </a:solidFill>
+            </a:endParaRPr>
+          </a:p>
+        </p:txBody>
+      </p:sp>
+      <p:sp>
+        <p:nvSpPr>
+          <p:cNvPr id="39" name="文本框 38">
+            <a:extLst>
+              <a:ext uri="{FF2B5EF4-FFF2-40B4-BE49-F238E27FC236}">
+                <a16:creationId xmlns:a16="http://schemas.microsoft.com/office/drawing/2014/main" id="{CCE83BCC-36F9-4015-9069-642498C3F2B6}"/>
+              </a:ext>
+            </a:extLst>
+          </p:cNvPr>
+          <p:cNvSpPr txBox="1"/>
+          <p:nvPr/>
+        </p:nvSpPr>
+        <p:spPr>
+          <a:xfrm>
+            <a:off x="3328827" y="4692420"/>
+            <a:ext cx="599844" cy="369332"/>
+          </a:xfrm>
+          <a:prstGeom prst="rect">
+            <a:avLst/>
+          </a:prstGeom>
+          <a:noFill/>
+        </p:spPr>
+        <p:txBody>
+          <a:bodyPr wrap="none" rtlCol="0">
+            <a:spAutoFit/>
+          </a:bodyPr>
+          <a:lstStyle/>
+          <a:p>
+            <a:r>
+              <a:rPr lang="en-US" altLang="zh-CN" dirty="0"/>
+              <a:t>QS1</a:t>
+            </a:r>
+            <a:endParaRPr lang="zh-CN" altLang="en-US" dirty="0"/>
+          </a:p>
+        </p:txBody>
+      </p:sp>
+    </p:spTree>
+    <p:extLst>
+      <p:ext uri="{BB962C8B-B14F-4D97-AF65-F5344CB8AC3E}">
+        <p14:creationId xmlns:p14="http://schemas.microsoft.com/office/powerpoint/2010/main" val="345993518"/>
+      </p:ext>
+    </p:extLst>
+  </p:cSld>
+  <p:clrMapOvr>
+    <a:masterClrMapping/>
+  </p:clrMapOvr>
+</p:sld>
+</file>
+
+<file path=ppt/slides/slide13.xml><?xml version="1.0" encoding="utf-8"?>
+<p:sld xmlns:a="http://schemas.openxmlformats.org/drawingml/2006/main" xmlns:r="http://schemas.openxmlformats.org/officeDocument/2006/relationships" xmlns:p="http://schemas.openxmlformats.org/presentationml/2006/main">
+  <p:cSld>
+    <p:spTree>
+      <p:nvGrpSpPr>
+        <p:cNvPr id="1" name=""/>
+        <p:cNvGrpSpPr/>
+        <p:nvPr/>
+      </p:nvGrpSpPr>
+      <p:grpSpPr>
+        <a:xfrm>
+          <a:off x="0" y="0"/>
+          <a:ext cx="0" cy="0"/>
+          <a:chOff x="0" y="0"/>
+          <a:chExt cx="0" cy="0"/>
+        </a:xfrm>
+      </p:grpSpPr>
+      <p:pic>
+        <p:nvPicPr>
+          <p:cNvPr id="4" name="图片 3">
+            <a:extLst>
+              <a:ext uri="{FF2B5EF4-FFF2-40B4-BE49-F238E27FC236}">
+                <a16:creationId xmlns:a16="http://schemas.microsoft.com/office/drawing/2014/main" id="{36597EF6-75C2-466B-89A6-6F6A354B9FB7}"/>
+              </a:ext>
+            </a:extLst>
+          </p:cNvPr>
+          <p:cNvPicPr>
+            <a:picLocks noChangeAspect="1"/>
+          </p:cNvPicPr>
+          <p:nvPr/>
+        </p:nvPicPr>
+        <p:blipFill rotWithShape="1">
+          <a:blip r:embed="rId2"/>
+          <a:srcRect t="46728" r="50737"/>
+          <a:stretch/>
+        </p:blipFill>
+        <p:spPr>
+          <a:xfrm>
+            <a:off x="482884" y="0"/>
+            <a:ext cx="10810901" cy="6858000"/>
+          </a:xfrm>
+          <a:prstGeom prst="rect">
+            <a:avLst/>
+          </a:prstGeom>
+        </p:spPr>
+      </p:pic>
+      <p:sp>
+        <p:nvSpPr>
+          <p:cNvPr id="3" name="文本框 2">
+            <a:extLst>
+              <a:ext uri="{FF2B5EF4-FFF2-40B4-BE49-F238E27FC236}">
+                <a16:creationId xmlns:a16="http://schemas.microsoft.com/office/drawing/2014/main" id="{5A311B3D-C333-4C63-922F-DB5E86F4F1E0}"/>
+              </a:ext>
+            </a:extLst>
+          </p:cNvPr>
+          <p:cNvSpPr txBox="1"/>
+          <p:nvPr/>
+        </p:nvSpPr>
+        <p:spPr>
+          <a:xfrm>
+            <a:off x="2897312" y="4027469"/>
+            <a:ext cx="590226" cy="369332"/>
+          </a:xfrm>
+          <a:prstGeom prst="rect">
+            <a:avLst/>
+          </a:prstGeom>
+          <a:noFill/>
+        </p:spPr>
+        <p:txBody>
+          <a:bodyPr wrap="none" rtlCol="0">
+            <a:spAutoFit/>
+          </a:bodyPr>
+          <a:lstStyle/>
+          <a:p>
+            <a:r>
+              <a:rPr lang="en-US" altLang="zh-CN" b="1" dirty="0">
+                <a:solidFill>
+                  <a:srgbClr val="FF0000"/>
+                </a:solidFill>
+              </a:rPr>
+              <a:t>DL1</a:t>
+            </a:r>
+            <a:endParaRPr lang="zh-CN" altLang="en-US" b="1" dirty="0">
+              <a:solidFill>
+                <a:srgbClr val="FF0000"/>
+              </a:solidFill>
+            </a:endParaRPr>
+          </a:p>
+        </p:txBody>
+      </p:sp>
+      <p:sp>
+        <p:nvSpPr>
+          <p:cNvPr id="27" name="文本框 26">
+            <a:extLst>
+              <a:ext uri="{FF2B5EF4-FFF2-40B4-BE49-F238E27FC236}">
+                <a16:creationId xmlns:a16="http://schemas.microsoft.com/office/drawing/2014/main" id="{70F51A46-1004-47CD-A92D-F4F0C6F00FA5}"/>
+              </a:ext>
+            </a:extLst>
+          </p:cNvPr>
+          <p:cNvSpPr txBox="1"/>
+          <p:nvPr/>
+        </p:nvSpPr>
+        <p:spPr>
+          <a:xfrm rot="18900000">
+            <a:off x="9522432" y="1333927"/>
+            <a:ext cx="590226" cy="369332"/>
+          </a:xfrm>
+          <a:prstGeom prst="rect">
+            <a:avLst/>
+          </a:prstGeom>
+          <a:noFill/>
+        </p:spPr>
+        <p:txBody>
+          <a:bodyPr wrap="none" rtlCol="0">
+            <a:spAutoFit/>
+          </a:bodyPr>
+          <a:lstStyle/>
+          <a:p>
+            <a:r>
+              <a:rPr lang="en-US" altLang="zh-CN" b="1" dirty="0">
+                <a:solidFill>
+                  <a:srgbClr val="FF0000"/>
+                </a:solidFill>
+              </a:rPr>
+              <a:t>DL1</a:t>
+            </a:r>
+            <a:endParaRPr lang="zh-CN" altLang="en-US" b="1" dirty="0">
+              <a:solidFill>
+                <a:srgbClr val="FF0000"/>
+              </a:solidFill>
+            </a:endParaRPr>
+          </a:p>
+        </p:txBody>
+      </p:sp>
+      <p:sp>
+        <p:nvSpPr>
+          <p:cNvPr id="28" name="文本框 27">
+            <a:extLst>
+              <a:ext uri="{FF2B5EF4-FFF2-40B4-BE49-F238E27FC236}">
+                <a16:creationId xmlns:a16="http://schemas.microsoft.com/office/drawing/2014/main" id="{B93D507D-0FE2-4048-B8CC-83E0CC0CB177}"/>
+              </a:ext>
+            </a:extLst>
+          </p:cNvPr>
+          <p:cNvSpPr txBox="1"/>
+          <p:nvPr/>
+        </p:nvSpPr>
+        <p:spPr>
+          <a:xfrm rot="3940262">
+            <a:off x="5254287" y="3667208"/>
+            <a:ext cx="763351" cy="369332"/>
+          </a:xfrm>
+          <a:prstGeom prst="rect">
+            <a:avLst/>
+          </a:prstGeom>
+          <a:noFill/>
+        </p:spPr>
+        <p:txBody>
+          <a:bodyPr wrap="none" rtlCol="0">
+            <a:spAutoFit/>
+          </a:bodyPr>
+          <a:lstStyle/>
+          <a:p>
+            <a:r>
+              <a:rPr lang="en-US" altLang="zh-CN" b="1" dirty="0">
+                <a:solidFill>
+                  <a:srgbClr val="FF0000"/>
+                </a:solidFill>
+              </a:rPr>
+              <a:t>GAP1</a:t>
+            </a:r>
+            <a:endParaRPr lang="zh-CN" altLang="en-US" b="1" dirty="0">
+              <a:solidFill>
+                <a:srgbClr val="FF0000"/>
+              </a:solidFill>
+            </a:endParaRPr>
+          </a:p>
+        </p:txBody>
+      </p:sp>
+      <p:sp>
+        <p:nvSpPr>
+          <p:cNvPr id="29" name="文本框 28">
+            <a:extLst>
+              <a:ext uri="{FF2B5EF4-FFF2-40B4-BE49-F238E27FC236}">
+                <a16:creationId xmlns:a16="http://schemas.microsoft.com/office/drawing/2014/main" id="{5FB8432B-46DB-4760-9623-A8135B5DE10E}"/>
+              </a:ext>
+            </a:extLst>
+          </p:cNvPr>
+          <p:cNvSpPr txBox="1"/>
+          <p:nvPr/>
+        </p:nvSpPr>
+        <p:spPr>
+          <a:xfrm rot="3940262">
+            <a:off x="7461519" y="2850313"/>
+            <a:ext cx="763351" cy="369332"/>
+          </a:xfrm>
+          <a:prstGeom prst="rect">
+            <a:avLst/>
+          </a:prstGeom>
+          <a:noFill/>
+        </p:spPr>
+        <p:txBody>
+          <a:bodyPr wrap="none" rtlCol="0">
+            <a:spAutoFit/>
+          </a:bodyPr>
+          <a:lstStyle/>
+          <a:p>
+            <a:r>
+              <a:rPr lang="en-US" altLang="zh-CN" b="1" dirty="0">
+                <a:solidFill>
+                  <a:srgbClr val="FF0000"/>
+                </a:solidFill>
+              </a:rPr>
+              <a:t>GAP1</a:t>
+            </a:r>
+            <a:endParaRPr lang="zh-CN" altLang="en-US" b="1" dirty="0">
+              <a:solidFill>
+                <a:srgbClr val="FF0000"/>
+              </a:solidFill>
+            </a:endParaRPr>
+          </a:p>
+        </p:txBody>
+      </p:sp>
+      <p:sp>
+        <p:nvSpPr>
+          <p:cNvPr id="30" name="文本框 29">
+            <a:extLst>
+              <a:ext uri="{FF2B5EF4-FFF2-40B4-BE49-F238E27FC236}">
+                <a16:creationId xmlns:a16="http://schemas.microsoft.com/office/drawing/2014/main" id="{FDCF491C-D46F-4F85-846D-819C4B17AC11}"/>
+              </a:ext>
+            </a:extLst>
+          </p:cNvPr>
+          <p:cNvSpPr txBox="1"/>
+          <p:nvPr/>
+        </p:nvSpPr>
+        <p:spPr>
+          <a:xfrm rot="3940262">
+            <a:off x="6001574" y="3449767"/>
+            <a:ext cx="763351" cy="369332"/>
+          </a:xfrm>
+          <a:prstGeom prst="rect">
+            <a:avLst/>
+          </a:prstGeom>
+          <a:noFill/>
+        </p:spPr>
+        <p:txBody>
+          <a:bodyPr wrap="none" rtlCol="0">
+            <a:spAutoFit/>
+          </a:bodyPr>
+          <a:lstStyle/>
+          <a:p>
+            <a:r>
+              <a:rPr lang="en-US" altLang="zh-CN" b="1" dirty="0">
+                <a:solidFill>
+                  <a:srgbClr val="FF0000"/>
+                </a:solidFill>
+              </a:rPr>
+              <a:t>GAP2</a:t>
+            </a:r>
+            <a:endParaRPr lang="zh-CN" altLang="en-US" b="1" dirty="0">
+              <a:solidFill>
+                <a:srgbClr val="FF0000"/>
+              </a:solidFill>
+            </a:endParaRPr>
+          </a:p>
+        </p:txBody>
+      </p:sp>
+      <p:sp>
+        <p:nvSpPr>
+          <p:cNvPr id="31" name="文本框 30">
+            <a:extLst>
+              <a:ext uri="{FF2B5EF4-FFF2-40B4-BE49-F238E27FC236}">
+                <a16:creationId xmlns:a16="http://schemas.microsoft.com/office/drawing/2014/main" id="{B2A14E0B-8DE8-438A-AA9B-7CF9B592E118}"/>
+              </a:ext>
+            </a:extLst>
+          </p:cNvPr>
+          <p:cNvSpPr txBox="1"/>
+          <p:nvPr/>
+        </p:nvSpPr>
+        <p:spPr>
+          <a:xfrm rot="3940262">
+            <a:off x="6714230" y="3136302"/>
+            <a:ext cx="763351" cy="369332"/>
+          </a:xfrm>
+          <a:prstGeom prst="rect">
+            <a:avLst/>
+          </a:prstGeom>
+          <a:noFill/>
+        </p:spPr>
+        <p:txBody>
+          <a:bodyPr wrap="none" rtlCol="0">
+            <a:spAutoFit/>
+          </a:bodyPr>
+          <a:lstStyle/>
+          <a:p>
+            <a:r>
+              <a:rPr lang="en-US" altLang="zh-CN" b="1" dirty="0">
+                <a:solidFill>
+                  <a:srgbClr val="FF0000"/>
+                </a:solidFill>
+              </a:rPr>
+              <a:t>GAP2</a:t>
+            </a:r>
+            <a:endParaRPr lang="zh-CN" altLang="en-US" b="1" dirty="0">
+              <a:solidFill>
+                <a:srgbClr val="FF0000"/>
+              </a:solidFill>
+            </a:endParaRPr>
+          </a:p>
+        </p:txBody>
+      </p:sp>
+      <p:sp>
+        <p:nvSpPr>
+          <p:cNvPr id="32" name="文本框 31">
+            <a:extLst>
+              <a:ext uri="{FF2B5EF4-FFF2-40B4-BE49-F238E27FC236}">
+                <a16:creationId xmlns:a16="http://schemas.microsoft.com/office/drawing/2014/main" id="{393C308C-E663-4114-AC9F-ED4A8408BB47}"/>
+              </a:ext>
+            </a:extLst>
+          </p:cNvPr>
+          <p:cNvSpPr txBox="1"/>
+          <p:nvPr/>
+        </p:nvSpPr>
+        <p:spPr>
+          <a:xfrm rot="3940262">
+            <a:off x="5807386" y="3873625"/>
+            <a:ext cx="612668" cy="369332"/>
+          </a:xfrm>
+          <a:prstGeom prst="rect">
+            <a:avLst/>
+          </a:prstGeom>
+          <a:solidFill>
+            <a:schemeClr val="bg1"/>
+          </a:solidFill>
+        </p:spPr>
+        <p:txBody>
+          <a:bodyPr wrap="none" rtlCol="0">
+            <a:spAutoFit/>
+          </a:bodyPr>
+          <a:lstStyle/>
+          <a:p>
+            <a:r>
+              <a:rPr lang="en-US" altLang="zh-CN" b="1" dirty="0">
+                <a:solidFill>
+                  <a:srgbClr val="FF0000"/>
+                </a:solidFill>
+              </a:rPr>
+              <a:t>QS1</a:t>
+            </a:r>
+            <a:endParaRPr lang="zh-CN" altLang="en-US" b="1" dirty="0">
+              <a:solidFill>
+                <a:srgbClr val="FF0000"/>
+              </a:solidFill>
+            </a:endParaRPr>
+          </a:p>
+        </p:txBody>
+      </p:sp>
+      <p:sp>
+        <p:nvSpPr>
+          <p:cNvPr id="33" name="文本框 32">
+            <a:extLst>
+              <a:ext uri="{FF2B5EF4-FFF2-40B4-BE49-F238E27FC236}">
+                <a16:creationId xmlns:a16="http://schemas.microsoft.com/office/drawing/2014/main" id="{065BADBD-3CDF-4D74-ABE3-CBE9755A2A6C}"/>
+              </a:ext>
+            </a:extLst>
+          </p:cNvPr>
+          <p:cNvSpPr txBox="1"/>
+          <p:nvPr/>
+        </p:nvSpPr>
+        <p:spPr>
+          <a:xfrm rot="3940262">
+            <a:off x="7266031" y="3294720"/>
+            <a:ext cx="612668" cy="369332"/>
+          </a:xfrm>
+          <a:prstGeom prst="rect">
+            <a:avLst/>
+          </a:prstGeom>
+          <a:solidFill>
+            <a:schemeClr val="bg1"/>
+          </a:solidFill>
+        </p:spPr>
+        <p:txBody>
+          <a:bodyPr wrap="none" rtlCol="0">
+            <a:spAutoFit/>
+          </a:bodyPr>
+          <a:lstStyle/>
+          <a:p>
+            <a:r>
+              <a:rPr lang="en-US" altLang="zh-CN" b="1" dirty="0">
+                <a:solidFill>
+                  <a:srgbClr val="FF0000"/>
+                </a:solidFill>
+              </a:rPr>
+              <a:t>QS1</a:t>
+            </a:r>
+            <a:endParaRPr lang="zh-CN" altLang="en-US" b="1" dirty="0">
+              <a:solidFill>
+                <a:srgbClr val="FF0000"/>
+              </a:solidFill>
+            </a:endParaRPr>
+          </a:p>
+        </p:txBody>
+      </p:sp>
+      <p:sp>
+        <p:nvSpPr>
+          <p:cNvPr id="34" name="文本框 33">
+            <a:extLst>
+              <a:ext uri="{FF2B5EF4-FFF2-40B4-BE49-F238E27FC236}">
+                <a16:creationId xmlns:a16="http://schemas.microsoft.com/office/drawing/2014/main" id="{B6D00914-5797-45CD-A5E0-D8BBD85B9BA7}"/>
+              </a:ext>
+            </a:extLst>
+          </p:cNvPr>
+          <p:cNvSpPr txBox="1"/>
+          <p:nvPr/>
+        </p:nvSpPr>
+        <p:spPr>
+          <a:xfrm rot="3940262">
+            <a:off x="6532230" y="3608832"/>
+            <a:ext cx="612668" cy="369332"/>
+          </a:xfrm>
+          <a:prstGeom prst="rect">
+            <a:avLst/>
+          </a:prstGeom>
+          <a:solidFill>
+            <a:schemeClr val="bg1"/>
+          </a:solidFill>
+        </p:spPr>
+        <p:txBody>
+          <a:bodyPr wrap="none" rtlCol="0">
+            <a:spAutoFit/>
+          </a:bodyPr>
+          <a:lstStyle/>
+          <a:p>
+            <a:r>
+              <a:rPr lang="en-US" altLang="zh-CN" b="1" dirty="0">
+                <a:solidFill>
+                  <a:srgbClr val="FF0000"/>
+                </a:solidFill>
+              </a:rPr>
+              <a:t>QS2</a:t>
+            </a:r>
+            <a:endParaRPr lang="zh-CN" altLang="en-US" b="1" dirty="0">
+              <a:solidFill>
+                <a:srgbClr val="FF0000"/>
+              </a:solidFill>
+            </a:endParaRPr>
+          </a:p>
+        </p:txBody>
+      </p:sp>
+      <p:cxnSp>
+        <p:nvCxnSpPr>
+          <p:cNvPr id="35" name="直接连接符 34">
+            <a:extLst>
+              <a:ext uri="{FF2B5EF4-FFF2-40B4-BE49-F238E27FC236}">
+                <a16:creationId xmlns:a16="http://schemas.microsoft.com/office/drawing/2014/main" id="{EF8AF13B-932C-46A1-A7CC-9CB7B7FB9D8C}"/>
+              </a:ext>
+            </a:extLst>
+          </p:cNvPr>
+          <p:cNvCxnSpPr>
+            <a:cxnSpLocks/>
+          </p:cNvCxnSpPr>
+          <p:nvPr/>
+        </p:nvCxnSpPr>
+        <p:spPr>
+          <a:xfrm>
+            <a:off x="5133451" y="4180828"/>
+            <a:ext cx="80733" cy="380898"/>
+          </a:xfrm>
+          <a:prstGeom prst="line">
+            <a:avLst/>
+          </a:prstGeom>
+          <a:ln w="76200">
+            <a:solidFill>
+              <a:srgbClr val="D66441"/>
+            </a:solidFill>
+          </a:ln>
+        </p:spPr>
+        <p:style>
+          <a:lnRef idx="1">
+            <a:schemeClr val="accent1"/>
+          </a:lnRef>
+          <a:fillRef idx="0">
+            <a:schemeClr val="accent1"/>
+          </a:fillRef>
+          <a:effectRef idx="0">
+            <a:schemeClr val="accent1"/>
+          </a:effectRef>
+          <a:fontRef idx="minor">
+            <a:schemeClr val="tx1"/>
+          </a:fontRef>
+        </p:style>
+      </p:cxnSp>
+      <p:cxnSp>
+        <p:nvCxnSpPr>
+          <p:cNvPr id="40" name="直接连接符 39">
+            <a:extLst>
+              <a:ext uri="{FF2B5EF4-FFF2-40B4-BE49-F238E27FC236}">
+                <a16:creationId xmlns:a16="http://schemas.microsoft.com/office/drawing/2014/main" id="{7C575A94-70C0-4104-BA07-D24980A159C8}"/>
+              </a:ext>
+            </a:extLst>
+          </p:cNvPr>
+          <p:cNvCxnSpPr>
+            <a:cxnSpLocks/>
+          </p:cNvCxnSpPr>
+          <p:nvPr/>
+        </p:nvCxnSpPr>
+        <p:spPr>
+          <a:xfrm>
+            <a:off x="8381867" y="2844530"/>
+            <a:ext cx="238151" cy="366044"/>
+          </a:xfrm>
+          <a:prstGeom prst="line">
+            <a:avLst/>
+          </a:prstGeom>
+          <a:ln w="76200">
+            <a:solidFill>
+              <a:srgbClr val="D66441"/>
+            </a:solidFill>
+          </a:ln>
+        </p:spPr>
+        <p:style>
+          <a:lnRef idx="1">
+            <a:schemeClr val="accent1"/>
+          </a:lnRef>
+          <a:fillRef idx="0">
+            <a:schemeClr val="accent1"/>
+          </a:fillRef>
+          <a:effectRef idx="0">
+            <a:schemeClr val="accent1"/>
+          </a:effectRef>
+          <a:fontRef idx="minor">
+            <a:schemeClr val="tx1"/>
+          </a:fontRef>
+        </p:style>
+      </p:cxnSp>
+      <p:sp>
+        <p:nvSpPr>
+          <p:cNvPr id="12" name="文本框 11">
+            <a:extLst>
+              <a:ext uri="{FF2B5EF4-FFF2-40B4-BE49-F238E27FC236}">
+                <a16:creationId xmlns:a16="http://schemas.microsoft.com/office/drawing/2014/main" id="{B7371249-3BCC-45DF-919C-E2736EE63DFD}"/>
+              </a:ext>
+            </a:extLst>
+          </p:cNvPr>
+          <p:cNvSpPr txBox="1"/>
+          <p:nvPr/>
+        </p:nvSpPr>
+        <p:spPr>
+          <a:xfrm rot="20823761">
+            <a:off x="4842442" y="4672460"/>
+            <a:ext cx="942887" cy="369332"/>
+          </a:xfrm>
+          <a:prstGeom prst="rect">
+            <a:avLst/>
+          </a:prstGeom>
+          <a:noFill/>
+        </p:spPr>
+        <p:txBody>
+          <a:bodyPr wrap="none" rtlCol="0">
+            <a:spAutoFit/>
+          </a:bodyPr>
+          <a:lstStyle/>
+          <a:p>
+            <a:r>
+              <a:rPr lang="en-US" altLang="zh-CN" b="1" dirty="0">
+                <a:solidFill>
+                  <a:srgbClr val="FF0000"/>
+                </a:solidFill>
+              </a:rPr>
+              <a:t>dicct12</a:t>
+            </a:r>
+            <a:endParaRPr lang="zh-CN" altLang="en-US" b="1" dirty="0">
+              <a:solidFill>
+                <a:srgbClr val="FF0000"/>
+              </a:solidFill>
+            </a:endParaRPr>
+          </a:p>
+        </p:txBody>
+      </p:sp>
+      <p:sp>
+        <p:nvSpPr>
+          <p:cNvPr id="42" name="文本框 41">
+            <a:extLst>
+              <a:ext uri="{FF2B5EF4-FFF2-40B4-BE49-F238E27FC236}">
+                <a16:creationId xmlns:a16="http://schemas.microsoft.com/office/drawing/2014/main" id="{E86CD60E-7948-4A89-AB7E-C0B8AE7E75B9}"/>
+              </a:ext>
+            </a:extLst>
+          </p:cNvPr>
+          <p:cNvSpPr txBox="1"/>
+          <p:nvPr/>
+        </p:nvSpPr>
+        <p:spPr>
+          <a:xfrm rot="4896436">
+            <a:off x="4413619" y="3449766"/>
+            <a:ext cx="873957" cy="369332"/>
+          </a:xfrm>
+          <a:prstGeom prst="rect">
+            <a:avLst/>
+          </a:prstGeom>
+          <a:solidFill>
+            <a:schemeClr val="bg1"/>
+          </a:solidFill>
+        </p:spPr>
+        <p:txBody>
+          <a:bodyPr wrap="none" rtlCol="0">
+            <a:spAutoFit/>
+          </a:bodyPr>
+          <a:lstStyle/>
+          <a:p>
+            <a:r>
+              <a:rPr lang="en-US" altLang="zh-CN" b="1" dirty="0">
+                <a:solidFill>
+                  <a:srgbClr val="FF0000"/>
+                </a:solidFill>
+              </a:rPr>
+              <a:t>agcct1</a:t>
+            </a:r>
+            <a:endParaRPr lang="zh-CN" altLang="en-US" b="1" dirty="0">
+              <a:solidFill>
+                <a:srgbClr val="FF0000"/>
+              </a:solidFill>
+            </a:endParaRPr>
+          </a:p>
+        </p:txBody>
+      </p:sp>
+      <p:sp>
+        <p:nvSpPr>
+          <p:cNvPr id="44" name="文本框 43">
+            <a:extLst>
+              <a:ext uri="{FF2B5EF4-FFF2-40B4-BE49-F238E27FC236}">
+                <a16:creationId xmlns:a16="http://schemas.microsoft.com/office/drawing/2014/main" id="{9A201D4B-4F19-4E92-8A37-16E0B6502CEE}"/>
+              </a:ext>
+            </a:extLst>
+          </p:cNvPr>
+          <p:cNvSpPr txBox="1"/>
+          <p:nvPr/>
+        </p:nvSpPr>
+        <p:spPr>
+          <a:xfrm rot="4896436">
+            <a:off x="4821383" y="3398765"/>
+            <a:ext cx="873957" cy="369332"/>
+          </a:xfrm>
+          <a:prstGeom prst="rect">
+            <a:avLst/>
+          </a:prstGeom>
+          <a:solidFill>
+            <a:schemeClr val="bg1"/>
+          </a:solidFill>
+        </p:spPr>
+        <p:txBody>
+          <a:bodyPr wrap="none" rtlCol="0">
+            <a:spAutoFit/>
+          </a:bodyPr>
+          <a:lstStyle/>
+          <a:p>
+            <a:r>
+              <a:rPr lang="en-US" altLang="zh-CN" b="1" dirty="0">
+                <a:solidFill>
+                  <a:srgbClr val="FF0000"/>
+                </a:solidFill>
+              </a:rPr>
+              <a:t>agcct2</a:t>
+            </a:r>
+            <a:endParaRPr lang="zh-CN" altLang="en-US" b="1" dirty="0">
+              <a:solidFill>
+                <a:srgbClr val="FF0000"/>
+              </a:solidFill>
+            </a:endParaRPr>
+          </a:p>
+        </p:txBody>
+      </p:sp>
+      <p:sp>
+        <p:nvSpPr>
+          <p:cNvPr id="24" name="矩形 23">
+            <a:extLst>
+              <a:ext uri="{FF2B5EF4-FFF2-40B4-BE49-F238E27FC236}">
+                <a16:creationId xmlns:a16="http://schemas.microsoft.com/office/drawing/2014/main" id="{3BCE74AD-A73E-415E-ABD8-67B452C47870}"/>
+              </a:ext>
+            </a:extLst>
+          </p:cNvPr>
+          <p:cNvSpPr/>
+          <p:nvPr/>
+        </p:nvSpPr>
+        <p:spPr>
+          <a:xfrm>
+            <a:off x="3487538" y="195210"/>
+            <a:ext cx="4988642" cy="2182862"/>
+          </a:xfrm>
+          <a:prstGeom prst="rect">
+            <a:avLst/>
+          </a:prstGeom>
+          <a:solidFill>
+            <a:schemeClr val="bg1"/>
+          </a:solidFill>
+          <a:ln>
+            <a:solidFill>
+              <a:schemeClr val="bg1"/>
+            </a:solidFill>
+          </a:ln>
+        </p:spPr>
+        <p:style>
+          <a:lnRef idx="2">
+            <a:schemeClr val="accent1">
+              <a:shade val="50000"/>
+            </a:schemeClr>
+          </a:lnRef>
+          <a:fillRef idx="1">
+            <a:schemeClr val="accent1"/>
+          </a:fillRef>
+          <a:effectRef idx="0">
+            <a:schemeClr val="accent1"/>
+          </a:effectRef>
+          <a:fontRef idx="minor">
+            <a:schemeClr val="lt1"/>
+          </a:fontRef>
+        </p:style>
+        <p:txBody>
+          <a:bodyPr rtlCol="0" anchor="ctr"/>
+          <a:lstStyle/>
+          <a:p>
+            <a:pPr algn="ctr"/>
+            <a:endParaRPr lang="zh-CN" altLang="en-US"/>
+          </a:p>
+        </p:txBody>
+      </p:sp>
+      <p:sp>
+        <p:nvSpPr>
+          <p:cNvPr id="47" name="矩形 46">
+            <a:extLst>
+              <a:ext uri="{FF2B5EF4-FFF2-40B4-BE49-F238E27FC236}">
+                <a16:creationId xmlns:a16="http://schemas.microsoft.com/office/drawing/2014/main" id="{9BE167BD-732D-4901-B0D4-1BC429D7BF4D}"/>
+              </a:ext>
+            </a:extLst>
+          </p:cNvPr>
+          <p:cNvSpPr/>
+          <p:nvPr/>
+        </p:nvSpPr>
+        <p:spPr>
+          <a:xfrm>
+            <a:off x="4588365" y="5069335"/>
+            <a:ext cx="7370753" cy="2325497"/>
+          </a:xfrm>
+          <a:prstGeom prst="rect">
+            <a:avLst/>
+          </a:prstGeom>
+          <a:solidFill>
+            <a:schemeClr val="bg1"/>
+          </a:solidFill>
+          <a:ln>
+            <a:solidFill>
+              <a:schemeClr val="bg1"/>
+            </a:solidFill>
+          </a:ln>
+        </p:spPr>
+        <p:style>
+          <a:lnRef idx="2">
+            <a:schemeClr val="accent1">
+              <a:shade val="50000"/>
+            </a:schemeClr>
+          </a:lnRef>
+          <a:fillRef idx="1">
+            <a:schemeClr val="accent1"/>
+          </a:fillRef>
+          <a:effectRef idx="0">
+            <a:schemeClr val="accent1"/>
+          </a:effectRef>
+          <a:fontRef idx="minor">
+            <a:schemeClr val="lt1"/>
+          </a:fontRef>
+        </p:style>
+        <p:txBody>
+          <a:bodyPr rtlCol="0" anchor="ctr"/>
+          <a:lstStyle/>
+          <a:p>
+            <a:pPr algn="ctr"/>
+            <a:endParaRPr lang="zh-CN" altLang="en-US"/>
+          </a:p>
+        </p:txBody>
+      </p:sp>
+      <p:sp>
+        <p:nvSpPr>
+          <p:cNvPr id="48" name="矩形 47">
+            <a:extLst>
+              <a:ext uri="{FF2B5EF4-FFF2-40B4-BE49-F238E27FC236}">
+                <a16:creationId xmlns:a16="http://schemas.microsoft.com/office/drawing/2014/main" id="{BC0D6AE3-C351-4258-96A3-69170031E8A4}"/>
+              </a:ext>
+            </a:extLst>
+          </p:cNvPr>
+          <p:cNvSpPr/>
+          <p:nvPr/>
+        </p:nvSpPr>
+        <p:spPr>
+          <a:xfrm>
+            <a:off x="606175" y="4655252"/>
+            <a:ext cx="3748354" cy="1663355"/>
+          </a:xfrm>
+          <a:prstGeom prst="rect">
+            <a:avLst/>
+          </a:prstGeom>
+          <a:solidFill>
+            <a:schemeClr val="bg1"/>
+          </a:solidFill>
+          <a:ln>
+            <a:solidFill>
+              <a:schemeClr val="bg1"/>
+            </a:solidFill>
+          </a:ln>
+        </p:spPr>
+        <p:style>
+          <a:lnRef idx="2">
+            <a:schemeClr val="accent1">
+              <a:shade val="50000"/>
+            </a:schemeClr>
+          </a:lnRef>
+          <a:fillRef idx="1">
+            <a:schemeClr val="accent1"/>
+          </a:fillRef>
+          <a:effectRef idx="0">
+            <a:schemeClr val="accent1"/>
+          </a:effectRef>
+          <a:fontRef idx="minor">
+            <a:schemeClr val="lt1"/>
+          </a:fontRef>
+        </p:style>
+        <p:txBody>
+          <a:bodyPr rtlCol="0" anchor="ctr"/>
+          <a:lstStyle/>
+          <a:p>
+            <a:pPr algn="ctr"/>
+            <a:endParaRPr lang="zh-CN" altLang="en-US"/>
+          </a:p>
+        </p:txBody>
+      </p:sp>
+      <p:sp>
+        <p:nvSpPr>
+          <p:cNvPr id="49" name="矩形 48">
+            <a:extLst>
+              <a:ext uri="{FF2B5EF4-FFF2-40B4-BE49-F238E27FC236}">
+                <a16:creationId xmlns:a16="http://schemas.microsoft.com/office/drawing/2014/main" id="{A471AA37-23DF-44C4-A35D-C358D87E034D}"/>
+              </a:ext>
+            </a:extLst>
+          </p:cNvPr>
+          <p:cNvSpPr/>
+          <p:nvPr/>
+        </p:nvSpPr>
+        <p:spPr>
+          <a:xfrm rot="20151185">
+            <a:off x="6387874" y="3397951"/>
+            <a:ext cx="5379060" cy="2325497"/>
+          </a:xfrm>
+          <a:prstGeom prst="rect">
+            <a:avLst/>
+          </a:prstGeom>
+          <a:solidFill>
+            <a:schemeClr val="bg1"/>
+          </a:solidFill>
+          <a:ln>
+            <a:solidFill>
+              <a:schemeClr val="bg1"/>
+            </a:solidFill>
+          </a:ln>
+        </p:spPr>
+        <p:style>
+          <a:lnRef idx="2">
+            <a:schemeClr val="accent1">
+              <a:shade val="50000"/>
+            </a:schemeClr>
+          </a:lnRef>
+          <a:fillRef idx="1">
+            <a:schemeClr val="accent1"/>
+          </a:fillRef>
+          <a:effectRef idx="0">
+            <a:schemeClr val="accent1"/>
+          </a:effectRef>
+          <a:fontRef idx="minor">
+            <a:schemeClr val="lt1"/>
+          </a:fontRef>
+        </p:style>
+        <p:txBody>
+          <a:bodyPr rtlCol="0" anchor="ctr"/>
+          <a:lstStyle/>
+          <a:p>
+            <a:pPr algn="ctr"/>
+            <a:endParaRPr lang="zh-CN" altLang="en-US"/>
+          </a:p>
+        </p:txBody>
+      </p:sp>
+      <p:sp>
+        <p:nvSpPr>
+          <p:cNvPr id="41" name="文本框 40">
+            <a:extLst>
+              <a:ext uri="{FF2B5EF4-FFF2-40B4-BE49-F238E27FC236}">
+                <a16:creationId xmlns:a16="http://schemas.microsoft.com/office/drawing/2014/main" id="{384F5EBE-16AD-479E-B10F-ED91AA424214}"/>
+              </a:ext>
+            </a:extLst>
+          </p:cNvPr>
+          <p:cNvSpPr txBox="1"/>
+          <p:nvPr/>
+        </p:nvSpPr>
+        <p:spPr>
+          <a:xfrm rot="19531944">
+            <a:off x="8286722" y="3189776"/>
+            <a:ext cx="942887" cy="369332"/>
+          </a:xfrm>
+          <a:prstGeom prst="rect">
+            <a:avLst/>
+          </a:prstGeom>
+          <a:noFill/>
+        </p:spPr>
+        <p:txBody>
+          <a:bodyPr wrap="none" rtlCol="0">
+            <a:spAutoFit/>
+          </a:bodyPr>
+          <a:lstStyle/>
+          <a:p>
+            <a:r>
+              <a:rPr lang="en-US" altLang="zh-CN" b="1" dirty="0">
+                <a:solidFill>
+                  <a:srgbClr val="FF0000"/>
+                </a:solidFill>
+              </a:rPr>
+              <a:t>dicct12</a:t>
+            </a:r>
+            <a:endParaRPr lang="zh-CN" altLang="en-US" b="1" dirty="0">
+              <a:solidFill>
+                <a:srgbClr val="FF0000"/>
+              </a:solidFill>
+            </a:endParaRPr>
+          </a:p>
+        </p:txBody>
+      </p:sp>
+      <p:sp>
+        <p:nvSpPr>
+          <p:cNvPr id="50" name="矩形 49">
+            <a:extLst>
+              <a:ext uri="{FF2B5EF4-FFF2-40B4-BE49-F238E27FC236}">
+                <a16:creationId xmlns:a16="http://schemas.microsoft.com/office/drawing/2014/main" id="{F5014F55-41E0-45F9-AE7A-FF9CA9ACDFC7}"/>
+              </a:ext>
+            </a:extLst>
+          </p:cNvPr>
+          <p:cNvSpPr/>
+          <p:nvPr/>
+        </p:nvSpPr>
+        <p:spPr>
+          <a:xfrm>
+            <a:off x="5173671" y="1025875"/>
+            <a:ext cx="964190" cy="2182862"/>
+          </a:xfrm>
+          <a:prstGeom prst="rect">
+            <a:avLst/>
+          </a:prstGeom>
+          <a:solidFill>
+            <a:schemeClr val="bg1"/>
+          </a:solidFill>
+          <a:ln>
+            <a:solidFill>
+              <a:schemeClr val="bg1"/>
+            </a:solidFill>
+          </a:ln>
+        </p:spPr>
+        <p:style>
+          <a:lnRef idx="2">
+            <a:schemeClr val="accent1">
+              <a:shade val="50000"/>
+            </a:schemeClr>
+          </a:lnRef>
+          <a:fillRef idx="1">
+            <a:schemeClr val="accent1"/>
+          </a:fillRef>
+          <a:effectRef idx="0">
+            <a:schemeClr val="accent1"/>
+          </a:effectRef>
+          <a:fontRef idx="minor">
+            <a:schemeClr val="lt1"/>
+          </a:fontRef>
+        </p:style>
+        <p:txBody>
+          <a:bodyPr rtlCol="0" anchor="ctr"/>
+          <a:lstStyle/>
+          <a:p>
+            <a:pPr algn="ctr"/>
+            <a:endParaRPr lang="zh-CN" altLang="en-US"/>
+          </a:p>
+        </p:txBody>
+      </p:sp>
+      <p:sp>
+        <p:nvSpPr>
+          <p:cNvPr id="46" name="文本框 45">
+            <a:extLst>
+              <a:ext uri="{FF2B5EF4-FFF2-40B4-BE49-F238E27FC236}">
+                <a16:creationId xmlns:a16="http://schemas.microsoft.com/office/drawing/2014/main" id="{937D2549-86DD-408F-8FBA-C8CFD4A42184}"/>
+              </a:ext>
+            </a:extLst>
+          </p:cNvPr>
+          <p:cNvSpPr txBox="1"/>
+          <p:nvPr/>
+        </p:nvSpPr>
+        <p:spPr>
+          <a:xfrm rot="3312010">
+            <a:off x="7447100" y="2331863"/>
+            <a:ext cx="873957" cy="369332"/>
+          </a:xfrm>
+          <a:prstGeom prst="rect">
+            <a:avLst/>
+          </a:prstGeom>
+          <a:solidFill>
+            <a:schemeClr val="bg1"/>
+          </a:solidFill>
+        </p:spPr>
+        <p:txBody>
+          <a:bodyPr wrap="none" rtlCol="0">
+            <a:spAutoFit/>
+          </a:bodyPr>
+          <a:lstStyle/>
+          <a:p>
+            <a:r>
+              <a:rPr lang="en-US" altLang="zh-CN" b="1" dirty="0">
+                <a:solidFill>
+                  <a:srgbClr val="FF0000"/>
+                </a:solidFill>
+              </a:rPr>
+              <a:t>agcct2</a:t>
+            </a:r>
+            <a:endParaRPr lang="zh-CN" altLang="en-US" b="1" dirty="0">
+              <a:solidFill>
+                <a:srgbClr val="FF0000"/>
+              </a:solidFill>
+            </a:endParaRPr>
+          </a:p>
+        </p:txBody>
+      </p:sp>
+      <p:sp>
+        <p:nvSpPr>
+          <p:cNvPr id="43" name="文本框 42">
+            <a:extLst>
+              <a:ext uri="{FF2B5EF4-FFF2-40B4-BE49-F238E27FC236}">
+                <a16:creationId xmlns:a16="http://schemas.microsoft.com/office/drawing/2014/main" id="{3F2526E2-460C-4388-91A1-37DA6D1F7A56}"/>
+              </a:ext>
+            </a:extLst>
+          </p:cNvPr>
+          <p:cNvSpPr txBox="1"/>
+          <p:nvPr/>
+        </p:nvSpPr>
+        <p:spPr>
+          <a:xfrm rot="3423416">
+            <a:off x="7838307" y="2114398"/>
+            <a:ext cx="873957" cy="369332"/>
+          </a:xfrm>
+          <a:prstGeom prst="rect">
+            <a:avLst/>
+          </a:prstGeom>
+          <a:solidFill>
+            <a:schemeClr val="bg1"/>
+          </a:solidFill>
+        </p:spPr>
+        <p:txBody>
+          <a:bodyPr wrap="none" rtlCol="0">
+            <a:spAutoFit/>
+          </a:bodyPr>
+          <a:lstStyle/>
+          <a:p>
+            <a:r>
+              <a:rPr lang="en-US" altLang="zh-CN" b="1" dirty="0">
+                <a:solidFill>
+                  <a:srgbClr val="FF0000"/>
+                </a:solidFill>
+              </a:rPr>
+              <a:t>agcct1</a:t>
+            </a:r>
+            <a:endParaRPr lang="zh-CN" altLang="en-US" b="1" dirty="0">
+              <a:solidFill>
+                <a:srgbClr val="FF0000"/>
+              </a:solidFill>
+            </a:endParaRPr>
+          </a:p>
+        </p:txBody>
+      </p:sp>
+      <p:sp>
+        <p:nvSpPr>
+          <p:cNvPr id="51" name="矩形 50">
+            <a:extLst>
+              <a:ext uri="{FF2B5EF4-FFF2-40B4-BE49-F238E27FC236}">
+                <a16:creationId xmlns:a16="http://schemas.microsoft.com/office/drawing/2014/main" id="{5E426ED8-35AD-4C66-A7E9-BAE6F326A5B1}"/>
+              </a:ext>
+            </a:extLst>
+          </p:cNvPr>
+          <p:cNvSpPr/>
+          <p:nvPr/>
+        </p:nvSpPr>
+        <p:spPr>
+          <a:xfrm rot="18992562">
+            <a:off x="9110005" y="769702"/>
+            <a:ext cx="5379060" cy="2325497"/>
+          </a:xfrm>
+          <a:prstGeom prst="rect">
+            <a:avLst/>
+          </a:prstGeom>
+          <a:solidFill>
+            <a:schemeClr val="bg1"/>
+          </a:solidFill>
+          <a:ln>
+            <a:solidFill>
+              <a:schemeClr val="bg1"/>
+            </a:solidFill>
+          </a:ln>
+        </p:spPr>
+        <p:style>
+          <a:lnRef idx="2">
+            <a:schemeClr val="accent1">
+              <a:shade val="50000"/>
+            </a:schemeClr>
+          </a:lnRef>
+          <a:fillRef idx="1">
+            <a:schemeClr val="accent1"/>
+          </a:fillRef>
+          <a:effectRef idx="0">
+            <a:schemeClr val="accent1"/>
+          </a:effectRef>
+          <a:fontRef idx="minor">
+            <a:schemeClr val="lt1"/>
+          </a:fontRef>
+        </p:style>
+        <p:txBody>
+          <a:bodyPr rtlCol="0" anchor="ctr"/>
+          <a:lstStyle/>
+          <a:p>
+            <a:pPr algn="ctr"/>
+            <a:endParaRPr lang="zh-CN" altLang="en-US"/>
+          </a:p>
+        </p:txBody>
+      </p:sp>
+    </p:spTree>
+    <p:extLst>
+      <p:ext uri="{BB962C8B-B14F-4D97-AF65-F5344CB8AC3E}">
+        <p14:creationId xmlns:p14="http://schemas.microsoft.com/office/powerpoint/2010/main" val="154197705"/>
+      </p:ext>
+    </p:extLst>
+  </p:cSld>
+  <p:clrMapOvr>
+    <a:masterClrMapping/>
+  </p:clrMapOvr>
+</p:sld>
+</file>
+
 <file path=ppt/slides/slide2.xml><?xml version="1.0" encoding="utf-8"?>
 <p:sld xmlns:a="http://schemas.openxmlformats.org/drawingml/2006/main" xmlns:r="http://schemas.openxmlformats.org/officeDocument/2006/relationships" xmlns:p="http://schemas.openxmlformats.org/presentationml/2006/main">
   <p:cSld>
@@ -7985,6 +10772,42 @@
           </a:p>
         </p:txBody>
       </p:sp>
+      <p:sp>
+        <p:nvSpPr>
+          <p:cNvPr id="22" name="文本框 21">
+            <a:extLst>
+              <a:ext uri="{FF2B5EF4-FFF2-40B4-BE49-F238E27FC236}">
+                <a16:creationId xmlns:a16="http://schemas.microsoft.com/office/drawing/2014/main" id="{CD408127-B9AA-4F65-8F12-365E31F6E6FE}"/>
+              </a:ext>
+            </a:extLst>
+          </p:cNvPr>
+          <p:cNvSpPr txBox="1"/>
+          <p:nvPr/>
+        </p:nvSpPr>
+        <p:spPr>
+          <a:xfrm>
+            <a:off x="3304564" y="3041010"/>
+            <a:ext cx="787395" cy="369332"/>
+          </a:xfrm>
+          <a:prstGeom prst="rect">
+            <a:avLst/>
+          </a:prstGeom>
+          <a:noFill/>
+        </p:spPr>
+        <p:txBody>
+          <a:bodyPr wrap="none" rtlCol="0">
+            <a:spAutoFit/>
+          </a:bodyPr>
+          <a:lstStyle/>
+          <a:p>
+            <a:r>
+              <a:rPr lang="en-US" altLang="zh-CN" dirty="0"/>
+              <a:t>(2,2,1)</a:t>
+            </a:r>
+            <a:endParaRPr lang="zh-CN" altLang="en-US" dirty="0"/>
+          </a:p>
+        </p:txBody>
+      </p:sp>
     </p:spTree>
     <p:extLst>
       <p:ext uri="{BB962C8B-B14F-4D97-AF65-F5344CB8AC3E}">
@@ -8809,8 +11632,8 @@
           </a:p>
         </p:txBody>
       </p:sp>
-      <mc:AlternateContent xmlns:mc="http://schemas.openxmlformats.org/markup-compatibility/2006" xmlns:a14="http://schemas.microsoft.com/office/drawing/2010/main">
-        <mc:Choice Requires="a14">
+      <mc:AlternateContent xmlns:mc="http://schemas.openxmlformats.org/markup-compatibility/2006">
+        <mc:Choice xmlns:a14="http://schemas.microsoft.com/office/drawing/2010/main" Requires="a14">
           <p:sp>
             <p:nvSpPr>
               <p:cNvPr id="39" name="文本框 38">
@@ -8825,8 +11648,8 @@
             </p:nvSpPr>
             <p:spPr>
               <a:xfrm>
-                <a:off x="5030507" y="1677690"/>
-                <a:ext cx="4701543" cy="646203"/>
+                <a:off x="945169" y="449112"/>
+                <a:ext cx="4608826" cy="622350"/>
               </a:xfrm>
               <a:prstGeom prst="rect">
                 <a:avLst/>
@@ -8849,7 +11672,7 @@
                       <m:d>
                         <m:dPr>
                           <m:ctrlPr>
-                            <a:rPr lang="en-US" altLang="zh-CN" i="1" smtClean="0">
+                            <a:rPr lang="en-US" altLang="zh-CN" b="0" i="1" smtClean="0">
                               <a:latin typeface="Cambria Math" panose="02040503050406030204" pitchFamily="18" charset="0"/>
                             </a:rPr>
                           </m:ctrlPr>
@@ -8866,7 +11689,7 @@
                                 </m:mc>
                               </m:mcs>
                               <m:ctrlPr>
-                                <a:rPr lang="en-US" altLang="zh-CN" i="1" smtClean="0">
+                                <a:rPr lang="en-US" altLang="zh-CN" b="0" i="1" smtClean="0">
                                   <a:latin typeface="Cambria Math" panose="02040503050406030204" pitchFamily="18" charset="0"/>
                                 </a:rPr>
                               </m:ctrlPr>
@@ -8976,45 +11799,96 @@
                             </m:mPr>
                             <m:mr>
                               <m:e>
-                                <m:r>
-                                  <m:rPr>
-                                    <m:sty m:val="p"/>
-                                    <m:brk m:alnAt="7"/>
-                                  </m:rPr>
-                                  <a:rPr lang="en-US" altLang="zh-CN" i="1">
-                                    <a:latin typeface="Cambria Math" panose="02040503050406030204" pitchFamily="18" charset="0"/>
-                                  </a:rPr>
-                                  <m:t>c</m:t>
-                                </m:r>
-                                <m:r>
-                                  <m:rPr>
-                                    <m:sty m:val="p"/>
-                                  </m:rPr>
-                                  <a:rPr lang="en-US" altLang="zh-CN" i="1">
-                                    <a:latin typeface="Cambria Math" panose="02040503050406030204" pitchFamily="18" charset="0"/>
-                                  </a:rPr>
-                                  <m:t>os</m:t>
-                                </m:r>
-                                <m:r>
-                                  <a:rPr lang="en-US" altLang="zh-CN" b="0" i="1" smtClean="0">
-                                    <a:latin typeface="Cambria Math" panose="02040503050406030204" pitchFamily="18" charset="0"/>
-                                  </a:rPr>
-                                  <m:t>(−30)</m:t>
-                                </m:r>
+                                <m:func>
+                                  <m:funcPr>
+                                    <m:ctrlPr>
+                                      <a:rPr lang="en-US" altLang="zh-CN" b="0" i="1" smtClean="0">
+                                        <a:latin typeface="Cambria Math" panose="02040503050406030204" pitchFamily="18" charset="0"/>
+                                      </a:rPr>
+                                    </m:ctrlPr>
+                                  </m:funcPr>
+                                  <m:fName>
+                                    <m:r>
+                                      <m:rPr>
+                                        <m:sty m:val="p"/>
+                                        <m:brk m:alnAt="7"/>
+                                      </m:rPr>
+                                      <a:rPr lang="en-US" altLang="zh-CN" i="0">
+                                        <a:latin typeface="Cambria Math" panose="02040503050406030204" pitchFamily="18" charset="0"/>
+                                      </a:rPr>
+                                      <m:t>c</m:t>
+                                    </m:r>
+                                    <m:r>
+                                      <m:rPr>
+                                        <m:sty m:val="p"/>
+                                      </m:rPr>
+                                      <a:rPr lang="en-US" altLang="zh-CN" i="0">
+                                        <a:latin typeface="Cambria Math" panose="02040503050406030204" pitchFamily="18" charset="0"/>
+                                      </a:rPr>
+                                      <m:t>os</m:t>
+                                    </m:r>
+                                  </m:fName>
+                                  <m:e>
+                                    <m:d>
+                                      <m:dPr>
+                                        <m:ctrlPr>
+                                          <a:rPr lang="en-US" altLang="zh-CN" b="0" i="1" smtClean="0">
+                                            <a:latin typeface="Cambria Math" panose="02040503050406030204" pitchFamily="18" charset="0"/>
+                                          </a:rPr>
+                                        </m:ctrlPr>
+                                      </m:dPr>
+                                      <m:e>
+                                        <m:r>
+                                          <a:rPr lang="en-US" altLang="zh-CN" b="0" i="1" smtClean="0">
+                                            <a:latin typeface="Cambria Math" panose="02040503050406030204" pitchFamily="18" charset="0"/>
+                                          </a:rPr>
+                                          <m:t>−30</m:t>
+                                        </m:r>
+                                      </m:e>
+                                    </m:d>
+                                  </m:e>
+                                </m:func>
                               </m:e>
                               <m:e>
-                                <m:r>
-                                  <a:rPr lang="en-US" altLang="zh-CN" b="0" i="1" smtClean="0">
-                                    <a:latin typeface="Cambria Math" panose="02040503050406030204" pitchFamily="18" charset="0"/>
-                                  </a:rPr>
-                                  <m:t>𝑠𝑖𝑛</m:t>
-                                </m:r>
-                                <m:r>
-                                  <a:rPr lang="en-US" altLang="zh-CN" i="1">
-                                    <a:latin typeface="Cambria Math" panose="02040503050406030204" pitchFamily="18" charset="0"/>
-                                  </a:rPr>
-                                  <m:t>(−30)</m:t>
-                                </m:r>
+                                <m:func>
+                                  <m:funcPr>
+                                    <m:ctrlPr>
+                                      <a:rPr lang="en-US" altLang="zh-CN" b="0" i="0" smtClean="0">
+                                        <a:latin typeface="Cambria Math" panose="02040503050406030204" pitchFamily="18" charset="0"/>
+                                      </a:rPr>
+                                    </m:ctrlPr>
+                                  </m:funcPr>
+                                  <m:fName>
+                                    <m:r>
+                                      <m:rPr>
+                                        <m:sty m:val="p"/>
+                                      </m:rPr>
+                                      <a:rPr lang="en-US" altLang="zh-CN" b="0" i="0" smtClean="0">
+                                        <a:latin typeface="Cambria Math" panose="02040503050406030204" pitchFamily="18" charset="0"/>
+                                      </a:rPr>
+                                      <m:t>sin</m:t>
+                                    </m:r>
+                                  </m:fName>
+                                  <m:e>
+                                    <m:d>
+                                      <m:dPr>
+                                        <m:ctrlPr>
+                                          <a:rPr lang="en-US" altLang="zh-CN" b="0" i="1">
+                                            <a:latin typeface="Cambria Math" panose="02040503050406030204" pitchFamily="18" charset="0"/>
+                                          </a:rPr>
+                                        </m:ctrlPr>
+                                      </m:dPr>
+                                      <m:e>
+                                        <m:r>
+                                          <a:rPr lang="en-US" altLang="zh-CN" i="1">
+                                            <a:latin typeface="Cambria Math" panose="02040503050406030204" pitchFamily="18" charset="0"/>
+                                          </a:rPr>
+                                          <m:t>−30</m:t>
+                                        </m:r>
+                                      </m:e>
+                                    </m:d>
+                                  </m:e>
+                                </m:func>
                               </m:e>
                             </m:mr>
                             <m:mr>
@@ -9025,45 +11899,96 @@
                                   </a:rPr>
                                   <m:t>−</m:t>
                                 </m:r>
-                                <m:r>
-                                  <a:rPr lang="en-US" altLang="zh-CN" b="0" i="1" smtClean="0">
-                                    <a:latin typeface="Cambria Math" panose="02040503050406030204" pitchFamily="18" charset="0"/>
-                                  </a:rPr>
-                                  <m:t>𝑠𝑖𝑛</m:t>
-                                </m:r>
-                                <m:r>
-                                  <a:rPr lang="en-US" altLang="zh-CN" i="1">
-                                    <a:latin typeface="Cambria Math" panose="02040503050406030204" pitchFamily="18" charset="0"/>
-                                  </a:rPr>
-                                  <m:t>(−30)</m:t>
-                                </m:r>
+                                <m:func>
+                                  <m:funcPr>
+                                    <m:ctrlPr>
+                                      <a:rPr lang="en-US" altLang="zh-CN" b="0" i="0" smtClean="0">
+                                        <a:latin typeface="Cambria Math" panose="02040503050406030204" pitchFamily="18" charset="0"/>
+                                      </a:rPr>
+                                    </m:ctrlPr>
+                                  </m:funcPr>
+                                  <m:fName>
+                                    <m:r>
+                                      <m:rPr>
+                                        <m:sty m:val="p"/>
+                                      </m:rPr>
+                                      <a:rPr lang="en-US" altLang="zh-CN" b="0" i="0" smtClean="0">
+                                        <a:latin typeface="Cambria Math" panose="02040503050406030204" pitchFamily="18" charset="0"/>
+                                      </a:rPr>
+                                      <m:t>sin</m:t>
+                                    </m:r>
+                                  </m:fName>
+                                  <m:e>
+                                    <m:d>
+                                      <m:dPr>
+                                        <m:ctrlPr>
+                                          <a:rPr lang="en-US" altLang="zh-CN" b="0" i="1">
+                                            <a:latin typeface="Cambria Math" panose="02040503050406030204" pitchFamily="18" charset="0"/>
+                                          </a:rPr>
+                                        </m:ctrlPr>
+                                      </m:dPr>
+                                      <m:e>
+                                        <m:r>
+                                          <a:rPr lang="en-US" altLang="zh-CN" i="1">
+                                            <a:latin typeface="Cambria Math" panose="02040503050406030204" pitchFamily="18" charset="0"/>
+                                          </a:rPr>
+                                          <m:t>−30</m:t>
+                                        </m:r>
+                                      </m:e>
+                                    </m:d>
+                                  </m:e>
+                                </m:func>
                               </m:e>
                               <m:e>
-                                <m:r>
-                                  <m:rPr>
-                                    <m:sty m:val="p"/>
-                                    <m:brk m:alnAt="7"/>
-                                  </m:rPr>
-                                  <a:rPr lang="en-US" altLang="zh-CN" i="1">
-                                    <a:latin typeface="Cambria Math" panose="02040503050406030204" pitchFamily="18" charset="0"/>
-                                  </a:rPr>
-                                  <m:t>c</m:t>
-                                </m:r>
-                                <m:r>
-                                  <m:rPr>
-                                    <m:sty m:val="p"/>
-                                  </m:rPr>
-                                  <a:rPr lang="en-US" altLang="zh-CN" i="1">
-                                    <a:latin typeface="Cambria Math" panose="02040503050406030204" pitchFamily="18" charset="0"/>
-                                  </a:rPr>
-                                  <m:t>os</m:t>
-                                </m:r>
-                                <m:r>
-                                  <a:rPr lang="en-US" altLang="zh-CN" i="1">
-                                    <a:latin typeface="Cambria Math" panose="02040503050406030204" pitchFamily="18" charset="0"/>
-                                  </a:rPr>
-                                  <m:t>(−30)</m:t>
-                                </m:r>
+                                <m:func>
+                                  <m:funcPr>
+                                    <m:ctrlPr>
+                                      <a:rPr lang="en-US" altLang="zh-CN" b="0" i="1">
+                                        <a:latin typeface="Cambria Math" panose="02040503050406030204" pitchFamily="18" charset="0"/>
+                                      </a:rPr>
+                                    </m:ctrlPr>
+                                  </m:funcPr>
+                                  <m:fName>
+                                    <m:r>
+                                      <m:rPr>
+                                        <m:sty m:val="p"/>
+                                        <m:brk m:alnAt="7"/>
+                                      </m:rPr>
+                                      <a:rPr lang="en-US" altLang="zh-CN" i="0">
+                                        <a:latin typeface="Cambria Math" panose="02040503050406030204" pitchFamily="18" charset="0"/>
+                                      </a:rPr>
+                                      <m:t>c</m:t>
+                                    </m:r>
+                                    <m:r>
+                                      <m:rPr>
+                                        <m:sty m:val="p"/>
+                                      </m:rPr>
+                                      <a:rPr lang="en-US" altLang="zh-CN" i="0">
+                                        <a:latin typeface="Cambria Math" panose="02040503050406030204" pitchFamily="18" charset="0"/>
+                                      </a:rPr>
+                                      <m:t>os</m:t>
+                                    </m:r>
+                                  </m:fName>
+                                  <m:e>
+                                    <m:d>
+                                      <m:dPr>
+                                        <m:ctrlPr>
+                                          <a:rPr lang="en-US" altLang="zh-CN" i="1">
+                                            <a:latin typeface="Cambria Math" panose="02040503050406030204" pitchFamily="18" charset="0"/>
+                                          </a:rPr>
+                                        </m:ctrlPr>
+                                      </m:dPr>
+                                      <m:e>
+                                        <m:r>
+                                          <a:rPr lang="en-US" altLang="zh-CN" i="1">
+                                            <a:latin typeface="Cambria Math" panose="02040503050406030204" pitchFamily="18" charset="0"/>
+                                          </a:rPr>
+                                          <m:t>−30</m:t>
+                                        </m:r>
+                                      </m:e>
+                                    </m:d>
+                                  </m:e>
+                                </m:func>
                               </m:e>
                             </m:mr>
                           </m:m>
@@ -9134,7 +12059,7 @@
             </p:txBody>
           </p:sp>
         </mc:Choice>
-        <mc:Fallback xmlns="">
+        <mc:Fallback>
           <p:sp>
             <p:nvSpPr>
               <p:cNvPr id="39" name="文本框 38">
@@ -9151,8 +12076,8 @@
             </p:nvSpPr>
             <p:spPr>
               <a:xfrm>
-                <a:off x="5030507" y="1677690"/>
-                <a:ext cx="4701543" cy="646203"/>
+                <a:off x="945169" y="449112"/>
+                <a:ext cx="4608826" cy="622350"/>
               </a:xfrm>
               <a:prstGeom prst="rect">
                 <a:avLst/>
@@ -9179,8 +12104,8 @@
           </p:sp>
         </mc:Fallback>
       </mc:AlternateContent>
-      <mc:AlternateContent xmlns:mc="http://schemas.openxmlformats.org/markup-compatibility/2006" xmlns:a14="http://schemas.microsoft.com/office/drawing/2010/main">
-        <mc:Choice Requires="a14">
+      <mc:AlternateContent xmlns:mc="http://schemas.openxmlformats.org/markup-compatibility/2006">
+        <mc:Choice xmlns:a14="http://schemas.microsoft.com/office/drawing/2010/main" Requires="a14">
           <p:sp>
             <p:nvSpPr>
               <p:cNvPr id="40" name="文本框 39">
@@ -9195,7 +12120,7 @@
             </p:nvSpPr>
             <p:spPr>
               <a:xfrm>
-                <a:off x="5030507" y="2880155"/>
+                <a:off x="6565693" y="2927327"/>
                 <a:ext cx="5002267" cy="622350"/>
               </a:xfrm>
               <a:prstGeom prst="rect">
@@ -9504,7 +12429,7 @@
             </p:txBody>
           </p:sp>
         </mc:Choice>
-        <mc:Fallback xmlns="">
+        <mc:Fallback>
           <p:sp>
             <p:nvSpPr>
               <p:cNvPr id="40" name="文本框 39">
@@ -9521,7 +12446,7 @@
             </p:nvSpPr>
             <p:spPr>
               <a:xfrm>
-                <a:off x="5030507" y="2880155"/>
+                <a:off x="6565693" y="2927327"/>
                 <a:ext cx="5002267" cy="622350"/>
               </a:xfrm>
               <a:prstGeom prst="rect">
@@ -9980,7 +12905,7 @@
             <a:pPr algn="ctr"/>
             <a:r>
               <a:rPr lang="zh-CN" altLang="en-US" sz="1400" b="1" dirty="0"/>
-              <a:t>平面参考粒子轨迹</a:t>
+              <a:t>束线轨道</a:t>
             </a:r>
             <a:endParaRPr lang="en-US" altLang="zh-CN" sz="1400" b="1" dirty="0"/>
           </a:p>
@@ -11567,7 +14492,7 @@
             <a:pPr algn="ctr"/>
             <a:r>
               <a:rPr lang="zh-CN" altLang="en-US" sz="1400" b="1" dirty="0"/>
-              <a:t>粒子</a:t>
+              <a:t>三维空间粒子</a:t>
             </a:r>
             <a:endParaRPr lang="en-US" altLang="zh-CN" sz="1400" b="1" dirty="0"/>
           </a:p>
@@ -11874,8 +14799,43 @@
         </p:nvSpPr>
         <p:spPr>
           <a:xfrm>
-            <a:off x="2432768" y="1263395"/>
-            <a:ext cx="793807" cy="369332"/>
+            <a:off x="8950089" y="4229168"/>
+            <a:ext cx="300157" cy="646331"/>
+          </a:xfrm>
+          <a:prstGeom prst="rect">
+            <a:avLst/>
+          </a:prstGeom>
+          <a:noFill/>
+        </p:spPr>
+        <p:txBody>
+          <a:bodyPr wrap="square" rtlCol="0">
+            <a:spAutoFit/>
+          </a:bodyPr>
+          <a:lstStyle/>
+          <a:p>
+            <a:r>
+              <a:rPr lang="zh-CN" altLang="en-US" dirty="0"/>
+              <a:t>使用</a:t>
+            </a:r>
+          </a:p>
+        </p:txBody>
+      </p:sp>
+      <p:sp>
+        <p:nvSpPr>
+          <p:cNvPr id="19" name="文本框 18">
+            <a:extLst>
+              <a:ext uri="{FF2B5EF4-FFF2-40B4-BE49-F238E27FC236}">
+                <a16:creationId xmlns:a16="http://schemas.microsoft.com/office/drawing/2014/main" id="{3EF37C01-64AD-42A2-87B2-93D711381EC6}"/>
+              </a:ext>
+            </a:extLst>
+          </p:cNvPr>
+          <p:cNvSpPr txBox="1"/>
+          <p:nvPr/>
+        </p:nvSpPr>
+        <p:spPr>
+          <a:xfrm>
+            <a:off x="6556257" y="3428999"/>
+            <a:ext cx="1800493" cy="307777"/>
           </a:xfrm>
           <a:prstGeom prst="rect">
             <a:avLst/>
@@ -11889,19 +14849,18 @@
           <a:lstStyle/>
           <a:p>
             <a:r>
-              <a:rPr lang="en-US" altLang="zh-CN" dirty="0"/>
-              <a:t>create</a:t>
-            </a:r>
-            <a:endParaRPr lang="zh-CN" altLang="en-US" dirty="0"/>
-          </a:p>
-        </p:txBody>
-      </p:sp>
-      <p:sp>
-        <p:nvSpPr>
-          <p:cNvPr id="19" name="文本框 18">
-            <a:extLst>
-              <a:ext uri="{FF2B5EF4-FFF2-40B4-BE49-F238E27FC236}">
-                <a16:creationId xmlns:a16="http://schemas.microsoft.com/office/drawing/2014/main" id="{3EF37C01-64AD-42A2-87B2-93D711381EC6}"/>
+              <a:rPr lang="zh-CN" altLang="en-US" sz="1400" dirty="0"/>
+              <a:t>让粒子在磁场中运动</a:t>
+            </a:r>
+          </a:p>
+        </p:txBody>
+      </p:sp>
+      <p:sp>
+        <p:nvSpPr>
+          <p:cNvPr id="30" name="文本框 29">
+            <a:extLst>
+              <a:ext uri="{FF2B5EF4-FFF2-40B4-BE49-F238E27FC236}">
+                <a16:creationId xmlns:a16="http://schemas.microsoft.com/office/drawing/2014/main" id="{081DF3BD-7C20-4884-96EF-354F4BD55DA3}"/>
               </a:ext>
             </a:extLst>
           </p:cNvPr>
@@ -11910,8 +14869,8 @@
         </p:nvSpPr>
         <p:spPr>
           <a:xfrm>
-            <a:off x="6556257" y="3428999"/>
-            <a:ext cx="1800493" cy="307777"/>
+            <a:off x="3219765" y="3428999"/>
+            <a:ext cx="1867819" cy="307777"/>
           </a:xfrm>
           <a:prstGeom prst="rect">
             <a:avLst/>
@@ -11926,17 +14885,25 @@
           <a:p>
             <a:r>
               <a:rPr lang="zh-CN" altLang="en-US" sz="1400" dirty="0"/>
-              <a:t>让粒子在磁场中运动</a:t>
-            </a:r>
-          </a:p>
-        </p:txBody>
-      </p:sp>
-      <p:sp>
-        <p:nvSpPr>
-          <p:cNvPr id="30" name="文本框 29">
-            <a:extLst>
-              <a:ext uri="{FF2B5EF4-FFF2-40B4-BE49-F238E27FC236}">
-                <a16:creationId xmlns:a16="http://schemas.microsoft.com/office/drawing/2014/main" id="{081DF3BD-7C20-4884-96EF-354F4BD55DA3}"/>
+              <a:t>便捷的创建粒子</a:t>
+            </a:r>
+            <a:r>
+              <a:rPr lang="en-US" altLang="zh-CN" sz="1400" dirty="0"/>
+              <a:t>/</a:t>
+            </a:r>
+            <a:r>
+              <a:rPr lang="zh-CN" altLang="en-US" sz="1400" dirty="0"/>
+              <a:t>束流</a:t>
+            </a:r>
+          </a:p>
+        </p:txBody>
+      </p:sp>
+      <p:sp>
+        <p:nvSpPr>
+          <p:cNvPr id="34" name="文本框 33">
+            <a:extLst>
+              <a:ext uri="{FF2B5EF4-FFF2-40B4-BE49-F238E27FC236}">
+                <a16:creationId xmlns:a16="http://schemas.microsoft.com/office/drawing/2014/main" id="{8F7C4CC8-5CB7-4561-A793-AE73EA3551A3}"/>
               </a:ext>
             </a:extLst>
           </p:cNvPr>
@@ -11945,13 +14912,99 @@
         </p:nvSpPr>
         <p:spPr>
           <a:xfrm>
-            <a:off x="3219765" y="3428999"/>
-            <a:ext cx="1867819" cy="307777"/>
+            <a:off x="5762081" y="4075281"/>
+            <a:ext cx="447450" cy="954107"/>
           </a:xfrm>
           <a:prstGeom prst="rect">
             <a:avLst/>
           </a:prstGeom>
           <a:noFill/>
+        </p:spPr>
+        <p:txBody>
+          <a:bodyPr wrap="square" rtlCol="0">
+            <a:spAutoFit/>
+          </a:bodyPr>
+          <a:lstStyle/>
+          <a:p>
+            <a:r>
+              <a:rPr lang="zh-CN" altLang="en-US" sz="1400" dirty="0"/>
+              <a:t>互相转换</a:t>
+            </a:r>
+          </a:p>
+        </p:txBody>
+      </p:sp>
+      <p:cxnSp>
+        <p:nvCxnSpPr>
+          <p:cNvPr id="13" name="直接箭头连接符 12">
+            <a:extLst>
+              <a:ext uri="{FF2B5EF4-FFF2-40B4-BE49-F238E27FC236}">
+                <a16:creationId xmlns:a16="http://schemas.microsoft.com/office/drawing/2014/main" id="{D329CC8A-84E1-4377-8284-CAE2FF3809C7}"/>
+              </a:ext>
+            </a:extLst>
+          </p:cNvPr>
+          <p:cNvCxnSpPr>
+            <a:cxnSpLocks/>
+            <a:endCxn id="20" idx="0"/>
+          </p:cNvCxnSpPr>
+          <p:nvPr/>
+        </p:nvCxnSpPr>
+        <p:spPr>
+          <a:xfrm>
+            <a:off x="9019493" y="3952220"/>
+            <a:ext cx="0" cy="1200229"/>
+          </a:xfrm>
+          <a:prstGeom prst="straightConnector1">
+            <a:avLst/>
+          </a:prstGeom>
+          <a:ln w="19050">
+            <a:solidFill>
+              <a:schemeClr val="tx1"/>
+            </a:solidFill>
+            <a:prstDash val="sysDot"/>
+            <a:tailEnd type="triangle"/>
+          </a:ln>
+        </p:spPr>
+        <p:style>
+          <a:lnRef idx="1">
+            <a:schemeClr val="accent1"/>
+          </a:lnRef>
+          <a:fillRef idx="0">
+            <a:schemeClr val="accent1"/>
+          </a:fillRef>
+          <a:effectRef idx="0">
+            <a:schemeClr val="accent1"/>
+          </a:effectRef>
+          <a:fontRef idx="minor">
+            <a:schemeClr val="tx1"/>
+          </a:fontRef>
+        </p:style>
+      </p:cxnSp>
+      <p:sp>
+        <p:nvSpPr>
+          <p:cNvPr id="20" name="文本框 19">
+            <a:extLst>
+              <a:ext uri="{FF2B5EF4-FFF2-40B4-BE49-F238E27FC236}">
+                <a16:creationId xmlns:a16="http://schemas.microsoft.com/office/drawing/2014/main" id="{4F80085F-43C3-418E-AB92-CF8BB846135D}"/>
+              </a:ext>
+            </a:extLst>
+          </p:cNvPr>
+          <p:cNvSpPr txBox="1"/>
+          <p:nvPr/>
+        </p:nvSpPr>
+        <p:spPr>
+          <a:xfrm>
+            <a:off x="8611368" y="5152449"/>
+            <a:ext cx="816249" cy="523220"/>
+          </a:xfrm>
+          <a:prstGeom prst="rect">
+            <a:avLst/>
+          </a:prstGeom>
+          <a:noFill/>
+          <a:ln>
+            <a:solidFill>
+              <a:schemeClr val="tx1"/>
+            </a:solidFill>
+          </a:ln>
         </p:spPr>
         <p:txBody>
           <a:bodyPr wrap="none" rtlCol="0">
@@ -11959,27 +15012,28 @@
           </a:bodyPr>
           <a:lstStyle/>
           <a:p>
-            <a:r>
-              <a:rPr lang="zh-CN" altLang="en-US" sz="1400" dirty="0"/>
-              <a:t>便捷的创建粒子</a:t>
-            </a:r>
-            <a:r>
-              <a:rPr lang="en-US" altLang="zh-CN" sz="1400" dirty="0"/>
-              <a:t>/</a:t>
-            </a:r>
-            <a:r>
-              <a:rPr lang="zh-CN" altLang="en-US" sz="1400" dirty="0"/>
-              <a:t>束流</a:t>
-            </a:r>
-          </a:p>
-        </p:txBody>
-      </p:sp>
-      <p:sp>
-        <p:nvSpPr>
-          <p:cNvPr id="34" name="文本框 33">
-            <a:extLst>
-              <a:ext uri="{FF2B5EF4-FFF2-40B4-BE49-F238E27FC236}">
-                <a16:creationId xmlns:a16="http://schemas.microsoft.com/office/drawing/2014/main" id="{8F7C4CC8-5CB7-4561-A793-AE73EA3551A3}"/>
+            <a:pPr algn="ctr"/>
+            <a:r>
+              <a:rPr lang="en-US" altLang="zh-CN" sz="1400" b="1" dirty="0"/>
+              <a:t>Magnet</a:t>
+            </a:r>
+          </a:p>
+          <a:p>
+            <a:pPr algn="ctr"/>
+            <a:r>
+              <a:rPr lang="zh-CN" altLang="en-US" sz="1400" b="1" dirty="0"/>
+              <a:t>磁铁</a:t>
+            </a:r>
+            <a:endParaRPr lang="en-US" altLang="zh-CN" sz="1400" b="1" dirty="0"/>
+          </a:p>
+        </p:txBody>
+      </p:sp>
+      <p:sp>
+        <p:nvSpPr>
+          <p:cNvPr id="21" name="文本框 20">
+            <a:extLst>
+              <a:ext uri="{FF2B5EF4-FFF2-40B4-BE49-F238E27FC236}">
+                <a16:creationId xmlns:a16="http://schemas.microsoft.com/office/drawing/2014/main" id="{0BCACF24-ABC5-4537-AF43-31B34EFA7DA5}"/>
               </a:ext>
             </a:extLst>
           </p:cNvPr>
@@ -11988,8 +15042,8 @@
         </p:nvSpPr>
         <p:spPr>
           <a:xfrm>
-            <a:off x="5762081" y="4075281"/>
-            <a:ext cx="447450" cy="954107"/>
+            <a:off x="2365996" y="4235568"/>
+            <a:ext cx="300157" cy="646331"/>
           </a:xfrm>
           <a:prstGeom prst="rect">
             <a:avLst/>
@@ -12003,9 +15057,104 @@
           <a:lstStyle/>
           <a:p>
             <a:r>
-              <a:rPr lang="zh-CN" altLang="en-US" sz="1400" dirty="0"/>
-              <a:t>互相转换</a:t>
-            </a:r>
+              <a:rPr lang="zh-CN" altLang="en-US" dirty="0"/>
+              <a:t>使用</a:t>
+            </a:r>
+          </a:p>
+        </p:txBody>
+      </p:sp>
+      <p:cxnSp>
+        <p:nvCxnSpPr>
+          <p:cNvPr id="22" name="直接箭头连接符 21">
+            <a:extLst>
+              <a:ext uri="{FF2B5EF4-FFF2-40B4-BE49-F238E27FC236}">
+                <a16:creationId xmlns:a16="http://schemas.microsoft.com/office/drawing/2014/main" id="{80DF0614-A073-418A-AFA2-8A252ABA07E7}"/>
+              </a:ext>
+            </a:extLst>
+          </p:cNvPr>
+          <p:cNvCxnSpPr>
+            <a:cxnSpLocks/>
+            <a:endCxn id="23" idx="0"/>
+          </p:cNvCxnSpPr>
+          <p:nvPr/>
+        </p:nvCxnSpPr>
+        <p:spPr>
+          <a:xfrm>
+            <a:off x="2435400" y="3958620"/>
+            <a:ext cx="3" cy="1200229"/>
+          </a:xfrm>
+          <a:prstGeom prst="straightConnector1">
+            <a:avLst/>
+          </a:prstGeom>
+          <a:ln w="19050">
+            <a:solidFill>
+              <a:schemeClr val="tx1"/>
+            </a:solidFill>
+            <a:prstDash val="sysDot"/>
+            <a:tailEnd type="triangle"/>
+          </a:ln>
+        </p:spPr>
+        <p:style>
+          <a:lnRef idx="1">
+            <a:schemeClr val="accent1"/>
+          </a:lnRef>
+          <a:fillRef idx="0">
+            <a:schemeClr val="accent1"/>
+          </a:fillRef>
+          <a:effectRef idx="0">
+            <a:schemeClr val="accent1"/>
+          </a:effectRef>
+          <a:fontRef idx="minor">
+            <a:schemeClr val="tx1"/>
+          </a:fontRef>
+        </p:style>
+      </p:cxnSp>
+      <p:sp>
+        <p:nvSpPr>
+          <p:cNvPr id="23" name="文本框 22">
+            <a:extLst>
+              <a:ext uri="{FF2B5EF4-FFF2-40B4-BE49-F238E27FC236}">
+                <a16:creationId xmlns:a16="http://schemas.microsoft.com/office/drawing/2014/main" id="{06132AA6-F30B-4268-BCC2-2EF403CC026C}"/>
+              </a:ext>
+            </a:extLst>
+          </p:cNvPr>
+          <p:cNvSpPr txBox="1"/>
+          <p:nvPr/>
+        </p:nvSpPr>
+        <p:spPr>
+          <a:xfrm>
+            <a:off x="1702670" y="5158849"/>
+            <a:ext cx="1465466" cy="523220"/>
+          </a:xfrm>
+          <a:prstGeom prst="rect">
+            <a:avLst/>
+          </a:prstGeom>
+          <a:noFill/>
+          <a:ln>
+            <a:solidFill>
+              <a:schemeClr val="tx1"/>
+            </a:solidFill>
+          </a:ln>
+        </p:spPr>
+        <p:txBody>
+          <a:bodyPr wrap="none" rtlCol="0">
+            <a:spAutoFit/>
+          </a:bodyPr>
+          <a:lstStyle/>
+          <a:p>
+            <a:pPr algn="ctr"/>
+            <a:r>
+              <a:rPr lang="en-US" altLang="zh-CN" sz="1400" b="1" dirty="0"/>
+              <a:t>Protons</a:t>
+            </a:r>
+          </a:p>
+          <a:p>
+            <a:pPr algn="ctr"/>
+            <a:r>
+              <a:rPr lang="zh-CN" altLang="en-US" sz="1400" b="1" dirty="0"/>
+              <a:t>质子相关的工具</a:t>
+            </a:r>
+            <a:endParaRPr lang="en-US" altLang="zh-CN" sz="1400" b="1" dirty="0"/>
           </a:p>
         </p:txBody>
       </p:sp>
